--- a/docs/papers/Computer systems with Sigma16 and Hydra.pptx
+++ b/docs/papers/Computer systems with Sigma16 and Hydra.pptx
@@ -1,15 +1,42 @@
 
 <file path=ppt/presentation.xml><?xml version="1.0" encoding="utf-8"?>
-<p:presentation xmlns:a="http://schemas.openxmlformats.org/drawingml/2006/main" xmlns:r="http://schemas.openxmlformats.org/officeDocument/2006/relationships" xmlns:p="http://schemas.openxmlformats.org/presentationml/2006/main" saveSubsetFonts="1">
+<p:presentation xmlns:a="http://schemas.openxmlformats.org/drawingml/2006/main" xmlns:r="http://schemas.openxmlformats.org/officeDocument/2006/relationships" xmlns:p="http://schemas.openxmlformats.org/presentationml/2006/main" showSpecialPlsOnTitleSld="0" saveSubsetFonts="1">
   <p:sldMasterIdLst>
     <p:sldMasterId id="2147483648" r:id="rId1"/>
   </p:sldMasterIdLst>
+  <p:notesMasterIdLst>
+    <p:notesMasterId r:id="rId31"/>
+  </p:notesMasterIdLst>
   <p:sldIdLst>
     <p:sldId id="256" r:id="rId2"/>
     <p:sldId id="259" r:id="rId3"/>
     <p:sldId id="257" r:id="rId4"/>
-    <p:sldId id="258" r:id="rId5"/>
-    <p:sldId id="260" r:id="rId6"/>
+    <p:sldId id="267" r:id="rId5"/>
+    <p:sldId id="278" r:id="rId6"/>
+    <p:sldId id="279" r:id="rId7"/>
+    <p:sldId id="281" r:id="rId8"/>
+    <p:sldId id="282" r:id="rId9"/>
+    <p:sldId id="268" r:id="rId10"/>
+    <p:sldId id="280" r:id="rId11"/>
+    <p:sldId id="261" r:id="rId12"/>
+    <p:sldId id="264" r:id="rId13"/>
+    <p:sldId id="269" r:id="rId14"/>
+    <p:sldId id="270" r:id="rId15"/>
+    <p:sldId id="271" r:id="rId16"/>
+    <p:sldId id="272" r:id="rId17"/>
+    <p:sldId id="262" r:id="rId18"/>
+    <p:sldId id="266" r:id="rId19"/>
+    <p:sldId id="265" r:id="rId20"/>
+    <p:sldId id="276" r:id="rId21"/>
+    <p:sldId id="283" r:id="rId22"/>
+    <p:sldId id="260" r:id="rId23"/>
+    <p:sldId id="277" r:id="rId24"/>
+    <p:sldId id="284" r:id="rId25"/>
+    <p:sldId id="286" r:id="rId26"/>
+    <p:sldId id="274" r:id="rId27"/>
+    <p:sldId id="273" r:id="rId28"/>
+    <p:sldId id="275" r:id="rId29"/>
+    <p:sldId id="285" r:id="rId30"/>
   </p:sldIdLst>
   <p:sldSz cx="12192000" cy="6858000"/>
   <p:notesSz cx="6858000" cy="9144000"/>
@@ -108,7 +135,361 @@
       </a:defRPr>
     </a:lvl9pPr>
   </p:defaultTextStyle>
+  <p:extLst>
+    <p:ext uri="{EFAFB233-063F-42B5-8137-9DF3F51BA10A}">
+      <p15:sldGuideLst xmlns:p15="http://schemas.microsoft.com/office/powerpoint/2012/main"/>
+    </p:ext>
+  </p:extLst>
 </p:presentation>
+</file>
+
+<file path=ppt/notesMasters/notesMaster1.xml><?xml version="1.0" encoding="utf-8"?>
+<p:notesMaster xmlns:a="http://schemas.openxmlformats.org/drawingml/2006/main" xmlns:r="http://schemas.openxmlformats.org/officeDocument/2006/relationships" xmlns:p="http://schemas.openxmlformats.org/presentationml/2006/main">
+  <p:cSld>
+    <p:bg>
+      <p:bgRef idx="1001">
+        <a:schemeClr val="bg1"/>
+      </p:bgRef>
+    </p:bg>
+    <p:spTree>
+      <p:nvGrpSpPr>
+        <p:cNvPr id="1" name=""/>
+        <p:cNvGrpSpPr/>
+        <p:nvPr/>
+      </p:nvGrpSpPr>
+      <p:grpSpPr>
+        <a:xfrm>
+          <a:off x="0" y="0"/>
+          <a:ext cx="0" cy="0"/>
+          <a:chOff x="0" y="0"/>
+          <a:chExt cx="0" cy="0"/>
+        </a:xfrm>
+      </p:grpSpPr>
+      <p:sp>
+        <p:nvSpPr>
+          <p:cNvPr id="2" name="Header Placeholder 1"/>
+          <p:cNvSpPr>
+            <a:spLocks noGrp="1"/>
+          </p:cNvSpPr>
+          <p:nvPr>
+            <p:ph type="hdr" sz="quarter"/>
+          </p:nvPr>
+        </p:nvSpPr>
+        <p:spPr>
+          <a:xfrm>
+            <a:off x="0" y="0"/>
+            <a:ext cx="2971800" cy="458788"/>
+          </a:xfrm>
+          <a:prstGeom prst="rect">
+            <a:avLst/>
+          </a:prstGeom>
+        </p:spPr>
+        <p:txBody>
+          <a:bodyPr vert="horz" lIns="91440" tIns="45720" rIns="91440" bIns="45720" rtlCol="0"/>
+          <a:lstStyle>
+            <a:lvl1pPr algn="l">
+              <a:defRPr sz="1200"/>
+            </a:lvl1pPr>
+          </a:lstStyle>
+          <a:p>
+            <a:endParaRPr lang="en-US"/>
+          </a:p>
+        </p:txBody>
+      </p:sp>
+      <p:sp>
+        <p:nvSpPr>
+          <p:cNvPr id="3" name="Date Placeholder 2"/>
+          <p:cNvSpPr>
+            <a:spLocks noGrp="1"/>
+          </p:cNvSpPr>
+          <p:nvPr>
+            <p:ph type="dt" idx="1"/>
+          </p:nvPr>
+        </p:nvSpPr>
+        <p:spPr>
+          <a:xfrm>
+            <a:off x="3884613" y="0"/>
+            <a:ext cx="2971800" cy="458788"/>
+          </a:xfrm>
+          <a:prstGeom prst="rect">
+            <a:avLst/>
+          </a:prstGeom>
+        </p:spPr>
+        <p:txBody>
+          <a:bodyPr vert="horz" lIns="91440" tIns="45720" rIns="91440" bIns="45720" rtlCol="0"/>
+          <a:lstStyle>
+            <a:lvl1pPr algn="r">
+              <a:defRPr sz="1200"/>
+            </a:lvl1pPr>
+          </a:lstStyle>
+          <a:p>
+            <a:fld id="{809BFE68-5C19-4C35-9264-DC8CD27D6381}" type="datetimeFigureOut">
+              <a:rPr lang="en-US" smtClean="0"/>
+              <a:t>2020-01-26</a:t>
+            </a:fld>
+            <a:endParaRPr lang="en-US"/>
+          </a:p>
+        </p:txBody>
+      </p:sp>
+      <p:sp>
+        <p:nvSpPr>
+          <p:cNvPr id="4" name="Slide Image Placeholder 3"/>
+          <p:cNvSpPr>
+            <a:spLocks noGrp="1" noRot="1" noChangeAspect="1"/>
+          </p:cNvSpPr>
+          <p:nvPr>
+            <p:ph type="sldImg" idx="2"/>
+          </p:nvPr>
+        </p:nvSpPr>
+        <p:spPr>
+          <a:xfrm>
+            <a:off x="685800" y="1143000"/>
+            <a:ext cx="5486400" cy="3086100"/>
+          </a:xfrm>
+          <a:prstGeom prst="rect">
+            <a:avLst/>
+          </a:prstGeom>
+          <a:noFill/>
+          <a:ln w="12700">
+            <a:solidFill>
+              <a:prstClr val="black"/>
+            </a:solidFill>
+          </a:ln>
+        </p:spPr>
+        <p:txBody>
+          <a:bodyPr vert="horz" lIns="91440" tIns="45720" rIns="91440" bIns="45720" rtlCol="0" anchor="ctr"/>
+          <a:lstStyle/>
+          <a:p>
+            <a:endParaRPr lang="en-US"/>
+          </a:p>
+        </p:txBody>
+      </p:sp>
+      <p:sp>
+        <p:nvSpPr>
+          <p:cNvPr id="5" name="Notes Placeholder 4"/>
+          <p:cNvSpPr>
+            <a:spLocks noGrp="1"/>
+          </p:cNvSpPr>
+          <p:nvPr>
+            <p:ph type="body" sz="quarter" idx="3"/>
+          </p:nvPr>
+        </p:nvSpPr>
+        <p:spPr>
+          <a:xfrm>
+            <a:off x="685800" y="4400550"/>
+            <a:ext cx="5486400" cy="3600450"/>
+          </a:xfrm>
+          <a:prstGeom prst="rect">
+            <a:avLst/>
+          </a:prstGeom>
+        </p:spPr>
+        <p:txBody>
+          <a:bodyPr vert="horz" lIns="91440" tIns="45720" rIns="91440" bIns="45720" rtlCol="0"/>
+          <a:lstStyle/>
+          <a:p>
+            <a:pPr lvl="0"/>
+            <a:r>
+              <a:rPr lang="en-US"/>
+              <a:t>Click to edit Master text styles</a:t>
+            </a:r>
+          </a:p>
+          <a:p>
+            <a:pPr lvl="1"/>
+            <a:r>
+              <a:rPr lang="en-US"/>
+              <a:t>Second level</a:t>
+            </a:r>
+          </a:p>
+          <a:p>
+            <a:pPr lvl="2"/>
+            <a:r>
+              <a:rPr lang="en-US"/>
+              <a:t>Third level</a:t>
+            </a:r>
+          </a:p>
+          <a:p>
+            <a:pPr lvl="3"/>
+            <a:r>
+              <a:rPr lang="en-US"/>
+              <a:t>Fourth level</a:t>
+            </a:r>
+          </a:p>
+          <a:p>
+            <a:pPr lvl="4"/>
+            <a:r>
+              <a:rPr lang="en-US"/>
+              <a:t>Fifth level</a:t>
+            </a:r>
+          </a:p>
+        </p:txBody>
+      </p:sp>
+      <p:sp>
+        <p:nvSpPr>
+          <p:cNvPr id="6" name="Footer Placeholder 5"/>
+          <p:cNvSpPr>
+            <a:spLocks noGrp="1"/>
+          </p:cNvSpPr>
+          <p:nvPr>
+            <p:ph type="ftr" sz="quarter" idx="4"/>
+          </p:nvPr>
+        </p:nvSpPr>
+        <p:spPr>
+          <a:xfrm>
+            <a:off x="0" y="8685213"/>
+            <a:ext cx="2971800" cy="458787"/>
+          </a:xfrm>
+          <a:prstGeom prst="rect">
+            <a:avLst/>
+          </a:prstGeom>
+        </p:spPr>
+        <p:txBody>
+          <a:bodyPr vert="horz" lIns="91440" tIns="45720" rIns="91440" bIns="45720" rtlCol="0" anchor="b"/>
+          <a:lstStyle>
+            <a:lvl1pPr algn="l">
+              <a:defRPr sz="1200"/>
+            </a:lvl1pPr>
+          </a:lstStyle>
+          <a:p>
+            <a:endParaRPr lang="en-US"/>
+          </a:p>
+        </p:txBody>
+      </p:sp>
+      <p:sp>
+        <p:nvSpPr>
+          <p:cNvPr id="7" name="Slide Number Placeholder 6"/>
+          <p:cNvSpPr>
+            <a:spLocks noGrp="1"/>
+          </p:cNvSpPr>
+          <p:nvPr>
+            <p:ph type="sldNum" sz="quarter" idx="5"/>
+          </p:nvPr>
+        </p:nvSpPr>
+        <p:spPr>
+          <a:xfrm>
+            <a:off x="3884613" y="8685213"/>
+            <a:ext cx="2971800" cy="458787"/>
+          </a:xfrm>
+          <a:prstGeom prst="rect">
+            <a:avLst/>
+          </a:prstGeom>
+        </p:spPr>
+        <p:txBody>
+          <a:bodyPr vert="horz" lIns="91440" tIns="45720" rIns="91440" bIns="45720" rtlCol="0" anchor="b"/>
+          <a:lstStyle>
+            <a:lvl1pPr algn="r">
+              <a:defRPr sz="1200"/>
+            </a:lvl1pPr>
+          </a:lstStyle>
+          <a:p>
+            <a:fld id="{019B2F0B-1425-47EC-A519-24644AA9D8AB}" type="slidenum">
+              <a:rPr lang="en-US" smtClean="0"/>
+              <a:t>‹#›</a:t>
+            </a:fld>
+            <a:endParaRPr lang="en-US"/>
+          </a:p>
+        </p:txBody>
+      </p:sp>
+    </p:spTree>
+    <p:extLst>
+      <p:ext uri="{BB962C8B-B14F-4D97-AF65-F5344CB8AC3E}">
+        <p14:creationId xmlns:p14="http://schemas.microsoft.com/office/powerpoint/2010/main" val="2936891418"/>
+      </p:ext>
+    </p:extLst>
+  </p:cSld>
+  <p:clrMap bg1="lt1" tx1="dk1" bg2="lt2" tx2="dk2" accent1="accent1" accent2="accent2" accent3="accent3" accent4="accent4" accent5="accent5" accent6="accent6" hlink="hlink" folHlink="folHlink"/>
+  <p:notesStyle>
+    <a:lvl1pPr marL="0" algn="l" defTabSz="914400" rtl="0" eaLnBrk="1" latinLnBrk="0" hangingPunct="1">
+      <a:defRPr sz="1200" kern="1200">
+        <a:solidFill>
+          <a:schemeClr val="tx1"/>
+        </a:solidFill>
+        <a:latin typeface="+mn-lt"/>
+        <a:ea typeface="+mn-ea"/>
+        <a:cs typeface="+mn-cs"/>
+      </a:defRPr>
+    </a:lvl1pPr>
+    <a:lvl2pPr marL="457200" algn="l" defTabSz="914400" rtl="0" eaLnBrk="1" latinLnBrk="0" hangingPunct="1">
+      <a:defRPr sz="1200" kern="1200">
+        <a:solidFill>
+          <a:schemeClr val="tx1"/>
+        </a:solidFill>
+        <a:latin typeface="+mn-lt"/>
+        <a:ea typeface="+mn-ea"/>
+        <a:cs typeface="+mn-cs"/>
+      </a:defRPr>
+    </a:lvl2pPr>
+    <a:lvl3pPr marL="914400" algn="l" defTabSz="914400" rtl="0" eaLnBrk="1" latinLnBrk="0" hangingPunct="1">
+      <a:defRPr sz="1200" kern="1200">
+        <a:solidFill>
+          <a:schemeClr val="tx1"/>
+        </a:solidFill>
+        <a:latin typeface="+mn-lt"/>
+        <a:ea typeface="+mn-ea"/>
+        <a:cs typeface="+mn-cs"/>
+      </a:defRPr>
+    </a:lvl3pPr>
+    <a:lvl4pPr marL="1371600" algn="l" defTabSz="914400" rtl="0" eaLnBrk="1" latinLnBrk="0" hangingPunct="1">
+      <a:defRPr sz="1200" kern="1200">
+        <a:solidFill>
+          <a:schemeClr val="tx1"/>
+        </a:solidFill>
+        <a:latin typeface="+mn-lt"/>
+        <a:ea typeface="+mn-ea"/>
+        <a:cs typeface="+mn-cs"/>
+      </a:defRPr>
+    </a:lvl4pPr>
+    <a:lvl5pPr marL="1828800" algn="l" defTabSz="914400" rtl="0" eaLnBrk="1" latinLnBrk="0" hangingPunct="1">
+      <a:defRPr sz="1200" kern="1200">
+        <a:solidFill>
+          <a:schemeClr val="tx1"/>
+        </a:solidFill>
+        <a:latin typeface="+mn-lt"/>
+        <a:ea typeface="+mn-ea"/>
+        <a:cs typeface="+mn-cs"/>
+      </a:defRPr>
+    </a:lvl5pPr>
+    <a:lvl6pPr marL="2286000" algn="l" defTabSz="914400" rtl="0" eaLnBrk="1" latinLnBrk="0" hangingPunct="1">
+      <a:defRPr sz="1200" kern="1200">
+        <a:solidFill>
+          <a:schemeClr val="tx1"/>
+        </a:solidFill>
+        <a:latin typeface="+mn-lt"/>
+        <a:ea typeface="+mn-ea"/>
+        <a:cs typeface="+mn-cs"/>
+      </a:defRPr>
+    </a:lvl6pPr>
+    <a:lvl7pPr marL="2743200" algn="l" defTabSz="914400" rtl="0" eaLnBrk="1" latinLnBrk="0" hangingPunct="1">
+      <a:defRPr sz="1200" kern="1200">
+        <a:solidFill>
+          <a:schemeClr val="tx1"/>
+        </a:solidFill>
+        <a:latin typeface="+mn-lt"/>
+        <a:ea typeface="+mn-ea"/>
+        <a:cs typeface="+mn-cs"/>
+      </a:defRPr>
+    </a:lvl7pPr>
+    <a:lvl8pPr marL="3200400" algn="l" defTabSz="914400" rtl="0" eaLnBrk="1" latinLnBrk="0" hangingPunct="1">
+      <a:defRPr sz="1200" kern="1200">
+        <a:solidFill>
+          <a:schemeClr val="tx1"/>
+        </a:solidFill>
+        <a:latin typeface="+mn-lt"/>
+        <a:ea typeface="+mn-ea"/>
+        <a:cs typeface="+mn-cs"/>
+      </a:defRPr>
+    </a:lvl8pPr>
+    <a:lvl9pPr marL="3657600" algn="l" defTabSz="914400" rtl="0" eaLnBrk="1" latinLnBrk="0" hangingPunct="1">
+      <a:defRPr sz="1200" kern="1200">
+        <a:solidFill>
+          <a:schemeClr val="tx1"/>
+        </a:solidFill>
+        <a:latin typeface="+mn-lt"/>
+        <a:ea typeface="+mn-ea"/>
+        <a:cs typeface="+mn-cs"/>
+      </a:defRPr>
+    </a:lvl9pPr>
+  </p:notesStyle>
+</p:notesMaster>
 </file>
 
 <file path=ppt/slideLayouts/slideLayout1.xml><?xml version="1.0" encoding="utf-8"?>
@@ -256,9 +637,9 @@
           <a:bodyPr/>
           <a:lstStyle/>
           <a:p>
-            <a:fld id="{5E7320F1-22AF-453A-9C1B-54D8306EC5D2}" type="datetimeFigureOut">
+            <a:fld id="{2B942027-F1FF-4694-BC23-4BACDFF19127}" type="datetime1">
               <a:rPr lang="en-US" smtClean="0"/>
-              <a:t>2020-01-25</a:t>
+              <a:t>2020-01-26</a:t>
             </a:fld>
             <a:endParaRPr lang="en-US"/>
           </a:p>
@@ -454,9 +835,9 @@
           <a:bodyPr/>
           <a:lstStyle/>
           <a:p>
-            <a:fld id="{5E7320F1-22AF-453A-9C1B-54D8306EC5D2}" type="datetimeFigureOut">
+            <a:fld id="{9F4634D2-D697-4099-AA2F-5017B73B0762}" type="datetime1">
               <a:rPr lang="en-US" smtClean="0"/>
-              <a:t>2020-01-25</a:t>
+              <a:t>2020-01-26</a:t>
             </a:fld>
             <a:endParaRPr lang="en-US"/>
           </a:p>
@@ -662,9 +1043,9 @@
           <a:bodyPr/>
           <a:lstStyle/>
           <a:p>
-            <a:fld id="{5E7320F1-22AF-453A-9C1B-54D8306EC5D2}" type="datetimeFigureOut">
+            <a:fld id="{5FB27577-B396-4755-B1F0-B9B80D7D9BB8}" type="datetime1">
               <a:rPr lang="en-US" smtClean="0"/>
-              <a:t>2020-01-25</a:t>
+              <a:t>2020-01-26</a:t>
             </a:fld>
             <a:endParaRPr lang="en-US"/>
           </a:p>
@@ -860,9 +1241,9 @@
           <a:bodyPr/>
           <a:lstStyle/>
           <a:p>
-            <a:fld id="{5E7320F1-22AF-453A-9C1B-54D8306EC5D2}" type="datetimeFigureOut">
+            <a:fld id="{051F5C61-6E0F-4701-84C8-B255DF50B6F4}" type="datetime1">
               <a:rPr lang="en-US" smtClean="0"/>
-              <a:t>2020-01-25</a:t>
+              <a:t>2020-01-26</a:t>
             </a:fld>
             <a:endParaRPr lang="en-US"/>
           </a:p>
@@ -1135,9 +1516,9 @@
           <a:bodyPr/>
           <a:lstStyle/>
           <a:p>
-            <a:fld id="{5E7320F1-22AF-453A-9C1B-54D8306EC5D2}" type="datetimeFigureOut">
+            <a:fld id="{90F0116C-4E9F-41F8-9F31-473935974D28}" type="datetime1">
               <a:rPr lang="en-US" smtClean="0"/>
-              <a:t>2020-01-25</a:t>
+              <a:t>2020-01-26</a:t>
             </a:fld>
             <a:endParaRPr lang="en-US"/>
           </a:p>
@@ -1400,9 +1781,9 @@
           <a:bodyPr/>
           <a:lstStyle/>
           <a:p>
-            <a:fld id="{5E7320F1-22AF-453A-9C1B-54D8306EC5D2}" type="datetimeFigureOut">
+            <a:fld id="{4766417B-AD2F-41E9-98D7-F27E875C3F74}" type="datetime1">
               <a:rPr lang="en-US" smtClean="0"/>
-              <a:t>2020-01-25</a:t>
+              <a:t>2020-01-26</a:t>
             </a:fld>
             <a:endParaRPr lang="en-US"/>
           </a:p>
@@ -1812,9 +2193,9 @@
           <a:bodyPr/>
           <a:lstStyle/>
           <a:p>
-            <a:fld id="{5E7320F1-22AF-453A-9C1B-54D8306EC5D2}" type="datetimeFigureOut">
+            <a:fld id="{D262EE47-CF78-47D4-8519-9B9020AC2E78}" type="datetime1">
               <a:rPr lang="en-US" smtClean="0"/>
-              <a:t>2020-01-25</a:t>
+              <a:t>2020-01-26</a:t>
             </a:fld>
             <a:endParaRPr lang="en-US"/>
           </a:p>
@@ -1953,9 +2334,9 @@
           <a:bodyPr/>
           <a:lstStyle/>
           <a:p>
-            <a:fld id="{5E7320F1-22AF-453A-9C1B-54D8306EC5D2}" type="datetimeFigureOut">
+            <a:fld id="{7D47BF38-958C-4147-AE28-E93B864FCEB9}" type="datetime1">
               <a:rPr lang="en-US" smtClean="0"/>
-              <a:t>2020-01-25</a:t>
+              <a:t>2020-01-26</a:t>
             </a:fld>
             <a:endParaRPr lang="en-US"/>
           </a:p>
@@ -2066,9 +2447,9 @@
           <a:bodyPr/>
           <a:lstStyle/>
           <a:p>
-            <a:fld id="{5E7320F1-22AF-453A-9C1B-54D8306EC5D2}" type="datetimeFigureOut">
+            <a:fld id="{476DAE89-2590-486E-A4C1-397AF9A5010C}" type="datetime1">
               <a:rPr lang="en-US" smtClean="0"/>
-              <a:t>2020-01-25</a:t>
+              <a:t>2020-01-26</a:t>
             </a:fld>
             <a:endParaRPr lang="en-US"/>
           </a:p>
@@ -2377,9 +2758,9 @@
           <a:bodyPr/>
           <a:lstStyle/>
           <a:p>
-            <a:fld id="{5E7320F1-22AF-453A-9C1B-54D8306EC5D2}" type="datetimeFigureOut">
+            <a:fld id="{B2CBB91C-488E-4943-AF5F-8D714B4A133B}" type="datetime1">
               <a:rPr lang="en-US" smtClean="0"/>
-              <a:t>2020-01-25</a:t>
+              <a:t>2020-01-26</a:t>
             </a:fld>
             <a:endParaRPr lang="en-US"/>
           </a:p>
@@ -2665,9 +3046,9 @@
           <a:bodyPr/>
           <a:lstStyle/>
           <a:p>
-            <a:fld id="{5E7320F1-22AF-453A-9C1B-54D8306EC5D2}" type="datetimeFigureOut">
+            <a:fld id="{68D56DE4-9991-48B5-9601-357A35BE7973}" type="datetime1">
               <a:rPr lang="en-US" smtClean="0"/>
-              <a:t>2020-01-25</a:t>
+              <a:t>2020-01-26</a:t>
             </a:fld>
             <a:endParaRPr lang="en-US"/>
           </a:p>
@@ -2906,9 +3287,9 @@
             </a:lvl1pPr>
           </a:lstStyle>
           <a:p>
-            <a:fld id="{5E7320F1-22AF-453A-9C1B-54D8306EC5D2}" type="datetimeFigureOut">
+            <a:fld id="{67B8778F-A376-4EB0-A029-05A0D48DE082}" type="datetime1">
               <a:rPr lang="en-US" smtClean="0"/>
-              <a:t>2020-01-25</a:t>
+              <a:t>2020-01-26</a:t>
             </a:fld>
             <a:endParaRPr lang="en-US"/>
           </a:p>
@@ -3025,6 +3406,7 @@
     <p:sldLayoutId id="2147483658" r:id="rId10"/>
     <p:sldLayoutId id="2147483659" r:id="rId11"/>
   </p:sldLayoutIdLst>
+  <p:hf hdr="0" ftr="0" dt="0"/>
   <p:txStyles>
     <p:titleStyle>
       <a:lvl1pPr algn="l" defTabSz="914400" rtl="0" eaLnBrk="1" latinLnBrk="0" hangingPunct="1">
@@ -3434,6 +3816,2703 @@
 </p:sld>
 </file>
 
+<file path=ppt/slides/slide10.xml><?xml version="1.0" encoding="utf-8"?>
+<p:sld xmlns:a="http://schemas.openxmlformats.org/drawingml/2006/main" xmlns:r="http://schemas.openxmlformats.org/officeDocument/2006/relationships" xmlns:p="http://schemas.openxmlformats.org/presentationml/2006/main">
+  <p:cSld>
+    <p:spTree>
+      <p:nvGrpSpPr>
+        <p:cNvPr id="1" name=""/>
+        <p:cNvGrpSpPr/>
+        <p:nvPr/>
+      </p:nvGrpSpPr>
+      <p:grpSpPr>
+        <a:xfrm>
+          <a:off x="0" y="0"/>
+          <a:ext cx="0" cy="0"/>
+          <a:chOff x="0" y="0"/>
+          <a:chExt cx="0" cy="0"/>
+        </a:xfrm>
+      </p:grpSpPr>
+      <p:sp>
+        <p:nvSpPr>
+          <p:cNvPr id="2" name="Title 1">
+            <a:extLst>
+              <a:ext uri="{FF2B5EF4-FFF2-40B4-BE49-F238E27FC236}">
+                <a16:creationId xmlns:a16="http://schemas.microsoft.com/office/drawing/2014/main" id="{3DCD48BC-1130-4EE5-8E99-FD84FCFADC35}"/>
+              </a:ext>
+            </a:extLst>
+          </p:cNvPr>
+          <p:cNvSpPr>
+            <a:spLocks noGrp="1"/>
+          </p:cNvSpPr>
+          <p:nvPr>
+            <p:ph type="title"/>
+          </p:nvPr>
+        </p:nvSpPr>
+        <p:spPr/>
+        <p:txBody>
+          <a:bodyPr/>
+          <a:lstStyle/>
+          <a:p>
+            <a:r>
+              <a:rPr lang="en-GB" dirty="0"/>
+              <a:t>Another example: Karnaugh maps</a:t>
+            </a:r>
+            <a:endParaRPr lang="en-US" dirty="0"/>
+          </a:p>
+        </p:txBody>
+      </p:sp>
+      <p:sp>
+        <p:nvSpPr>
+          <p:cNvPr id="3" name="Content Placeholder 2">
+            <a:extLst>
+              <a:ext uri="{FF2B5EF4-FFF2-40B4-BE49-F238E27FC236}">
+                <a16:creationId xmlns:a16="http://schemas.microsoft.com/office/drawing/2014/main" id="{1CB7ECC6-8E83-4AD0-BC13-C10966908862}"/>
+              </a:ext>
+            </a:extLst>
+          </p:cNvPr>
+          <p:cNvSpPr>
+            <a:spLocks noGrp="1"/>
+          </p:cNvSpPr>
+          <p:nvPr>
+            <p:ph idx="1"/>
+          </p:nvPr>
+        </p:nvSpPr>
+        <p:spPr/>
+        <p:txBody>
+          <a:bodyPr>
+            <a:normAutofit lnSpcReduction="10000"/>
+          </a:bodyPr>
+          <a:lstStyle/>
+          <a:p>
+            <a:r>
+              <a:rPr lang="en-GB" dirty="0"/>
+              <a:t>Karnaugh maps are a beautiful and elegant technique, well worth learning (if you have enough time)</a:t>
+            </a:r>
+          </a:p>
+          <a:p>
+            <a:r>
+              <a:rPr lang="en-GB" dirty="0"/>
+              <a:t>But…</a:t>
+            </a:r>
+          </a:p>
+          <a:p>
+            <a:pPr lvl="1"/>
+            <a:r>
+              <a:rPr lang="en-GB" dirty="0"/>
+              <a:t>They are just an optimisation technique</a:t>
+            </a:r>
+          </a:p>
+          <a:p>
+            <a:pPr lvl="1"/>
+            <a:r>
+              <a:rPr lang="en-GB" dirty="0"/>
+              <a:t>They are limited to very small scale problems</a:t>
+            </a:r>
+          </a:p>
+          <a:p>
+            <a:pPr lvl="1"/>
+            <a:r>
+              <a:rPr lang="en-GB" dirty="0"/>
+              <a:t>The focus the optimisation on reducing logic gates but they can inhibit algorithmic improvements</a:t>
+            </a:r>
+          </a:p>
+          <a:p>
+            <a:pPr lvl="1"/>
+            <a:r>
+              <a:rPr lang="en-GB" dirty="0"/>
+              <a:t>And they are just about obsolete—they were invented for optimising vacuum tube circuits but they often worsen VLSI circuits</a:t>
+            </a:r>
+          </a:p>
+          <a:p>
+            <a:r>
+              <a:rPr lang="en-GB" dirty="0"/>
+              <a:t>Wouldn’t it be more valuable to forget the optimisation, and learn instead how a circuit does realistic computation?</a:t>
+            </a:r>
+            <a:endParaRPr lang="en-US" dirty="0"/>
+          </a:p>
+        </p:txBody>
+      </p:sp>
+      <p:sp>
+        <p:nvSpPr>
+          <p:cNvPr id="4" name="Slide Number Placeholder 3">
+            <a:extLst>
+              <a:ext uri="{FF2B5EF4-FFF2-40B4-BE49-F238E27FC236}">
+                <a16:creationId xmlns:a16="http://schemas.microsoft.com/office/drawing/2014/main" id="{F88600AC-5B0D-41F8-B5ED-DB98D3041A73}"/>
+              </a:ext>
+            </a:extLst>
+          </p:cNvPr>
+          <p:cNvSpPr>
+            <a:spLocks noGrp="1"/>
+          </p:cNvSpPr>
+          <p:nvPr>
+            <p:ph type="sldNum" sz="quarter" idx="12"/>
+          </p:nvPr>
+        </p:nvSpPr>
+        <p:spPr/>
+        <p:txBody>
+          <a:bodyPr/>
+          <a:lstStyle/>
+          <a:p>
+            <a:fld id="{72A0DAED-63F2-4DE8-BA3E-AD42A00CD13D}" type="slidenum">
+              <a:rPr lang="en-US" smtClean="0"/>
+              <a:t>10</a:t>
+            </a:fld>
+            <a:endParaRPr lang="en-US"/>
+          </a:p>
+        </p:txBody>
+      </p:sp>
+    </p:spTree>
+    <p:extLst>
+      <p:ext uri="{BB962C8B-B14F-4D97-AF65-F5344CB8AC3E}">
+        <p14:creationId xmlns:p14="http://schemas.microsoft.com/office/powerpoint/2010/main" val="1240940096"/>
+      </p:ext>
+    </p:extLst>
+  </p:cSld>
+  <p:clrMapOvr>
+    <a:masterClrMapping/>
+  </p:clrMapOvr>
+</p:sld>
+</file>
+
+<file path=ppt/slides/slide11.xml><?xml version="1.0" encoding="utf-8"?>
+<p:sld xmlns:a="http://schemas.openxmlformats.org/drawingml/2006/main" xmlns:r="http://schemas.openxmlformats.org/officeDocument/2006/relationships" xmlns:p="http://schemas.openxmlformats.org/presentationml/2006/main">
+  <p:cSld>
+    <p:spTree>
+      <p:nvGrpSpPr>
+        <p:cNvPr id="1" name=""/>
+        <p:cNvGrpSpPr/>
+        <p:nvPr/>
+      </p:nvGrpSpPr>
+      <p:grpSpPr>
+        <a:xfrm>
+          <a:off x="0" y="0"/>
+          <a:ext cx="0" cy="0"/>
+          <a:chOff x="0" y="0"/>
+          <a:chExt cx="0" cy="0"/>
+        </a:xfrm>
+      </p:grpSpPr>
+      <p:sp>
+        <p:nvSpPr>
+          <p:cNvPr id="2" name="Title 1">
+            <a:extLst>
+              <a:ext uri="{FF2B5EF4-FFF2-40B4-BE49-F238E27FC236}">
+                <a16:creationId xmlns:a16="http://schemas.microsoft.com/office/drawing/2014/main" id="{0A2C6F89-8500-4272-BFDA-BFE347EE9DEA}"/>
+              </a:ext>
+            </a:extLst>
+          </p:cNvPr>
+          <p:cNvSpPr>
+            <a:spLocks noGrp="1"/>
+          </p:cNvSpPr>
+          <p:nvPr>
+            <p:ph type="title"/>
+          </p:nvPr>
+        </p:nvSpPr>
+        <p:spPr/>
+        <p:txBody>
+          <a:bodyPr/>
+          <a:lstStyle/>
+          <a:p>
+            <a:r>
+              <a:rPr lang="en-US" dirty="0"/>
+              <a:t>Topics of computer systems course</a:t>
+            </a:r>
+          </a:p>
+        </p:txBody>
+      </p:sp>
+      <p:sp>
+        <p:nvSpPr>
+          <p:cNvPr id="3" name="Content Placeholder 2">
+            <a:extLst>
+              <a:ext uri="{FF2B5EF4-FFF2-40B4-BE49-F238E27FC236}">
+                <a16:creationId xmlns:a16="http://schemas.microsoft.com/office/drawing/2014/main" id="{30D3FFD1-E712-4F85-8E5C-5C29163EE960}"/>
+              </a:ext>
+            </a:extLst>
+          </p:cNvPr>
+          <p:cNvSpPr>
+            <a:spLocks noGrp="1"/>
+          </p:cNvSpPr>
+          <p:nvPr>
+            <p:ph idx="1"/>
+          </p:nvPr>
+        </p:nvSpPr>
+        <p:spPr>
+          <a:xfrm>
+            <a:off x="838200" y="1825624"/>
+            <a:ext cx="10515600" cy="4530725"/>
+          </a:xfrm>
+        </p:spPr>
+        <p:txBody>
+          <a:bodyPr>
+            <a:normAutofit lnSpcReduction="10000"/>
+          </a:bodyPr>
+          <a:lstStyle/>
+          <a:p>
+            <a:r>
+              <a:rPr lang="en-US" dirty="0"/>
+              <a:t>Data representation</a:t>
+            </a:r>
+          </a:p>
+          <a:p>
+            <a:r>
+              <a:rPr lang="en-US" dirty="0"/>
+              <a:t>Digital circuits</a:t>
+            </a:r>
+          </a:p>
+          <a:p>
+            <a:r>
+              <a:rPr lang="en-US" dirty="0"/>
+              <a:t>Computer architecture</a:t>
+            </a:r>
+          </a:p>
+          <a:p>
+            <a:endParaRPr lang="en-US" dirty="0"/>
+          </a:p>
+          <a:p>
+            <a:pPr marL="0" indent="0">
+              <a:buNone/>
+            </a:pPr>
+            <a:r>
+              <a:rPr lang="en-US" dirty="0"/>
+              <a:t>These are often treated as almost unrelated separate subjects</a:t>
+            </a:r>
+          </a:p>
+          <a:p>
+            <a:pPr marL="0" indent="0">
+              <a:buNone/>
+            </a:pPr>
+            <a:endParaRPr lang="en-US" dirty="0"/>
+          </a:p>
+          <a:p>
+            <a:pPr marL="0" indent="0">
+              <a:buNone/>
+            </a:pPr>
+            <a:r>
+              <a:rPr lang="en-US" dirty="0"/>
+              <a:t>But the fundamental concepts are</a:t>
+            </a:r>
+          </a:p>
+          <a:p>
+            <a:r>
+              <a:rPr lang="en-US" dirty="0"/>
+              <a:t>Levels of abstraction</a:t>
+            </a:r>
+          </a:p>
+          <a:p>
+            <a:r>
+              <a:rPr lang="en-US" dirty="0"/>
+              <a:t>Connections between the levels</a:t>
+            </a:r>
+          </a:p>
+          <a:p>
+            <a:pPr marL="0" indent="0">
+              <a:buNone/>
+            </a:pPr>
+            <a:endParaRPr lang="en-US" dirty="0"/>
+          </a:p>
+        </p:txBody>
+      </p:sp>
+      <p:sp>
+        <p:nvSpPr>
+          <p:cNvPr id="4" name="Slide Number Placeholder 3">
+            <a:extLst>
+              <a:ext uri="{FF2B5EF4-FFF2-40B4-BE49-F238E27FC236}">
+                <a16:creationId xmlns:a16="http://schemas.microsoft.com/office/drawing/2014/main" id="{6C1CA809-7652-4FA7-9E36-A29FA5970847}"/>
+              </a:ext>
+            </a:extLst>
+          </p:cNvPr>
+          <p:cNvSpPr>
+            <a:spLocks noGrp="1"/>
+          </p:cNvSpPr>
+          <p:nvPr>
+            <p:ph type="sldNum" sz="quarter" idx="12"/>
+          </p:nvPr>
+        </p:nvSpPr>
+        <p:spPr/>
+        <p:txBody>
+          <a:bodyPr/>
+          <a:lstStyle/>
+          <a:p>
+            <a:fld id="{72A0DAED-63F2-4DE8-BA3E-AD42A00CD13D}" type="slidenum">
+              <a:rPr lang="en-US" smtClean="0"/>
+              <a:t>11</a:t>
+            </a:fld>
+            <a:endParaRPr lang="en-US"/>
+          </a:p>
+        </p:txBody>
+      </p:sp>
+    </p:spTree>
+    <p:extLst>
+      <p:ext uri="{BB962C8B-B14F-4D97-AF65-F5344CB8AC3E}">
+        <p14:creationId xmlns:p14="http://schemas.microsoft.com/office/powerpoint/2010/main" val="4211613598"/>
+      </p:ext>
+    </p:extLst>
+  </p:cSld>
+  <p:clrMapOvr>
+    <a:masterClrMapping/>
+  </p:clrMapOvr>
+</p:sld>
+</file>
+
+<file path=ppt/slides/slide12.xml><?xml version="1.0" encoding="utf-8"?>
+<p:sld xmlns:a="http://schemas.openxmlformats.org/drawingml/2006/main" xmlns:r="http://schemas.openxmlformats.org/officeDocument/2006/relationships" xmlns:p="http://schemas.openxmlformats.org/presentationml/2006/main">
+  <p:cSld>
+    <p:spTree>
+      <p:nvGrpSpPr>
+        <p:cNvPr id="1" name=""/>
+        <p:cNvGrpSpPr/>
+        <p:nvPr/>
+      </p:nvGrpSpPr>
+      <p:grpSpPr>
+        <a:xfrm>
+          <a:off x="0" y="0"/>
+          <a:ext cx="0" cy="0"/>
+          <a:chOff x="0" y="0"/>
+          <a:chExt cx="0" cy="0"/>
+        </a:xfrm>
+      </p:grpSpPr>
+      <p:sp>
+        <p:nvSpPr>
+          <p:cNvPr id="2" name="Title 1">
+            <a:extLst>
+              <a:ext uri="{FF2B5EF4-FFF2-40B4-BE49-F238E27FC236}">
+                <a16:creationId xmlns:a16="http://schemas.microsoft.com/office/drawing/2014/main" id="{E59E0E59-C0FC-419C-84E3-6439049D02D0}"/>
+              </a:ext>
+            </a:extLst>
+          </p:cNvPr>
+          <p:cNvSpPr>
+            <a:spLocks noGrp="1"/>
+          </p:cNvSpPr>
+          <p:nvPr>
+            <p:ph type="title"/>
+          </p:nvPr>
+        </p:nvSpPr>
+        <p:spPr>
+          <a:xfrm>
+            <a:off x="290624" y="365125"/>
+            <a:ext cx="11681636" cy="1325563"/>
+          </a:xfrm>
+        </p:spPr>
+        <p:txBody>
+          <a:bodyPr/>
+          <a:lstStyle/>
+          <a:p>
+            <a:r>
+              <a:rPr lang="en-US" dirty="0"/>
+              <a:t>A few of the levels of abstraction</a:t>
+            </a:r>
+          </a:p>
+        </p:txBody>
+      </p:sp>
+      <p:cxnSp>
+        <p:nvCxnSpPr>
+          <p:cNvPr id="6" name="Straight Connector 5">
+            <a:extLst>
+              <a:ext uri="{FF2B5EF4-FFF2-40B4-BE49-F238E27FC236}">
+                <a16:creationId xmlns:a16="http://schemas.microsoft.com/office/drawing/2014/main" id="{62D707F4-F0F9-4652-A850-7D63B41EFD9B}"/>
+              </a:ext>
+            </a:extLst>
+          </p:cNvPr>
+          <p:cNvCxnSpPr/>
+          <p:nvPr/>
+        </p:nvCxnSpPr>
+        <p:spPr>
+          <a:xfrm>
+            <a:off x="3033823" y="6266121"/>
+            <a:ext cx="5706140" cy="0"/>
+          </a:xfrm>
+          <a:prstGeom prst="line">
+            <a:avLst/>
+          </a:prstGeom>
+          <a:ln w="28575">
+            <a:solidFill>
+              <a:srgbClr val="00B050"/>
+            </a:solidFill>
+          </a:ln>
+        </p:spPr>
+        <p:style>
+          <a:lnRef idx="1">
+            <a:schemeClr val="accent1"/>
+          </a:lnRef>
+          <a:fillRef idx="0">
+            <a:schemeClr val="accent1"/>
+          </a:fillRef>
+          <a:effectRef idx="0">
+            <a:schemeClr val="accent1"/>
+          </a:effectRef>
+          <a:fontRef idx="minor">
+            <a:schemeClr val="tx1"/>
+          </a:fontRef>
+        </p:style>
+      </p:cxnSp>
+      <p:cxnSp>
+        <p:nvCxnSpPr>
+          <p:cNvPr id="7" name="Straight Connector 6">
+            <a:extLst>
+              <a:ext uri="{FF2B5EF4-FFF2-40B4-BE49-F238E27FC236}">
+                <a16:creationId xmlns:a16="http://schemas.microsoft.com/office/drawing/2014/main" id="{7229D21C-28C8-4D11-889B-8A9E8D4573D1}"/>
+              </a:ext>
+            </a:extLst>
+          </p:cNvPr>
+          <p:cNvCxnSpPr/>
+          <p:nvPr/>
+        </p:nvCxnSpPr>
+        <p:spPr>
+          <a:xfrm>
+            <a:off x="3203944" y="2434855"/>
+            <a:ext cx="5706140" cy="0"/>
+          </a:xfrm>
+          <a:prstGeom prst="line">
+            <a:avLst/>
+          </a:prstGeom>
+          <a:ln w="28575">
+            <a:solidFill>
+              <a:srgbClr val="00B050"/>
+            </a:solidFill>
+          </a:ln>
+        </p:spPr>
+        <p:style>
+          <a:lnRef idx="1">
+            <a:schemeClr val="accent1"/>
+          </a:lnRef>
+          <a:fillRef idx="0">
+            <a:schemeClr val="accent1"/>
+          </a:fillRef>
+          <a:effectRef idx="0">
+            <a:schemeClr val="accent1"/>
+          </a:effectRef>
+          <a:fontRef idx="minor">
+            <a:schemeClr val="tx1"/>
+          </a:fontRef>
+        </p:style>
+      </p:cxnSp>
+      <p:cxnSp>
+        <p:nvCxnSpPr>
+          <p:cNvPr id="8" name="Straight Connector 7">
+            <a:extLst>
+              <a:ext uri="{FF2B5EF4-FFF2-40B4-BE49-F238E27FC236}">
+                <a16:creationId xmlns:a16="http://schemas.microsoft.com/office/drawing/2014/main" id="{84FDF04C-9F46-4E9E-967D-F9F02DF9B3A4}"/>
+              </a:ext>
+            </a:extLst>
+          </p:cNvPr>
+          <p:cNvCxnSpPr/>
+          <p:nvPr/>
+        </p:nvCxnSpPr>
+        <p:spPr>
+          <a:xfrm>
+            <a:off x="3338623" y="4465674"/>
+            <a:ext cx="5706140" cy="0"/>
+          </a:xfrm>
+          <a:prstGeom prst="line">
+            <a:avLst/>
+          </a:prstGeom>
+          <a:ln w="28575">
+            <a:solidFill>
+              <a:srgbClr val="00B050"/>
+            </a:solidFill>
+          </a:ln>
+        </p:spPr>
+        <p:style>
+          <a:lnRef idx="1">
+            <a:schemeClr val="accent1"/>
+          </a:lnRef>
+          <a:fillRef idx="0">
+            <a:schemeClr val="accent1"/>
+          </a:fillRef>
+          <a:effectRef idx="0">
+            <a:schemeClr val="accent1"/>
+          </a:effectRef>
+          <a:fontRef idx="minor">
+            <a:schemeClr val="tx1"/>
+          </a:fontRef>
+        </p:style>
+      </p:cxnSp>
+      <p:sp>
+        <p:nvSpPr>
+          <p:cNvPr id="10" name="TextBox 9">
+            <a:extLst>
+              <a:ext uri="{FF2B5EF4-FFF2-40B4-BE49-F238E27FC236}">
+                <a16:creationId xmlns:a16="http://schemas.microsoft.com/office/drawing/2014/main" id="{DFF2FA46-E66F-4F2C-A70D-7397C7B81264}"/>
+              </a:ext>
+            </a:extLst>
+          </p:cNvPr>
+          <p:cNvSpPr txBox="1"/>
+          <p:nvPr/>
+        </p:nvSpPr>
+        <p:spPr>
+          <a:xfrm>
+            <a:off x="772633" y="6035288"/>
+            <a:ext cx="2024489" cy="461665"/>
+          </a:xfrm>
+          <a:prstGeom prst="rect">
+            <a:avLst/>
+          </a:prstGeom>
+          <a:noFill/>
+        </p:spPr>
+        <p:txBody>
+          <a:bodyPr wrap="square" rtlCol="0">
+            <a:spAutoFit/>
+          </a:bodyPr>
+          <a:lstStyle/>
+          <a:p>
+            <a:pPr algn="r"/>
+            <a:r>
+              <a:rPr lang="en-US" sz="2400" dirty="0"/>
+              <a:t>Logic gates</a:t>
+            </a:r>
+          </a:p>
+        </p:txBody>
+      </p:sp>
+      <p:sp>
+        <p:nvSpPr>
+          <p:cNvPr id="11" name="TextBox 10">
+            <a:extLst>
+              <a:ext uri="{FF2B5EF4-FFF2-40B4-BE49-F238E27FC236}">
+                <a16:creationId xmlns:a16="http://schemas.microsoft.com/office/drawing/2014/main" id="{7FFD42EC-C945-413C-ACE7-882F329BF8A7}"/>
+              </a:ext>
+            </a:extLst>
+          </p:cNvPr>
+          <p:cNvSpPr txBox="1"/>
+          <p:nvPr/>
+        </p:nvSpPr>
+        <p:spPr>
+          <a:xfrm>
+            <a:off x="290624" y="4235302"/>
+            <a:ext cx="3047999" cy="461665"/>
+          </a:xfrm>
+          <a:prstGeom prst="rect">
+            <a:avLst/>
+          </a:prstGeom>
+          <a:noFill/>
+        </p:spPr>
+        <p:txBody>
+          <a:bodyPr wrap="square" rtlCol="0">
+            <a:spAutoFit/>
+          </a:bodyPr>
+          <a:lstStyle/>
+          <a:p>
+            <a:r>
+              <a:rPr lang="en-US" sz="2400" dirty="0"/>
+              <a:t>Synchronous circuits</a:t>
+            </a:r>
+          </a:p>
+        </p:txBody>
+      </p:sp>
+      <p:sp>
+        <p:nvSpPr>
+          <p:cNvPr id="12" name="TextBox 11">
+            <a:extLst>
+              <a:ext uri="{FF2B5EF4-FFF2-40B4-BE49-F238E27FC236}">
+                <a16:creationId xmlns:a16="http://schemas.microsoft.com/office/drawing/2014/main" id="{B738A027-CA0B-40EF-A960-80DA323C55C8}"/>
+              </a:ext>
+            </a:extLst>
+          </p:cNvPr>
+          <p:cNvSpPr txBox="1"/>
+          <p:nvPr/>
+        </p:nvSpPr>
+        <p:spPr>
+          <a:xfrm>
+            <a:off x="772633" y="2234800"/>
+            <a:ext cx="2354098" cy="461665"/>
+          </a:xfrm>
+          <a:prstGeom prst="rect">
+            <a:avLst/>
+          </a:prstGeom>
+          <a:noFill/>
+        </p:spPr>
+        <p:txBody>
+          <a:bodyPr wrap="square" rtlCol="0">
+            <a:spAutoFit/>
+          </a:bodyPr>
+          <a:lstStyle/>
+          <a:p>
+            <a:pPr algn="ctr"/>
+            <a:r>
+              <a:rPr lang="en-US" sz="2400" dirty="0"/>
+              <a:t>Processor circuit</a:t>
+            </a:r>
+          </a:p>
+        </p:txBody>
+      </p:sp>
+      <p:sp>
+        <p:nvSpPr>
+          <p:cNvPr id="14" name="TextBox 13">
+            <a:extLst>
+              <a:ext uri="{FF2B5EF4-FFF2-40B4-BE49-F238E27FC236}">
+                <a16:creationId xmlns:a16="http://schemas.microsoft.com/office/drawing/2014/main" id="{2B6CFB14-8FCB-4BD6-9A4A-25860313FBBD}"/>
+              </a:ext>
+            </a:extLst>
+          </p:cNvPr>
+          <p:cNvSpPr txBox="1"/>
+          <p:nvPr/>
+        </p:nvSpPr>
+        <p:spPr>
+          <a:xfrm>
+            <a:off x="8910084" y="5018567"/>
+            <a:ext cx="2282456" cy="523220"/>
+          </a:xfrm>
+          <a:prstGeom prst="rect">
+            <a:avLst/>
+          </a:prstGeom>
+          <a:noFill/>
+        </p:spPr>
+        <p:txBody>
+          <a:bodyPr wrap="square" rtlCol="0">
+            <a:spAutoFit/>
+          </a:bodyPr>
+          <a:lstStyle/>
+          <a:p>
+            <a:r>
+              <a:rPr lang="en-US" sz="2800" dirty="0"/>
+              <a:t>Circuit design</a:t>
+            </a:r>
+          </a:p>
+        </p:txBody>
+      </p:sp>
+      <p:sp>
+        <p:nvSpPr>
+          <p:cNvPr id="15" name="TextBox 14">
+            <a:extLst>
+              <a:ext uri="{FF2B5EF4-FFF2-40B4-BE49-F238E27FC236}">
+                <a16:creationId xmlns:a16="http://schemas.microsoft.com/office/drawing/2014/main" id="{7CAAC524-5019-4C1D-9EAE-F14388E1D19D}"/>
+              </a:ext>
+            </a:extLst>
+          </p:cNvPr>
+          <p:cNvSpPr txBox="1"/>
+          <p:nvPr/>
+        </p:nvSpPr>
+        <p:spPr>
+          <a:xfrm>
+            <a:off x="8612372" y="3108451"/>
+            <a:ext cx="3452037" cy="523220"/>
+          </a:xfrm>
+          <a:prstGeom prst="rect">
+            <a:avLst/>
+          </a:prstGeom>
+          <a:noFill/>
+        </p:spPr>
+        <p:txBody>
+          <a:bodyPr wrap="square" rtlCol="0">
+            <a:spAutoFit/>
+          </a:bodyPr>
+          <a:lstStyle/>
+          <a:p>
+            <a:r>
+              <a:rPr lang="en-US" sz="2800" dirty="0"/>
+              <a:t>Datapath and control</a:t>
+            </a:r>
+          </a:p>
+        </p:txBody>
+      </p:sp>
+      <p:sp>
+        <p:nvSpPr>
+          <p:cNvPr id="16" name="Slide Number Placeholder 15">
+            <a:extLst>
+              <a:ext uri="{FF2B5EF4-FFF2-40B4-BE49-F238E27FC236}">
+                <a16:creationId xmlns:a16="http://schemas.microsoft.com/office/drawing/2014/main" id="{56B7813C-239D-495A-8722-C1AB7313C467}"/>
+              </a:ext>
+            </a:extLst>
+          </p:cNvPr>
+          <p:cNvSpPr>
+            <a:spLocks noGrp="1"/>
+          </p:cNvSpPr>
+          <p:nvPr>
+            <p:ph type="sldNum" sz="quarter" idx="12"/>
+          </p:nvPr>
+        </p:nvSpPr>
+        <p:spPr/>
+        <p:txBody>
+          <a:bodyPr/>
+          <a:lstStyle/>
+          <a:p>
+            <a:fld id="{72A0DAED-63F2-4DE8-BA3E-AD42A00CD13D}" type="slidenum">
+              <a:rPr lang="en-US" smtClean="0"/>
+              <a:t>12</a:t>
+            </a:fld>
+            <a:endParaRPr lang="en-US"/>
+          </a:p>
+        </p:txBody>
+      </p:sp>
+    </p:spTree>
+    <p:extLst>
+      <p:ext uri="{BB962C8B-B14F-4D97-AF65-F5344CB8AC3E}">
+        <p14:creationId xmlns:p14="http://schemas.microsoft.com/office/powerpoint/2010/main" val="3152432887"/>
+      </p:ext>
+    </p:extLst>
+  </p:cSld>
+  <p:clrMapOvr>
+    <a:masterClrMapping/>
+  </p:clrMapOvr>
+</p:sld>
+</file>
+
+<file path=ppt/slides/slide13.xml><?xml version="1.0" encoding="utf-8"?>
+<p:sld xmlns:a="http://schemas.openxmlformats.org/drawingml/2006/main" xmlns:r="http://schemas.openxmlformats.org/officeDocument/2006/relationships" xmlns:p="http://schemas.openxmlformats.org/presentationml/2006/main">
+  <p:cSld>
+    <p:spTree>
+      <p:nvGrpSpPr>
+        <p:cNvPr id="1" name=""/>
+        <p:cNvGrpSpPr/>
+        <p:nvPr/>
+      </p:nvGrpSpPr>
+      <p:grpSpPr>
+        <a:xfrm>
+          <a:off x="0" y="0"/>
+          <a:ext cx="0" cy="0"/>
+          <a:chOff x="0" y="0"/>
+          <a:chExt cx="0" cy="0"/>
+        </a:xfrm>
+      </p:grpSpPr>
+      <p:sp>
+        <p:nvSpPr>
+          <p:cNvPr id="2" name="Title 1">
+            <a:extLst>
+              <a:ext uri="{FF2B5EF4-FFF2-40B4-BE49-F238E27FC236}">
+                <a16:creationId xmlns:a16="http://schemas.microsoft.com/office/drawing/2014/main" id="{BB0FDC9E-E694-4505-8ED7-2EC49CFA9BBA}"/>
+              </a:ext>
+            </a:extLst>
+          </p:cNvPr>
+          <p:cNvSpPr>
+            <a:spLocks noGrp="1"/>
+          </p:cNvSpPr>
+          <p:nvPr>
+            <p:ph type="title"/>
+          </p:nvPr>
+        </p:nvSpPr>
+        <p:spPr/>
+        <p:txBody>
+          <a:bodyPr/>
+          <a:lstStyle/>
+          <a:p>
+            <a:r>
+              <a:rPr lang="en-GB" dirty="0"/>
+              <a:t>How can we do better with circuit design?</a:t>
+            </a:r>
+            <a:endParaRPr lang="en-US" dirty="0"/>
+          </a:p>
+        </p:txBody>
+      </p:sp>
+      <p:sp>
+        <p:nvSpPr>
+          <p:cNvPr id="3" name="Content Placeholder 2">
+            <a:extLst>
+              <a:ext uri="{FF2B5EF4-FFF2-40B4-BE49-F238E27FC236}">
+                <a16:creationId xmlns:a16="http://schemas.microsoft.com/office/drawing/2014/main" id="{517FD13D-87F6-4A30-968B-2424965739F8}"/>
+              </a:ext>
+            </a:extLst>
+          </p:cNvPr>
+          <p:cNvSpPr>
+            <a:spLocks noGrp="1"/>
+          </p:cNvSpPr>
+          <p:nvPr>
+            <p:ph idx="1"/>
+          </p:nvPr>
+        </p:nvSpPr>
+        <p:spPr>
+          <a:xfrm>
+            <a:off x="838200" y="1825624"/>
+            <a:ext cx="10515600" cy="4841875"/>
+          </a:xfrm>
+        </p:spPr>
+        <p:txBody>
+          <a:bodyPr/>
+          <a:lstStyle/>
+          <a:p>
+            <a:r>
+              <a:rPr lang="en-GB" dirty="0"/>
+              <a:t>Use sensible choice of primitive devices</a:t>
+            </a:r>
+          </a:p>
+          <a:p>
+            <a:pPr lvl="1"/>
+            <a:r>
+              <a:rPr lang="en-GB" dirty="0"/>
+              <a:t>You only need one kind of flip flop (not half a dozen)</a:t>
+            </a:r>
+          </a:p>
+          <a:p>
+            <a:pPr lvl="1"/>
+            <a:r>
+              <a:rPr lang="en-GB" dirty="0"/>
+              <a:t>You only need a handful of logic devices</a:t>
+            </a:r>
+          </a:p>
+          <a:p>
+            <a:r>
+              <a:rPr lang="en-GB" dirty="0"/>
+              <a:t>Show how to combine circuits to form larger ones and build families of circuits with higher functionality</a:t>
+            </a:r>
+          </a:p>
+          <a:p>
+            <a:pPr lvl="1"/>
+            <a:r>
+              <a:rPr lang="en-GB" dirty="0"/>
+              <a:t>Instead of presenting hundreds of components</a:t>
+            </a:r>
+          </a:p>
+          <a:p>
+            <a:r>
+              <a:rPr lang="en-GB" dirty="0"/>
+              <a:t>Emphasise the synchronous model—this is crucial!</a:t>
+            </a:r>
+          </a:p>
+          <a:p>
+            <a:r>
+              <a:rPr lang="en-GB" dirty="0"/>
+              <a:t>Instead of using randomly chosen examples, show how to design circuits that lead somewhere useful</a:t>
+            </a:r>
+          </a:p>
+          <a:p>
+            <a:pPr lvl="1"/>
+            <a:r>
+              <a:rPr lang="en-GB" dirty="0"/>
+              <a:t>Don’t do parity checkers and 7-seg display drivers</a:t>
+            </a:r>
+          </a:p>
+          <a:p>
+            <a:pPr lvl="1"/>
+            <a:r>
+              <a:rPr lang="en-GB" dirty="0"/>
+              <a:t>Show a simple CPU core circuit!</a:t>
+            </a:r>
+          </a:p>
+        </p:txBody>
+      </p:sp>
+      <p:sp>
+        <p:nvSpPr>
+          <p:cNvPr id="4" name="Slide Number Placeholder 3">
+            <a:extLst>
+              <a:ext uri="{FF2B5EF4-FFF2-40B4-BE49-F238E27FC236}">
+                <a16:creationId xmlns:a16="http://schemas.microsoft.com/office/drawing/2014/main" id="{43F3D90F-C75B-4FD6-9EBD-DC3FDDCD3558}"/>
+              </a:ext>
+            </a:extLst>
+          </p:cNvPr>
+          <p:cNvSpPr>
+            <a:spLocks noGrp="1"/>
+          </p:cNvSpPr>
+          <p:nvPr>
+            <p:ph type="sldNum" sz="quarter" idx="12"/>
+          </p:nvPr>
+        </p:nvSpPr>
+        <p:spPr/>
+        <p:txBody>
+          <a:bodyPr/>
+          <a:lstStyle/>
+          <a:p>
+            <a:fld id="{72A0DAED-63F2-4DE8-BA3E-AD42A00CD13D}" type="slidenum">
+              <a:rPr lang="en-US" smtClean="0"/>
+              <a:t>13</a:t>
+            </a:fld>
+            <a:endParaRPr lang="en-US"/>
+          </a:p>
+        </p:txBody>
+      </p:sp>
+    </p:spTree>
+    <p:extLst>
+      <p:ext uri="{BB962C8B-B14F-4D97-AF65-F5344CB8AC3E}">
+        <p14:creationId xmlns:p14="http://schemas.microsoft.com/office/powerpoint/2010/main" val="3085179633"/>
+      </p:ext>
+    </p:extLst>
+  </p:cSld>
+  <p:clrMapOvr>
+    <a:masterClrMapping/>
+  </p:clrMapOvr>
+</p:sld>
+</file>
+
+<file path=ppt/slides/slide14.xml><?xml version="1.0" encoding="utf-8"?>
+<p:sld xmlns:a="http://schemas.openxmlformats.org/drawingml/2006/main" xmlns:r="http://schemas.openxmlformats.org/officeDocument/2006/relationships" xmlns:p="http://schemas.openxmlformats.org/presentationml/2006/main">
+  <p:cSld>
+    <p:spTree>
+      <p:nvGrpSpPr>
+        <p:cNvPr id="1" name=""/>
+        <p:cNvGrpSpPr/>
+        <p:nvPr/>
+      </p:nvGrpSpPr>
+      <p:grpSpPr>
+        <a:xfrm>
+          <a:off x="0" y="0"/>
+          <a:ext cx="0" cy="0"/>
+          <a:chOff x="0" y="0"/>
+          <a:chExt cx="0" cy="0"/>
+        </a:xfrm>
+      </p:grpSpPr>
+      <p:sp>
+        <p:nvSpPr>
+          <p:cNvPr id="2" name="Title 1">
+            <a:extLst>
+              <a:ext uri="{FF2B5EF4-FFF2-40B4-BE49-F238E27FC236}">
+                <a16:creationId xmlns:a16="http://schemas.microsoft.com/office/drawing/2014/main" id="{080C2AA6-CFBE-4A56-9C0C-3076CACB852F}"/>
+              </a:ext>
+            </a:extLst>
+          </p:cNvPr>
+          <p:cNvSpPr>
+            <a:spLocks noGrp="1"/>
+          </p:cNvSpPr>
+          <p:nvPr>
+            <p:ph type="title"/>
+          </p:nvPr>
+        </p:nvSpPr>
+        <p:spPr/>
+        <p:txBody>
+          <a:bodyPr/>
+          <a:lstStyle/>
+          <a:p>
+            <a:r>
+              <a:rPr lang="en-GB" dirty="0"/>
+              <a:t>These principles apply at every level</a:t>
+            </a:r>
+            <a:endParaRPr lang="en-US" dirty="0"/>
+          </a:p>
+        </p:txBody>
+      </p:sp>
+      <p:sp>
+        <p:nvSpPr>
+          <p:cNvPr id="3" name="Content Placeholder 2">
+            <a:extLst>
+              <a:ext uri="{FF2B5EF4-FFF2-40B4-BE49-F238E27FC236}">
+                <a16:creationId xmlns:a16="http://schemas.microsoft.com/office/drawing/2014/main" id="{3FCA3489-3D7F-4E57-8149-517B3811D00D}"/>
+              </a:ext>
+            </a:extLst>
+          </p:cNvPr>
+          <p:cNvSpPr>
+            <a:spLocks noGrp="1"/>
+          </p:cNvSpPr>
+          <p:nvPr>
+            <p:ph idx="1"/>
+          </p:nvPr>
+        </p:nvSpPr>
+        <p:spPr/>
+        <p:txBody>
+          <a:bodyPr/>
+          <a:lstStyle/>
+          <a:p>
+            <a:r>
+              <a:rPr lang="en-GB" dirty="0"/>
+              <a:t>Computer architecture</a:t>
+            </a:r>
+          </a:p>
+          <a:p>
+            <a:pPr lvl="1"/>
+            <a:r>
+              <a:rPr lang="en-GB" dirty="0"/>
+              <a:t>Machines with irrelevant complexity slow you down and limit how far you can go</a:t>
+            </a:r>
+          </a:p>
+          <a:p>
+            <a:pPr lvl="1"/>
+            <a:r>
+              <a:rPr lang="en-GB" dirty="0"/>
+              <a:t>Use architectures with</a:t>
+            </a:r>
+          </a:p>
+          <a:p>
+            <a:pPr lvl="2"/>
+            <a:r>
+              <a:rPr lang="en-GB" dirty="0"/>
+              <a:t>All the features that are necessary</a:t>
+            </a:r>
+          </a:p>
+          <a:p>
+            <a:pPr lvl="2"/>
+            <a:r>
+              <a:rPr lang="en-GB" dirty="0"/>
+              <a:t>But nothing else</a:t>
+            </a:r>
+          </a:p>
+          <a:p>
+            <a:r>
+              <a:rPr lang="en-GB" dirty="0"/>
+              <a:t>Programming languages</a:t>
+            </a:r>
+          </a:p>
+          <a:p>
+            <a:pPr lvl="1"/>
+            <a:r>
+              <a:rPr lang="en-GB" dirty="0"/>
+              <a:t>Master a language with simple syntax and SIMPLE SEMANTICS</a:t>
+            </a:r>
+          </a:p>
+          <a:p>
+            <a:pPr lvl="1"/>
+            <a:r>
+              <a:rPr lang="en-GB" dirty="0"/>
+              <a:t>Provide clear models for the semantics (insert favourite jargon here: notional machines, …)</a:t>
+            </a:r>
+            <a:endParaRPr lang="en-US" dirty="0"/>
+          </a:p>
+        </p:txBody>
+      </p:sp>
+      <p:sp>
+        <p:nvSpPr>
+          <p:cNvPr id="4" name="Slide Number Placeholder 3">
+            <a:extLst>
+              <a:ext uri="{FF2B5EF4-FFF2-40B4-BE49-F238E27FC236}">
+                <a16:creationId xmlns:a16="http://schemas.microsoft.com/office/drawing/2014/main" id="{EB636F90-3CC2-4243-AA56-9F7D4104D512}"/>
+              </a:ext>
+            </a:extLst>
+          </p:cNvPr>
+          <p:cNvSpPr>
+            <a:spLocks noGrp="1"/>
+          </p:cNvSpPr>
+          <p:nvPr>
+            <p:ph type="sldNum" sz="quarter" idx="12"/>
+          </p:nvPr>
+        </p:nvSpPr>
+        <p:spPr/>
+        <p:txBody>
+          <a:bodyPr/>
+          <a:lstStyle/>
+          <a:p>
+            <a:fld id="{72A0DAED-63F2-4DE8-BA3E-AD42A00CD13D}" type="slidenum">
+              <a:rPr lang="en-US" smtClean="0"/>
+              <a:t>14</a:t>
+            </a:fld>
+            <a:endParaRPr lang="en-US"/>
+          </a:p>
+        </p:txBody>
+      </p:sp>
+    </p:spTree>
+    <p:extLst>
+      <p:ext uri="{BB962C8B-B14F-4D97-AF65-F5344CB8AC3E}">
+        <p14:creationId xmlns:p14="http://schemas.microsoft.com/office/powerpoint/2010/main" val="3728216282"/>
+      </p:ext>
+    </p:extLst>
+  </p:cSld>
+  <p:clrMapOvr>
+    <a:masterClrMapping/>
+  </p:clrMapOvr>
+</p:sld>
+</file>
+
+<file path=ppt/slides/slide15.xml><?xml version="1.0" encoding="utf-8"?>
+<p:sld xmlns:a="http://schemas.openxmlformats.org/drawingml/2006/main" xmlns:r="http://schemas.openxmlformats.org/officeDocument/2006/relationships" xmlns:p="http://schemas.openxmlformats.org/presentationml/2006/main">
+  <p:cSld>
+    <p:spTree>
+      <p:nvGrpSpPr>
+        <p:cNvPr id="1" name=""/>
+        <p:cNvGrpSpPr/>
+        <p:nvPr/>
+      </p:nvGrpSpPr>
+      <p:grpSpPr>
+        <a:xfrm>
+          <a:off x="0" y="0"/>
+          <a:ext cx="0" cy="0"/>
+          <a:chOff x="0" y="0"/>
+          <a:chExt cx="0" cy="0"/>
+        </a:xfrm>
+      </p:grpSpPr>
+      <p:sp>
+        <p:nvSpPr>
+          <p:cNvPr id="2" name="Title 1">
+            <a:extLst>
+              <a:ext uri="{FF2B5EF4-FFF2-40B4-BE49-F238E27FC236}">
+                <a16:creationId xmlns:a16="http://schemas.microsoft.com/office/drawing/2014/main" id="{F95BE2C7-17B9-4EC0-8EC0-7555A98B0892}"/>
+              </a:ext>
+            </a:extLst>
+          </p:cNvPr>
+          <p:cNvSpPr>
+            <a:spLocks noGrp="1"/>
+          </p:cNvSpPr>
+          <p:nvPr>
+            <p:ph type="title"/>
+          </p:nvPr>
+        </p:nvSpPr>
+        <p:spPr/>
+        <p:txBody>
+          <a:bodyPr/>
+          <a:lstStyle/>
+          <a:p>
+            <a:r>
+              <a:rPr lang="en-GB" dirty="0"/>
+              <a:t>Nothing against “real world” </a:t>
+            </a:r>
+            <a:r>
+              <a:rPr lang="en-GB" dirty="0" err="1"/>
+              <a:t>artifacts</a:t>
+            </a:r>
+            <a:r>
+              <a:rPr lang="en-GB" dirty="0"/>
+              <a:t>, but…</a:t>
+            </a:r>
+            <a:endParaRPr lang="en-US" dirty="0"/>
+          </a:p>
+        </p:txBody>
+      </p:sp>
+      <p:sp>
+        <p:nvSpPr>
+          <p:cNvPr id="3" name="Content Placeholder 2">
+            <a:extLst>
+              <a:ext uri="{FF2B5EF4-FFF2-40B4-BE49-F238E27FC236}">
+                <a16:creationId xmlns:a16="http://schemas.microsoft.com/office/drawing/2014/main" id="{77B9AF6E-531B-4A8D-A5D5-E87E32FD50D6}"/>
+              </a:ext>
+            </a:extLst>
+          </p:cNvPr>
+          <p:cNvSpPr>
+            <a:spLocks noGrp="1"/>
+          </p:cNvSpPr>
+          <p:nvPr>
+            <p:ph idx="1"/>
+          </p:nvPr>
+        </p:nvSpPr>
+        <p:spPr/>
+        <p:txBody>
+          <a:bodyPr/>
+          <a:lstStyle/>
+          <a:p>
+            <a:r>
+              <a:rPr lang="en-GB" dirty="0"/>
+              <a:t>Popular architectures and languages take lots of time to master</a:t>
+            </a:r>
+          </a:p>
+          <a:p>
+            <a:r>
+              <a:rPr lang="en-GB" dirty="0"/>
+              <a:t>After spending so much time on picky little details, there’s no time left to do something really meaningful</a:t>
+            </a:r>
+          </a:p>
+        </p:txBody>
+      </p:sp>
+      <p:sp>
+        <p:nvSpPr>
+          <p:cNvPr id="4" name="Slide Number Placeholder 3">
+            <a:extLst>
+              <a:ext uri="{FF2B5EF4-FFF2-40B4-BE49-F238E27FC236}">
+                <a16:creationId xmlns:a16="http://schemas.microsoft.com/office/drawing/2014/main" id="{6669A7B4-31E4-4121-BEFE-9DCFF55FA888}"/>
+              </a:ext>
+            </a:extLst>
+          </p:cNvPr>
+          <p:cNvSpPr>
+            <a:spLocks noGrp="1"/>
+          </p:cNvSpPr>
+          <p:nvPr>
+            <p:ph type="sldNum" sz="quarter" idx="12"/>
+          </p:nvPr>
+        </p:nvSpPr>
+        <p:spPr/>
+        <p:txBody>
+          <a:bodyPr/>
+          <a:lstStyle/>
+          <a:p>
+            <a:fld id="{72A0DAED-63F2-4DE8-BA3E-AD42A00CD13D}" type="slidenum">
+              <a:rPr lang="en-US" smtClean="0"/>
+              <a:t>15</a:t>
+            </a:fld>
+            <a:endParaRPr lang="en-US"/>
+          </a:p>
+        </p:txBody>
+      </p:sp>
+    </p:spTree>
+    <p:extLst>
+      <p:ext uri="{BB962C8B-B14F-4D97-AF65-F5344CB8AC3E}">
+        <p14:creationId xmlns:p14="http://schemas.microsoft.com/office/powerpoint/2010/main" val="4049763386"/>
+      </p:ext>
+    </p:extLst>
+  </p:cSld>
+  <p:clrMapOvr>
+    <a:masterClrMapping/>
+  </p:clrMapOvr>
+</p:sld>
+</file>
+
+<file path=ppt/slides/slide16.xml><?xml version="1.0" encoding="utf-8"?>
+<p:sld xmlns:a="http://schemas.openxmlformats.org/drawingml/2006/main" xmlns:r="http://schemas.openxmlformats.org/officeDocument/2006/relationships" xmlns:p="http://schemas.openxmlformats.org/presentationml/2006/main">
+  <p:cSld>
+    <p:spTree>
+      <p:nvGrpSpPr>
+        <p:cNvPr id="1" name=""/>
+        <p:cNvGrpSpPr/>
+        <p:nvPr/>
+      </p:nvGrpSpPr>
+      <p:grpSpPr>
+        <a:xfrm>
+          <a:off x="0" y="0"/>
+          <a:ext cx="0" cy="0"/>
+          <a:chOff x="0" y="0"/>
+          <a:chExt cx="0" cy="0"/>
+        </a:xfrm>
+      </p:grpSpPr>
+      <p:sp>
+        <p:nvSpPr>
+          <p:cNvPr id="2" name="Title 1">
+            <a:extLst>
+              <a:ext uri="{FF2B5EF4-FFF2-40B4-BE49-F238E27FC236}">
+                <a16:creationId xmlns:a16="http://schemas.microsoft.com/office/drawing/2014/main" id="{871AAC5B-ACD1-47A2-85BD-E933CB841580}"/>
+              </a:ext>
+            </a:extLst>
+          </p:cNvPr>
+          <p:cNvSpPr>
+            <a:spLocks noGrp="1"/>
+          </p:cNvSpPr>
+          <p:nvPr>
+            <p:ph type="title"/>
+          </p:nvPr>
+        </p:nvSpPr>
+        <p:spPr/>
+        <p:txBody>
+          <a:bodyPr/>
+          <a:lstStyle/>
+          <a:p>
+            <a:r>
+              <a:rPr lang="en-GB" dirty="0"/>
+              <a:t>Thesis</a:t>
+            </a:r>
+            <a:endParaRPr lang="en-US" dirty="0"/>
+          </a:p>
+        </p:txBody>
+      </p:sp>
+      <p:sp>
+        <p:nvSpPr>
+          <p:cNvPr id="3" name="Content Placeholder 2">
+            <a:extLst>
+              <a:ext uri="{FF2B5EF4-FFF2-40B4-BE49-F238E27FC236}">
+                <a16:creationId xmlns:a16="http://schemas.microsoft.com/office/drawing/2014/main" id="{D66D1A73-6DBF-4FC3-B97C-A2E676EB08FD}"/>
+              </a:ext>
+            </a:extLst>
+          </p:cNvPr>
+          <p:cNvSpPr>
+            <a:spLocks noGrp="1"/>
+          </p:cNvSpPr>
+          <p:nvPr>
+            <p:ph idx="1"/>
+          </p:nvPr>
+        </p:nvSpPr>
+        <p:spPr/>
+        <p:txBody>
+          <a:bodyPr/>
+          <a:lstStyle/>
+          <a:p>
+            <a:r>
+              <a:rPr lang="en-GB" dirty="0"/>
+              <a:t>Focus not so much on the levels of abstraction, more on the </a:t>
+            </a:r>
+            <a:r>
+              <a:rPr lang="en-GB" b="1" dirty="0"/>
+              <a:t>connections between the levels</a:t>
+            </a:r>
+          </a:p>
+          <a:p>
+            <a:r>
+              <a:rPr lang="en-GB" dirty="0"/>
+              <a:t>At each level</a:t>
+            </a:r>
+          </a:p>
+          <a:p>
+            <a:pPr lvl="1"/>
+            <a:r>
+              <a:rPr lang="en-GB" dirty="0"/>
+              <a:t>Use a simple but complete set of primitives</a:t>
+            </a:r>
+          </a:p>
+          <a:p>
+            <a:pPr lvl="1"/>
+            <a:r>
+              <a:rPr lang="en-GB" dirty="0"/>
+              <a:t>Use powerful enough design methodology to work up the next level</a:t>
+            </a:r>
+          </a:p>
+          <a:p>
+            <a:pPr lvl="1"/>
+            <a:r>
+              <a:rPr lang="en-GB" dirty="0"/>
+              <a:t>Avoid irrelevant detail</a:t>
+            </a:r>
+          </a:p>
+          <a:p>
+            <a:pPr lvl="1"/>
+            <a:r>
+              <a:rPr lang="en-GB" dirty="0"/>
+              <a:t>But do not omit essential detail</a:t>
+            </a:r>
+          </a:p>
+          <a:p>
+            <a:pPr lvl="1"/>
+            <a:endParaRPr lang="en-GB" dirty="0"/>
+          </a:p>
+          <a:p>
+            <a:pPr marL="0" indent="0">
+              <a:buNone/>
+            </a:pPr>
+            <a:r>
+              <a:rPr lang="en-GB" dirty="0"/>
+              <a:t>“Everything should be made as simple as possible, but no simpler”</a:t>
+            </a:r>
+            <a:br>
+              <a:rPr lang="en-GB" dirty="0"/>
+            </a:br>
+            <a:r>
+              <a:rPr lang="en-GB" dirty="0"/>
+              <a:t>Attributed to Albert Einstein by Roger Sessions (the composer)</a:t>
+            </a:r>
+            <a:endParaRPr lang="en-US" dirty="0"/>
+          </a:p>
+        </p:txBody>
+      </p:sp>
+      <p:sp>
+        <p:nvSpPr>
+          <p:cNvPr id="4" name="Slide Number Placeholder 3">
+            <a:extLst>
+              <a:ext uri="{FF2B5EF4-FFF2-40B4-BE49-F238E27FC236}">
+                <a16:creationId xmlns:a16="http://schemas.microsoft.com/office/drawing/2014/main" id="{194E170A-40B8-4A9E-BB52-B5CC2E2E40EC}"/>
+              </a:ext>
+            </a:extLst>
+          </p:cNvPr>
+          <p:cNvSpPr>
+            <a:spLocks noGrp="1"/>
+          </p:cNvSpPr>
+          <p:nvPr>
+            <p:ph type="sldNum" sz="quarter" idx="12"/>
+          </p:nvPr>
+        </p:nvSpPr>
+        <p:spPr/>
+        <p:txBody>
+          <a:bodyPr/>
+          <a:lstStyle/>
+          <a:p>
+            <a:fld id="{72A0DAED-63F2-4DE8-BA3E-AD42A00CD13D}" type="slidenum">
+              <a:rPr lang="en-US" smtClean="0"/>
+              <a:t>16</a:t>
+            </a:fld>
+            <a:endParaRPr lang="en-US"/>
+          </a:p>
+        </p:txBody>
+      </p:sp>
+    </p:spTree>
+    <p:extLst>
+      <p:ext uri="{BB962C8B-B14F-4D97-AF65-F5344CB8AC3E}">
+        <p14:creationId xmlns:p14="http://schemas.microsoft.com/office/powerpoint/2010/main" val="799880990"/>
+      </p:ext>
+    </p:extLst>
+  </p:cSld>
+  <p:clrMapOvr>
+    <a:masterClrMapping/>
+  </p:clrMapOvr>
+</p:sld>
+</file>
+
+<file path=ppt/slides/slide17.xml><?xml version="1.0" encoding="utf-8"?>
+<p:sld xmlns:a="http://schemas.openxmlformats.org/drawingml/2006/main" xmlns:r="http://schemas.openxmlformats.org/officeDocument/2006/relationships" xmlns:p="http://schemas.openxmlformats.org/presentationml/2006/main">
+  <p:cSld>
+    <p:spTree>
+      <p:nvGrpSpPr>
+        <p:cNvPr id="1" name=""/>
+        <p:cNvGrpSpPr/>
+        <p:nvPr/>
+      </p:nvGrpSpPr>
+      <p:grpSpPr>
+        <a:xfrm>
+          <a:off x="0" y="0"/>
+          <a:ext cx="0" cy="0"/>
+          <a:chOff x="0" y="0"/>
+          <a:chExt cx="0" cy="0"/>
+        </a:xfrm>
+      </p:grpSpPr>
+      <p:sp>
+        <p:nvSpPr>
+          <p:cNvPr id="2" name="Title 1">
+            <a:extLst>
+              <a:ext uri="{FF2B5EF4-FFF2-40B4-BE49-F238E27FC236}">
+                <a16:creationId xmlns:a16="http://schemas.microsoft.com/office/drawing/2014/main" id="{0A2C6F89-8500-4272-BFDA-BFE347EE9DEA}"/>
+              </a:ext>
+            </a:extLst>
+          </p:cNvPr>
+          <p:cNvSpPr>
+            <a:spLocks noGrp="1"/>
+          </p:cNvSpPr>
+          <p:nvPr>
+            <p:ph type="title"/>
+          </p:nvPr>
+        </p:nvSpPr>
+        <p:spPr/>
+        <p:txBody>
+          <a:bodyPr/>
+          <a:lstStyle/>
+          <a:p>
+            <a:r>
+              <a:rPr lang="en-US" dirty="0"/>
+              <a:t>Pitfalls in typical computer systems courses</a:t>
+            </a:r>
+          </a:p>
+        </p:txBody>
+      </p:sp>
+      <p:sp>
+        <p:nvSpPr>
+          <p:cNvPr id="3" name="Content Placeholder 2">
+            <a:extLst>
+              <a:ext uri="{FF2B5EF4-FFF2-40B4-BE49-F238E27FC236}">
+                <a16:creationId xmlns:a16="http://schemas.microsoft.com/office/drawing/2014/main" id="{30D3FFD1-E712-4F85-8E5C-5C29163EE960}"/>
+              </a:ext>
+            </a:extLst>
+          </p:cNvPr>
+          <p:cNvSpPr>
+            <a:spLocks noGrp="1"/>
+          </p:cNvSpPr>
+          <p:nvPr>
+            <p:ph idx="1"/>
+          </p:nvPr>
+        </p:nvSpPr>
+        <p:spPr>
+          <a:xfrm>
+            <a:off x="838200" y="1825625"/>
+            <a:ext cx="10515600" cy="4667250"/>
+          </a:xfrm>
+        </p:spPr>
+        <p:txBody>
+          <a:bodyPr>
+            <a:normAutofit fontScale="92500" lnSpcReduction="10000"/>
+          </a:bodyPr>
+          <a:lstStyle/>
+          <a:p>
+            <a:r>
+              <a:rPr lang="en-US" dirty="0"/>
+              <a:t>Data representation</a:t>
+            </a:r>
+          </a:p>
+          <a:p>
+            <a:pPr lvl="1"/>
+            <a:r>
+              <a:rPr lang="en-US" dirty="0"/>
+              <a:t>Inaccuracy: e.g. claiming that integers are represented in binary</a:t>
+            </a:r>
+          </a:p>
+          <a:p>
+            <a:pPr lvl="1"/>
+            <a:r>
+              <a:rPr lang="en-US" dirty="0"/>
+              <a:t>Shallowness: ignoring most kinds of data representation</a:t>
+            </a:r>
+          </a:p>
+          <a:p>
+            <a:r>
+              <a:rPr lang="en-US" dirty="0"/>
+              <a:t>Digital circuits</a:t>
+            </a:r>
+          </a:p>
+          <a:p>
+            <a:pPr lvl="1"/>
+            <a:r>
+              <a:rPr lang="en-US" dirty="0"/>
+              <a:t>Fixating on properties of large number of obsolete components</a:t>
+            </a:r>
+          </a:p>
+          <a:p>
+            <a:pPr lvl="1"/>
+            <a:r>
+              <a:rPr lang="en-US" dirty="0"/>
+              <a:t>Failure to explain synchronous circuits</a:t>
+            </a:r>
+          </a:p>
+          <a:p>
+            <a:pPr lvl="1"/>
+            <a:r>
+              <a:rPr lang="en-US" dirty="0"/>
+              <a:t>Poor choice of design techniques</a:t>
+            </a:r>
+          </a:p>
+          <a:p>
+            <a:pPr lvl="1"/>
+            <a:r>
+              <a:rPr lang="en-US" dirty="0"/>
+              <a:t>Poor choice of example circuits</a:t>
+            </a:r>
+          </a:p>
+          <a:p>
+            <a:r>
+              <a:rPr lang="en-US" dirty="0"/>
+              <a:t>Computer architecture</a:t>
+            </a:r>
+          </a:p>
+          <a:p>
+            <a:pPr lvl="1"/>
+            <a:r>
+              <a:rPr lang="en-US" dirty="0"/>
+              <a:t>Use a commercial machine with high complexity (lots of instructions, instruction formats)</a:t>
+            </a:r>
+          </a:p>
+          <a:p>
+            <a:pPr lvl="1"/>
+            <a:r>
+              <a:rPr lang="en-US" dirty="0"/>
+              <a:t>Don’t have time to get to the important parts (system control registers, interrupts, memory mapping)</a:t>
+            </a:r>
+          </a:p>
+          <a:p>
+            <a:pPr lvl="1"/>
+            <a:endParaRPr lang="en-US" dirty="0"/>
+          </a:p>
+        </p:txBody>
+      </p:sp>
+      <p:sp>
+        <p:nvSpPr>
+          <p:cNvPr id="4" name="Slide Number Placeholder 3">
+            <a:extLst>
+              <a:ext uri="{FF2B5EF4-FFF2-40B4-BE49-F238E27FC236}">
+                <a16:creationId xmlns:a16="http://schemas.microsoft.com/office/drawing/2014/main" id="{4F609AAE-8366-4384-8173-7C8AC883D135}"/>
+              </a:ext>
+            </a:extLst>
+          </p:cNvPr>
+          <p:cNvSpPr>
+            <a:spLocks noGrp="1"/>
+          </p:cNvSpPr>
+          <p:nvPr>
+            <p:ph type="sldNum" sz="quarter" idx="12"/>
+          </p:nvPr>
+        </p:nvSpPr>
+        <p:spPr/>
+        <p:txBody>
+          <a:bodyPr/>
+          <a:lstStyle/>
+          <a:p>
+            <a:fld id="{72A0DAED-63F2-4DE8-BA3E-AD42A00CD13D}" type="slidenum">
+              <a:rPr lang="en-US" smtClean="0"/>
+              <a:t>17</a:t>
+            </a:fld>
+            <a:endParaRPr lang="en-US"/>
+          </a:p>
+        </p:txBody>
+      </p:sp>
+    </p:spTree>
+    <p:extLst>
+      <p:ext uri="{BB962C8B-B14F-4D97-AF65-F5344CB8AC3E}">
+        <p14:creationId xmlns:p14="http://schemas.microsoft.com/office/powerpoint/2010/main" val="722014377"/>
+      </p:ext>
+    </p:extLst>
+  </p:cSld>
+  <p:clrMapOvr>
+    <a:masterClrMapping/>
+  </p:clrMapOvr>
+</p:sld>
+</file>
+
+<file path=ppt/slides/slide18.xml><?xml version="1.0" encoding="utf-8"?>
+<p:sld xmlns:a="http://schemas.openxmlformats.org/drawingml/2006/main" xmlns:r="http://schemas.openxmlformats.org/officeDocument/2006/relationships" xmlns:p="http://schemas.openxmlformats.org/presentationml/2006/main">
+  <p:cSld>
+    <p:spTree>
+      <p:nvGrpSpPr>
+        <p:cNvPr id="1" name=""/>
+        <p:cNvGrpSpPr/>
+        <p:nvPr/>
+      </p:nvGrpSpPr>
+      <p:grpSpPr>
+        <a:xfrm>
+          <a:off x="0" y="0"/>
+          <a:ext cx="0" cy="0"/>
+          <a:chOff x="0" y="0"/>
+          <a:chExt cx="0" cy="0"/>
+        </a:xfrm>
+      </p:grpSpPr>
+      <p:sp>
+        <p:nvSpPr>
+          <p:cNvPr id="2" name="Title 1">
+            <a:extLst>
+              <a:ext uri="{FF2B5EF4-FFF2-40B4-BE49-F238E27FC236}">
+                <a16:creationId xmlns:a16="http://schemas.microsoft.com/office/drawing/2014/main" id="{E59E0E59-C0FC-419C-84E3-6439049D02D0}"/>
+              </a:ext>
+            </a:extLst>
+          </p:cNvPr>
+          <p:cNvSpPr>
+            <a:spLocks noGrp="1"/>
+          </p:cNvSpPr>
+          <p:nvPr>
+            <p:ph type="title"/>
+          </p:nvPr>
+        </p:nvSpPr>
+        <p:spPr>
+          <a:xfrm>
+            <a:off x="290624" y="365125"/>
+            <a:ext cx="11681636" cy="1325563"/>
+          </a:xfrm>
+        </p:spPr>
+        <p:txBody>
+          <a:bodyPr/>
+          <a:lstStyle/>
+          <a:p>
+            <a:r>
+              <a:rPr lang="en-US" dirty="0"/>
+              <a:t>Superficial detail at each level + random examples</a:t>
+            </a:r>
+          </a:p>
+        </p:txBody>
+      </p:sp>
+      <p:sp>
+        <p:nvSpPr>
+          <p:cNvPr id="4" name="Oval 3">
+            <a:extLst>
+              <a:ext uri="{FF2B5EF4-FFF2-40B4-BE49-F238E27FC236}">
+                <a16:creationId xmlns:a16="http://schemas.microsoft.com/office/drawing/2014/main" id="{91DE7515-3816-41B9-9FB2-58D34E4C810B}"/>
+              </a:ext>
+            </a:extLst>
+          </p:cNvPr>
+          <p:cNvSpPr/>
+          <p:nvPr/>
+        </p:nvSpPr>
+        <p:spPr>
+          <a:xfrm>
+            <a:off x="4289983" y="4020318"/>
+            <a:ext cx="3293435" cy="429968"/>
+          </a:xfrm>
+          <a:prstGeom prst="ellipse">
+            <a:avLst/>
+          </a:prstGeom>
+          <a:pattFill prst="solidDmnd">
+            <a:fgClr>
+              <a:schemeClr val="accent1"/>
+            </a:fgClr>
+            <a:bgClr>
+              <a:schemeClr val="bg1"/>
+            </a:bgClr>
+          </a:pattFill>
+        </p:spPr>
+        <p:style>
+          <a:lnRef idx="2">
+            <a:schemeClr val="accent1">
+              <a:shade val="50000"/>
+            </a:schemeClr>
+          </a:lnRef>
+          <a:fillRef idx="1">
+            <a:schemeClr val="accent1"/>
+          </a:fillRef>
+          <a:effectRef idx="0">
+            <a:schemeClr val="accent1"/>
+          </a:effectRef>
+          <a:fontRef idx="minor">
+            <a:schemeClr val="lt1"/>
+          </a:fontRef>
+        </p:style>
+        <p:txBody>
+          <a:bodyPr rtlCol="0" anchor="ctr"/>
+          <a:lstStyle/>
+          <a:p>
+            <a:pPr algn="ctr"/>
+            <a:endParaRPr lang="en-US"/>
+          </a:p>
+        </p:txBody>
+      </p:sp>
+      <p:cxnSp>
+        <p:nvCxnSpPr>
+          <p:cNvPr id="6" name="Straight Connector 5">
+            <a:extLst>
+              <a:ext uri="{FF2B5EF4-FFF2-40B4-BE49-F238E27FC236}">
+                <a16:creationId xmlns:a16="http://schemas.microsoft.com/office/drawing/2014/main" id="{62D707F4-F0F9-4652-A850-7D63B41EFD9B}"/>
+              </a:ext>
+            </a:extLst>
+          </p:cNvPr>
+          <p:cNvCxnSpPr/>
+          <p:nvPr/>
+        </p:nvCxnSpPr>
+        <p:spPr>
+          <a:xfrm>
+            <a:off x="3033823" y="6266121"/>
+            <a:ext cx="5706140" cy="0"/>
+          </a:xfrm>
+          <a:prstGeom prst="line">
+            <a:avLst/>
+          </a:prstGeom>
+          <a:ln w="28575">
+            <a:solidFill>
+              <a:srgbClr val="00B050"/>
+            </a:solidFill>
+          </a:ln>
+        </p:spPr>
+        <p:style>
+          <a:lnRef idx="1">
+            <a:schemeClr val="accent1"/>
+          </a:lnRef>
+          <a:fillRef idx="0">
+            <a:schemeClr val="accent1"/>
+          </a:fillRef>
+          <a:effectRef idx="0">
+            <a:schemeClr val="accent1"/>
+          </a:effectRef>
+          <a:fontRef idx="minor">
+            <a:schemeClr val="tx1"/>
+          </a:fontRef>
+        </p:style>
+      </p:cxnSp>
+      <p:cxnSp>
+        <p:nvCxnSpPr>
+          <p:cNvPr id="7" name="Straight Connector 6">
+            <a:extLst>
+              <a:ext uri="{FF2B5EF4-FFF2-40B4-BE49-F238E27FC236}">
+                <a16:creationId xmlns:a16="http://schemas.microsoft.com/office/drawing/2014/main" id="{7229D21C-28C8-4D11-889B-8A9E8D4573D1}"/>
+              </a:ext>
+            </a:extLst>
+          </p:cNvPr>
+          <p:cNvCxnSpPr/>
+          <p:nvPr/>
+        </p:nvCxnSpPr>
+        <p:spPr>
+          <a:xfrm>
+            <a:off x="3203944" y="2434855"/>
+            <a:ext cx="5706140" cy="0"/>
+          </a:xfrm>
+          <a:prstGeom prst="line">
+            <a:avLst/>
+          </a:prstGeom>
+          <a:ln w="28575">
+            <a:solidFill>
+              <a:srgbClr val="00B050"/>
+            </a:solidFill>
+          </a:ln>
+        </p:spPr>
+        <p:style>
+          <a:lnRef idx="1">
+            <a:schemeClr val="accent1"/>
+          </a:lnRef>
+          <a:fillRef idx="0">
+            <a:schemeClr val="accent1"/>
+          </a:fillRef>
+          <a:effectRef idx="0">
+            <a:schemeClr val="accent1"/>
+          </a:effectRef>
+          <a:fontRef idx="minor">
+            <a:schemeClr val="tx1"/>
+          </a:fontRef>
+        </p:style>
+      </p:cxnSp>
+      <p:cxnSp>
+        <p:nvCxnSpPr>
+          <p:cNvPr id="8" name="Straight Connector 7">
+            <a:extLst>
+              <a:ext uri="{FF2B5EF4-FFF2-40B4-BE49-F238E27FC236}">
+                <a16:creationId xmlns:a16="http://schemas.microsoft.com/office/drawing/2014/main" id="{84FDF04C-9F46-4E9E-967D-F9F02DF9B3A4}"/>
+              </a:ext>
+            </a:extLst>
+          </p:cNvPr>
+          <p:cNvCxnSpPr/>
+          <p:nvPr/>
+        </p:nvCxnSpPr>
+        <p:spPr>
+          <a:xfrm>
+            <a:off x="3338623" y="4465674"/>
+            <a:ext cx="5706140" cy="0"/>
+          </a:xfrm>
+          <a:prstGeom prst="line">
+            <a:avLst/>
+          </a:prstGeom>
+          <a:ln w="28575">
+            <a:solidFill>
+              <a:srgbClr val="00B050"/>
+            </a:solidFill>
+          </a:ln>
+        </p:spPr>
+        <p:style>
+          <a:lnRef idx="1">
+            <a:schemeClr val="accent1"/>
+          </a:lnRef>
+          <a:fillRef idx="0">
+            <a:schemeClr val="accent1"/>
+          </a:fillRef>
+          <a:effectRef idx="0">
+            <a:schemeClr val="accent1"/>
+          </a:effectRef>
+          <a:fontRef idx="minor">
+            <a:schemeClr val="tx1"/>
+          </a:fontRef>
+        </p:style>
+      </p:cxnSp>
+      <p:sp>
+        <p:nvSpPr>
+          <p:cNvPr id="9" name="Oval 8">
+            <a:extLst>
+              <a:ext uri="{FF2B5EF4-FFF2-40B4-BE49-F238E27FC236}">
+                <a16:creationId xmlns:a16="http://schemas.microsoft.com/office/drawing/2014/main" id="{6E51171C-CCB8-45D3-A25D-66CAB2CBD550}"/>
+              </a:ext>
+            </a:extLst>
+          </p:cNvPr>
+          <p:cNvSpPr/>
+          <p:nvPr/>
+        </p:nvSpPr>
+        <p:spPr>
+          <a:xfrm>
+            <a:off x="4289983" y="5871449"/>
+            <a:ext cx="3293435" cy="429968"/>
+          </a:xfrm>
+          <a:prstGeom prst="ellipse">
+            <a:avLst/>
+          </a:prstGeom>
+          <a:pattFill prst="solidDmnd">
+            <a:fgClr>
+              <a:schemeClr val="accent1"/>
+            </a:fgClr>
+            <a:bgClr>
+              <a:schemeClr val="bg1"/>
+            </a:bgClr>
+          </a:pattFill>
+        </p:spPr>
+        <p:style>
+          <a:lnRef idx="2">
+            <a:schemeClr val="accent1">
+              <a:shade val="50000"/>
+            </a:schemeClr>
+          </a:lnRef>
+          <a:fillRef idx="1">
+            <a:schemeClr val="accent1"/>
+          </a:fillRef>
+          <a:effectRef idx="0">
+            <a:schemeClr val="accent1"/>
+          </a:effectRef>
+          <a:fontRef idx="minor">
+            <a:schemeClr val="lt1"/>
+          </a:fontRef>
+        </p:style>
+        <p:txBody>
+          <a:bodyPr rtlCol="0" anchor="ctr"/>
+          <a:lstStyle/>
+          <a:p>
+            <a:pPr algn="ctr"/>
+            <a:endParaRPr lang="en-US"/>
+          </a:p>
+        </p:txBody>
+      </p:sp>
+      <p:sp>
+        <p:nvSpPr>
+          <p:cNvPr id="10" name="TextBox 9">
+            <a:extLst>
+              <a:ext uri="{FF2B5EF4-FFF2-40B4-BE49-F238E27FC236}">
+                <a16:creationId xmlns:a16="http://schemas.microsoft.com/office/drawing/2014/main" id="{DFF2FA46-E66F-4F2C-A70D-7397C7B81264}"/>
+              </a:ext>
+            </a:extLst>
+          </p:cNvPr>
+          <p:cNvSpPr txBox="1"/>
+          <p:nvPr/>
+        </p:nvSpPr>
+        <p:spPr>
+          <a:xfrm>
+            <a:off x="772633" y="6035288"/>
+            <a:ext cx="2024489" cy="461665"/>
+          </a:xfrm>
+          <a:prstGeom prst="rect">
+            <a:avLst/>
+          </a:prstGeom>
+          <a:noFill/>
+        </p:spPr>
+        <p:txBody>
+          <a:bodyPr wrap="square" rtlCol="0">
+            <a:spAutoFit/>
+          </a:bodyPr>
+          <a:lstStyle/>
+          <a:p>
+            <a:pPr algn="r"/>
+            <a:r>
+              <a:rPr lang="en-US" sz="2400" dirty="0"/>
+              <a:t>Logic gates</a:t>
+            </a:r>
+          </a:p>
+        </p:txBody>
+      </p:sp>
+      <p:sp>
+        <p:nvSpPr>
+          <p:cNvPr id="11" name="TextBox 10">
+            <a:extLst>
+              <a:ext uri="{FF2B5EF4-FFF2-40B4-BE49-F238E27FC236}">
+                <a16:creationId xmlns:a16="http://schemas.microsoft.com/office/drawing/2014/main" id="{7FFD42EC-C945-413C-ACE7-882F329BF8A7}"/>
+              </a:ext>
+            </a:extLst>
+          </p:cNvPr>
+          <p:cNvSpPr txBox="1"/>
+          <p:nvPr/>
+        </p:nvSpPr>
+        <p:spPr>
+          <a:xfrm>
+            <a:off x="290624" y="4235302"/>
+            <a:ext cx="3047999" cy="461665"/>
+          </a:xfrm>
+          <a:prstGeom prst="rect">
+            <a:avLst/>
+          </a:prstGeom>
+          <a:noFill/>
+        </p:spPr>
+        <p:txBody>
+          <a:bodyPr wrap="square" rtlCol="0">
+            <a:spAutoFit/>
+          </a:bodyPr>
+          <a:lstStyle/>
+          <a:p>
+            <a:r>
+              <a:rPr lang="en-US" sz="2400" dirty="0"/>
+              <a:t>Synchronous circuits</a:t>
+            </a:r>
+          </a:p>
+        </p:txBody>
+      </p:sp>
+      <p:sp>
+        <p:nvSpPr>
+          <p:cNvPr id="12" name="TextBox 11">
+            <a:extLst>
+              <a:ext uri="{FF2B5EF4-FFF2-40B4-BE49-F238E27FC236}">
+                <a16:creationId xmlns:a16="http://schemas.microsoft.com/office/drawing/2014/main" id="{B738A027-CA0B-40EF-A960-80DA323C55C8}"/>
+              </a:ext>
+            </a:extLst>
+          </p:cNvPr>
+          <p:cNvSpPr txBox="1"/>
+          <p:nvPr/>
+        </p:nvSpPr>
+        <p:spPr>
+          <a:xfrm>
+            <a:off x="772633" y="2234800"/>
+            <a:ext cx="2354098" cy="461665"/>
+          </a:xfrm>
+          <a:prstGeom prst="rect">
+            <a:avLst/>
+          </a:prstGeom>
+          <a:noFill/>
+        </p:spPr>
+        <p:txBody>
+          <a:bodyPr wrap="square" rtlCol="0">
+            <a:spAutoFit/>
+          </a:bodyPr>
+          <a:lstStyle/>
+          <a:p>
+            <a:pPr algn="ctr"/>
+            <a:r>
+              <a:rPr lang="en-US" sz="2400" dirty="0"/>
+              <a:t>Processor circuit</a:t>
+            </a:r>
+          </a:p>
+        </p:txBody>
+      </p:sp>
+      <p:sp>
+        <p:nvSpPr>
+          <p:cNvPr id="14" name="TextBox 13">
+            <a:extLst>
+              <a:ext uri="{FF2B5EF4-FFF2-40B4-BE49-F238E27FC236}">
+                <a16:creationId xmlns:a16="http://schemas.microsoft.com/office/drawing/2014/main" id="{2B6CFB14-8FCB-4BD6-9A4A-25860313FBBD}"/>
+              </a:ext>
+            </a:extLst>
+          </p:cNvPr>
+          <p:cNvSpPr txBox="1"/>
+          <p:nvPr/>
+        </p:nvSpPr>
+        <p:spPr>
+          <a:xfrm>
+            <a:off x="8910084" y="5018567"/>
+            <a:ext cx="2282456" cy="523220"/>
+          </a:xfrm>
+          <a:prstGeom prst="rect">
+            <a:avLst/>
+          </a:prstGeom>
+          <a:noFill/>
+        </p:spPr>
+        <p:txBody>
+          <a:bodyPr wrap="square" rtlCol="0">
+            <a:spAutoFit/>
+          </a:bodyPr>
+          <a:lstStyle/>
+          <a:p>
+            <a:r>
+              <a:rPr lang="en-US" sz="2800" dirty="0"/>
+              <a:t>Circuit design</a:t>
+            </a:r>
+          </a:p>
+        </p:txBody>
+      </p:sp>
+      <p:sp>
+        <p:nvSpPr>
+          <p:cNvPr id="15" name="TextBox 14">
+            <a:extLst>
+              <a:ext uri="{FF2B5EF4-FFF2-40B4-BE49-F238E27FC236}">
+                <a16:creationId xmlns:a16="http://schemas.microsoft.com/office/drawing/2014/main" id="{7CAAC524-5019-4C1D-9EAE-F14388E1D19D}"/>
+              </a:ext>
+            </a:extLst>
+          </p:cNvPr>
+          <p:cNvSpPr txBox="1"/>
+          <p:nvPr/>
+        </p:nvSpPr>
+        <p:spPr>
+          <a:xfrm>
+            <a:off x="8612372" y="3108451"/>
+            <a:ext cx="3452037" cy="523220"/>
+          </a:xfrm>
+          <a:prstGeom prst="rect">
+            <a:avLst/>
+          </a:prstGeom>
+          <a:noFill/>
+        </p:spPr>
+        <p:txBody>
+          <a:bodyPr wrap="square" rtlCol="0">
+            <a:spAutoFit/>
+          </a:bodyPr>
+          <a:lstStyle/>
+          <a:p>
+            <a:r>
+              <a:rPr lang="en-US" sz="2800" dirty="0"/>
+              <a:t>Datapath and control</a:t>
+            </a:r>
+          </a:p>
+        </p:txBody>
+      </p:sp>
+      <p:sp>
+        <p:nvSpPr>
+          <p:cNvPr id="3" name="Slide Number Placeholder 2">
+            <a:extLst>
+              <a:ext uri="{FF2B5EF4-FFF2-40B4-BE49-F238E27FC236}">
+                <a16:creationId xmlns:a16="http://schemas.microsoft.com/office/drawing/2014/main" id="{6F96FF6B-6D16-4983-B15F-A7EB353C92FD}"/>
+              </a:ext>
+            </a:extLst>
+          </p:cNvPr>
+          <p:cNvSpPr>
+            <a:spLocks noGrp="1"/>
+          </p:cNvSpPr>
+          <p:nvPr>
+            <p:ph type="sldNum" sz="quarter" idx="12"/>
+          </p:nvPr>
+        </p:nvSpPr>
+        <p:spPr/>
+        <p:txBody>
+          <a:bodyPr/>
+          <a:lstStyle/>
+          <a:p>
+            <a:fld id="{72A0DAED-63F2-4DE8-BA3E-AD42A00CD13D}" type="slidenum">
+              <a:rPr lang="en-US" smtClean="0"/>
+              <a:t>18</a:t>
+            </a:fld>
+            <a:endParaRPr lang="en-US"/>
+          </a:p>
+        </p:txBody>
+      </p:sp>
+      <p:sp>
+        <p:nvSpPr>
+          <p:cNvPr id="13" name="TextBox 12">
+            <a:extLst>
+              <a:ext uri="{FF2B5EF4-FFF2-40B4-BE49-F238E27FC236}">
+                <a16:creationId xmlns:a16="http://schemas.microsoft.com/office/drawing/2014/main" id="{A673E33F-1C03-4FB9-AF69-E0EA2EC08422}"/>
+              </a:ext>
+            </a:extLst>
+          </p:cNvPr>
+          <p:cNvSpPr txBox="1"/>
+          <p:nvPr/>
+        </p:nvSpPr>
+        <p:spPr>
+          <a:xfrm>
+            <a:off x="3126730" y="4781463"/>
+            <a:ext cx="4594351" cy="923330"/>
+          </a:xfrm>
+          <a:prstGeom prst="rect">
+            <a:avLst/>
+          </a:prstGeom>
+          <a:solidFill>
+            <a:schemeClr val="accent4">
+              <a:lumMod val="20000"/>
+              <a:lumOff val="80000"/>
+            </a:schemeClr>
+          </a:solidFill>
+        </p:spPr>
+        <p:txBody>
+          <a:bodyPr wrap="square" rtlCol="0">
+            <a:spAutoFit/>
+          </a:bodyPr>
+          <a:lstStyle/>
+          <a:p>
+            <a:r>
+              <a:rPr lang="en-US" dirty="0"/>
+              <a:t>Show lots of random complicated circuits that don’t lead up to anything in particular… parity checker, 7 segment display driver, …</a:t>
+            </a:r>
+          </a:p>
+        </p:txBody>
+      </p:sp>
+      <p:sp>
+        <p:nvSpPr>
+          <p:cNvPr id="16" name="TextBox 15">
+            <a:extLst>
+              <a:ext uri="{FF2B5EF4-FFF2-40B4-BE49-F238E27FC236}">
+                <a16:creationId xmlns:a16="http://schemas.microsoft.com/office/drawing/2014/main" id="{663FD494-00E7-4685-8420-958D5C5D281F}"/>
+              </a:ext>
+            </a:extLst>
+          </p:cNvPr>
+          <p:cNvSpPr txBox="1"/>
+          <p:nvPr/>
+        </p:nvSpPr>
+        <p:spPr>
+          <a:xfrm>
+            <a:off x="3203944" y="2658637"/>
+            <a:ext cx="5295122" cy="830997"/>
+          </a:xfrm>
+          <a:prstGeom prst="rect">
+            <a:avLst/>
+          </a:prstGeom>
+          <a:noFill/>
+        </p:spPr>
+        <p:txBody>
+          <a:bodyPr wrap="square" rtlCol="0">
+            <a:spAutoFit/>
+          </a:bodyPr>
+          <a:lstStyle/>
+          <a:p>
+            <a:r>
+              <a:rPr lang="en-GB" sz="2400" dirty="0">
+                <a:solidFill>
+                  <a:srgbClr val="FF0000"/>
+                </a:solidFill>
+              </a:rPr>
+              <a:t>Fail to connect up the levels</a:t>
+            </a:r>
+          </a:p>
+          <a:p>
+            <a:r>
+              <a:rPr lang="en-GB" sz="2400" dirty="0">
+                <a:solidFill>
+                  <a:srgbClr val="FF0000"/>
+                </a:solidFill>
+              </a:rPr>
+              <a:t>Treat it as separate unrelated subjects</a:t>
+            </a:r>
+            <a:endParaRPr lang="en-US" sz="2400" dirty="0">
+              <a:solidFill>
+                <a:srgbClr val="FF0000"/>
+              </a:solidFill>
+            </a:endParaRPr>
+          </a:p>
+        </p:txBody>
+      </p:sp>
+    </p:spTree>
+    <p:extLst>
+      <p:ext uri="{BB962C8B-B14F-4D97-AF65-F5344CB8AC3E}">
+        <p14:creationId xmlns:p14="http://schemas.microsoft.com/office/powerpoint/2010/main" val="2737205220"/>
+      </p:ext>
+    </p:extLst>
+  </p:cSld>
+  <p:clrMapOvr>
+    <a:masterClrMapping/>
+  </p:clrMapOvr>
+</p:sld>
+</file>
+
+<file path=ppt/slides/slide19.xml><?xml version="1.0" encoding="utf-8"?>
+<p:sld xmlns:a="http://schemas.openxmlformats.org/drawingml/2006/main" xmlns:r="http://schemas.openxmlformats.org/officeDocument/2006/relationships" xmlns:p="http://schemas.openxmlformats.org/presentationml/2006/main">
+  <p:cSld>
+    <p:spTree>
+      <p:nvGrpSpPr>
+        <p:cNvPr id="1" name=""/>
+        <p:cNvGrpSpPr/>
+        <p:nvPr/>
+      </p:nvGrpSpPr>
+      <p:grpSpPr>
+        <a:xfrm>
+          <a:off x="0" y="0"/>
+          <a:ext cx="0" cy="0"/>
+          <a:chOff x="0" y="0"/>
+          <a:chExt cx="0" cy="0"/>
+        </a:xfrm>
+      </p:grpSpPr>
+      <p:sp>
+        <p:nvSpPr>
+          <p:cNvPr id="2" name="Title 1">
+            <a:extLst>
+              <a:ext uri="{FF2B5EF4-FFF2-40B4-BE49-F238E27FC236}">
+                <a16:creationId xmlns:a16="http://schemas.microsoft.com/office/drawing/2014/main" id="{E59E0E59-C0FC-419C-84E3-6439049D02D0}"/>
+              </a:ext>
+            </a:extLst>
+          </p:cNvPr>
+          <p:cNvSpPr>
+            <a:spLocks noGrp="1"/>
+          </p:cNvSpPr>
+          <p:nvPr>
+            <p:ph type="title"/>
+          </p:nvPr>
+        </p:nvSpPr>
+        <p:spPr/>
+        <p:txBody>
+          <a:bodyPr/>
+          <a:lstStyle/>
+          <a:p>
+            <a:r>
+              <a:rPr lang="en-US" dirty="0"/>
+              <a:t>Connect the levels—pertinent examples!</a:t>
+            </a:r>
+          </a:p>
+        </p:txBody>
+      </p:sp>
+      <p:sp>
+        <p:nvSpPr>
+          <p:cNvPr id="4" name="Oval 3">
+            <a:extLst>
+              <a:ext uri="{FF2B5EF4-FFF2-40B4-BE49-F238E27FC236}">
+                <a16:creationId xmlns:a16="http://schemas.microsoft.com/office/drawing/2014/main" id="{91DE7515-3816-41B9-9FB2-58D34E4C810B}"/>
+              </a:ext>
+            </a:extLst>
+          </p:cNvPr>
+          <p:cNvSpPr/>
+          <p:nvPr/>
+        </p:nvSpPr>
+        <p:spPr>
+          <a:xfrm rot="5400000">
+            <a:off x="4760130" y="3069982"/>
+            <a:ext cx="1841189" cy="842305"/>
+          </a:xfrm>
+          <a:prstGeom prst="ellipse">
+            <a:avLst/>
+          </a:prstGeom>
+          <a:pattFill prst="solidDmnd">
+            <a:fgClr>
+              <a:schemeClr val="accent1"/>
+            </a:fgClr>
+            <a:bgClr>
+              <a:schemeClr val="bg1"/>
+            </a:bgClr>
+          </a:pattFill>
+        </p:spPr>
+        <p:style>
+          <a:lnRef idx="2">
+            <a:schemeClr val="accent1">
+              <a:shade val="50000"/>
+            </a:schemeClr>
+          </a:lnRef>
+          <a:fillRef idx="1">
+            <a:schemeClr val="accent1"/>
+          </a:fillRef>
+          <a:effectRef idx="0">
+            <a:schemeClr val="accent1"/>
+          </a:effectRef>
+          <a:fontRef idx="minor">
+            <a:schemeClr val="lt1"/>
+          </a:fontRef>
+        </p:style>
+        <p:txBody>
+          <a:bodyPr rtlCol="0" anchor="ctr"/>
+          <a:lstStyle/>
+          <a:p>
+            <a:pPr algn="ctr"/>
+            <a:endParaRPr lang="en-US"/>
+          </a:p>
+        </p:txBody>
+      </p:sp>
+      <p:cxnSp>
+        <p:nvCxnSpPr>
+          <p:cNvPr id="6" name="Straight Connector 5">
+            <a:extLst>
+              <a:ext uri="{FF2B5EF4-FFF2-40B4-BE49-F238E27FC236}">
+                <a16:creationId xmlns:a16="http://schemas.microsoft.com/office/drawing/2014/main" id="{62D707F4-F0F9-4652-A850-7D63B41EFD9B}"/>
+              </a:ext>
+            </a:extLst>
+          </p:cNvPr>
+          <p:cNvCxnSpPr/>
+          <p:nvPr/>
+        </p:nvCxnSpPr>
+        <p:spPr>
+          <a:xfrm>
+            <a:off x="3033823" y="6266121"/>
+            <a:ext cx="5706140" cy="0"/>
+          </a:xfrm>
+          <a:prstGeom prst="line">
+            <a:avLst/>
+          </a:prstGeom>
+          <a:ln w="28575">
+            <a:solidFill>
+              <a:srgbClr val="00B050"/>
+            </a:solidFill>
+          </a:ln>
+        </p:spPr>
+        <p:style>
+          <a:lnRef idx="1">
+            <a:schemeClr val="accent1"/>
+          </a:lnRef>
+          <a:fillRef idx="0">
+            <a:schemeClr val="accent1"/>
+          </a:fillRef>
+          <a:effectRef idx="0">
+            <a:schemeClr val="accent1"/>
+          </a:effectRef>
+          <a:fontRef idx="minor">
+            <a:schemeClr val="tx1"/>
+          </a:fontRef>
+        </p:style>
+      </p:cxnSp>
+      <p:cxnSp>
+        <p:nvCxnSpPr>
+          <p:cNvPr id="7" name="Straight Connector 6">
+            <a:extLst>
+              <a:ext uri="{FF2B5EF4-FFF2-40B4-BE49-F238E27FC236}">
+                <a16:creationId xmlns:a16="http://schemas.microsoft.com/office/drawing/2014/main" id="{7229D21C-28C8-4D11-889B-8A9E8D4573D1}"/>
+              </a:ext>
+            </a:extLst>
+          </p:cNvPr>
+          <p:cNvCxnSpPr/>
+          <p:nvPr/>
+        </p:nvCxnSpPr>
+        <p:spPr>
+          <a:xfrm>
+            <a:off x="3203944" y="2434855"/>
+            <a:ext cx="5706140" cy="0"/>
+          </a:xfrm>
+          <a:prstGeom prst="line">
+            <a:avLst/>
+          </a:prstGeom>
+          <a:ln w="28575">
+            <a:solidFill>
+              <a:srgbClr val="00B050"/>
+            </a:solidFill>
+          </a:ln>
+        </p:spPr>
+        <p:style>
+          <a:lnRef idx="1">
+            <a:schemeClr val="accent1"/>
+          </a:lnRef>
+          <a:fillRef idx="0">
+            <a:schemeClr val="accent1"/>
+          </a:fillRef>
+          <a:effectRef idx="0">
+            <a:schemeClr val="accent1"/>
+          </a:effectRef>
+          <a:fontRef idx="minor">
+            <a:schemeClr val="tx1"/>
+          </a:fontRef>
+        </p:style>
+      </p:cxnSp>
+      <p:cxnSp>
+        <p:nvCxnSpPr>
+          <p:cNvPr id="8" name="Straight Connector 7">
+            <a:extLst>
+              <a:ext uri="{FF2B5EF4-FFF2-40B4-BE49-F238E27FC236}">
+                <a16:creationId xmlns:a16="http://schemas.microsoft.com/office/drawing/2014/main" id="{84FDF04C-9F46-4E9E-967D-F9F02DF9B3A4}"/>
+              </a:ext>
+            </a:extLst>
+          </p:cNvPr>
+          <p:cNvCxnSpPr/>
+          <p:nvPr/>
+        </p:nvCxnSpPr>
+        <p:spPr>
+          <a:xfrm>
+            <a:off x="3338623" y="4465674"/>
+            <a:ext cx="5706140" cy="0"/>
+          </a:xfrm>
+          <a:prstGeom prst="line">
+            <a:avLst/>
+          </a:prstGeom>
+          <a:ln w="28575">
+            <a:solidFill>
+              <a:srgbClr val="00B050"/>
+            </a:solidFill>
+          </a:ln>
+        </p:spPr>
+        <p:style>
+          <a:lnRef idx="1">
+            <a:schemeClr val="accent1"/>
+          </a:lnRef>
+          <a:fillRef idx="0">
+            <a:schemeClr val="accent1"/>
+          </a:fillRef>
+          <a:effectRef idx="0">
+            <a:schemeClr val="accent1"/>
+          </a:effectRef>
+          <a:fontRef idx="minor">
+            <a:schemeClr val="tx1"/>
+          </a:fontRef>
+        </p:style>
+      </p:cxnSp>
+      <p:sp>
+        <p:nvSpPr>
+          <p:cNvPr id="10" name="TextBox 9">
+            <a:extLst>
+              <a:ext uri="{FF2B5EF4-FFF2-40B4-BE49-F238E27FC236}">
+                <a16:creationId xmlns:a16="http://schemas.microsoft.com/office/drawing/2014/main" id="{DFF2FA46-E66F-4F2C-A70D-7397C7B81264}"/>
+              </a:ext>
+            </a:extLst>
+          </p:cNvPr>
+          <p:cNvSpPr txBox="1"/>
+          <p:nvPr/>
+        </p:nvSpPr>
+        <p:spPr>
+          <a:xfrm>
+            <a:off x="772633" y="6035288"/>
+            <a:ext cx="2024489" cy="461665"/>
+          </a:xfrm>
+          <a:prstGeom prst="rect">
+            <a:avLst/>
+          </a:prstGeom>
+          <a:noFill/>
+        </p:spPr>
+        <p:txBody>
+          <a:bodyPr wrap="square" rtlCol="0">
+            <a:spAutoFit/>
+          </a:bodyPr>
+          <a:lstStyle/>
+          <a:p>
+            <a:pPr algn="r"/>
+            <a:r>
+              <a:rPr lang="en-US" sz="2400" dirty="0"/>
+              <a:t>Logic gates</a:t>
+            </a:r>
+          </a:p>
+        </p:txBody>
+      </p:sp>
+      <p:sp>
+        <p:nvSpPr>
+          <p:cNvPr id="11" name="TextBox 10">
+            <a:extLst>
+              <a:ext uri="{FF2B5EF4-FFF2-40B4-BE49-F238E27FC236}">
+                <a16:creationId xmlns:a16="http://schemas.microsoft.com/office/drawing/2014/main" id="{7FFD42EC-C945-413C-ACE7-882F329BF8A7}"/>
+              </a:ext>
+            </a:extLst>
+          </p:cNvPr>
+          <p:cNvSpPr txBox="1"/>
+          <p:nvPr/>
+        </p:nvSpPr>
+        <p:spPr>
+          <a:xfrm>
+            <a:off x="290624" y="4235302"/>
+            <a:ext cx="3047999" cy="461665"/>
+          </a:xfrm>
+          <a:prstGeom prst="rect">
+            <a:avLst/>
+          </a:prstGeom>
+          <a:noFill/>
+        </p:spPr>
+        <p:txBody>
+          <a:bodyPr wrap="square" rtlCol="0">
+            <a:spAutoFit/>
+          </a:bodyPr>
+          <a:lstStyle/>
+          <a:p>
+            <a:r>
+              <a:rPr lang="en-US" sz="2400" dirty="0"/>
+              <a:t>Synchronous circuits</a:t>
+            </a:r>
+          </a:p>
+        </p:txBody>
+      </p:sp>
+      <p:sp>
+        <p:nvSpPr>
+          <p:cNvPr id="12" name="TextBox 11">
+            <a:extLst>
+              <a:ext uri="{FF2B5EF4-FFF2-40B4-BE49-F238E27FC236}">
+                <a16:creationId xmlns:a16="http://schemas.microsoft.com/office/drawing/2014/main" id="{B738A027-CA0B-40EF-A960-80DA323C55C8}"/>
+              </a:ext>
+            </a:extLst>
+          </p:cNvPr>
+          <p:cNvSpPr txBox="1"/>
+          <p:nvPr/>
+        </p:nvSpPr>
+        <p:spPr>
+          <a:xfrm>
+            <a:off x="772633" y="2234800"/>
+            <a:ext cx="2354098" cy="461665"/>
+          </a:xfrm>
+          <a:prstGeom prst="rect">
+            <a:avLst/>
+          </a:prstGeom>
+          <a:noFill/>
+        </p:spPr>
+        <p:txBody>
+          <a:bodyPr wrap="square" rtlCol="0">
+            <a:spAutoFit/>
+          </a:bodyPr>
+          <a:lstStyle/>
+          <a:p>
+            <a:pPr algn="ctr"/>
+            <a:r>
+              <a:rPr lang="en-US" sz="2400" dirty="0"/>
+              <a:t>Processor circuit</a:t>
+            </a:r>
+          </a:p>
+        </p:txBody>
+      </p:sp>
+      <p:sp>
+        <p:nvSpPr>
+          <p:cNvPr id="14" name="TextBox 13">
+            <a:extLst>
+              <a:ext uri="{FF2B5EF4-FFF2-40B4-BE49-F238E27FC236}">
+                <a16:creationId xmlns:a16="http://schemas.microsoft.com/office/drawing/2014/main" id="{2B6CFB14-8FCB-4BD6-9A4A-25860313FBBD}"/>
+              </a:ext>
+            </a:extLst>
+          </p:cNvPr>
+          <p:cNvSpPr txBox="1"/>
+          <p:nvPr/>
+        </p:nvSpPr>
+        <p:spPr>
+          <a:xfrm>
+            <a:off x="8910084" y="5018567"/>
+            <a:ext cx="2282456" cy="523220"/>
+          </a:xfrm>
+          <a:prstGeom prst="rect">
+            <a:avLst/>
+          </a:prstGeom>
+          <a:noFill/>
+        </p:spPr>
+        <p:txBody>
+          <a:bodyPr wrap="square" rtlCol="0">
+            <a:spAutoFit/>
+          </a:bodyPr>
+          <a:lstStyle/>
+          <a:p>
+            <a:r>
+              <a:rPr lang="en-US" sz="2800" dirty="0"/>
+              <a:t>Circuit design</a:t>
+            </a:r>
+          </a:p>
+        </p:txBody>
+      </p:sp>
+      <p:sp>
+        <p:nvSpPr>
+          <p:cNvPr id="15" name="TextBox 14">
+            <a:extLst>
+              <a:ext uri="{FF2B5EF4-FFF2-40B4-BE49-F238E27FC236}">
+                <a16:creationId xmlns:a16="http://schemas.microsoft.com/office/drawing/2014/main" id="{7CAAC524-5019-4C1D-9EAE-F14388E1D19D}"/>
+              </a:ext>
+            </a:extLst>
+          </p:cNvPr>
+          <p:cNvSpPr txBox="1"/>
+          <p:nvPr/>
+        </p:nvSpPr>
+        <p:spPr>
+          <a:xfrm>
+            <a:off x="8612372" y="3108451"/>
+            <a:ext cx="3452037" cy="523220"/>
+          </a:xfrm>
+          <a:prstGeom prst="rect">
+            <a:avLst/>
+          </a:prstGeom>
+          <a:noFill/>
+        </p:spPr>
+        <p:txBody>
+          <a:bodyPr wrap="square" rtlCol="0">
+            <a:spAutoFit/>
+          </a:bodyPr>
+          <a:lstStyle/>
+          <a:p>
+            <a:r>
+              <a:rPr lang="en-US" sz="2800" dirty="0"/>
+              <a:t>Datapath and control</a:t>
+            </a:r>
+          </a:p>
+        </p:txBody>
+      </p:sp>
+      <p:sp>
+        <p:nvSpPr>
+          <p:cNvPr id="13" name="Oval 12">
+            <a:extLst>
+              <a:ext uri="{FF2B5EF4-FFF2-40B4-BE49-F238E27FC236}">
+                <a16:creationId xmlns:a16="http://schemas.microsoft.com/office/drawing/2014/main" id="{A332A12D-0102-42FD-8B93-8C9073CB293B}"/>
+              </a:ext>
+            </a:extLst>
+          </p:cNvPr>
+          <p:cNvSpPr/>
+          <p:nvPr/>
+        </p:nvSpPr>
+        <p:spPr>
+          <a:xfrm rot="5400000">
+            <a:off x="4650260" y="4979830"/>
+            <a:ext cx="1841189" cy="842305"/>
+          </a:xfrm>
+          <a:prstGeom prst="ellipse">
+            <a:avLst/>
+          </a:prstGeom>
+          <a:pattFill prst="solidDmnd">
+            <a:fgClr>
+              <a:schemeClr val="accent1"/>
+            </a:fgClr>
+            <a:bgClr>
+              <a:schemeClr val="bg1"/>
+            </a:bgClr>
+          </a:pattFill>
+        </p:spPr>
+        <p:style>
+          <a:lnRef idx="2">
+            <a:schemeClr val="accent1">
+              <a:shade val="50000"/>
+            </a:schemeClr>
+          </a:lnRef>
+          <a:fillRef idx="1">
+            <a:schemeClr val="accent1"/>
+          </a:fillRef>
+          <a:effectRef idx="0">
+            <a:schemeClr val="accent1"/>
+          </a:effectRef>
+          <a:fontRef idx="minor">
+            <a:schemeClr val="lt1"/>
+          </a:fontRef>
+        </p:style>
+        <p:txBody>
+          <a:bodyPr rtlCol="0" anchor="ctr"/>
+          <a:lstStyle/>
+          <a:p>
+            <a:pPr algn="ctr"/>
+            <a:endParaRPr lang="en-US"/>
+          </a:p>
+        </p:txBody>
+      </p:sp>
+      <p:sp>
+        <p:nvSpPr>
+          <p:cNvPr id="3" name="Slide Number Placeholder 2">
+            <a:extLst>
+              <a:ext uri="{FF2B5EF4-FFF2-40B4-BE49-F238E27FC236}">
+                <a16:creationId xmlns:a16="http://schemas.microsoft.com/office/drawing/2014/main" id="{1079A737-F25B-493E-80ED-9178BF10D801}"/>
+              </a:ext>
+            </a:extLst>
+          </p:cNvPr>
+          <p:cNvSpPr>
+            <a:spLocks noGrp="1"/>
+          </p:cNvSpPr>
+          <p:nvPr>
+            <p:ph type="sldNum" sz="quarter" idx="12"/>
+          </p:nvPr>
+        </p:nvSpPr>
+        <p:spPr/>
+        <p:txBody>
+          <a:bodyPr/>
+          <a:lstStyle/>
+          <a:p>
+            <a:fld id="{72A0DAED-63F2-4DE8-BA3E-AD42A00CD13D}" type="slidenum">
+              <a:rPr lang="en-US" smtClean="0"/>
+              <a:t>19</a:t>
+            </a:fld>
+            <a:endParaRPr lang="en-US"/>
+          </a:p>
+        </p:txBody>
+      </p:sp>
+      <p:sp>
+        <p:nvSpPr>
+          <p:cNvPr id="16" name="TextBox 15">
+            <a:extLst>
+              <a:ext uri="{FF2B5EF4-FFF2-40B4-BE49-F238E27FC236}">
+                <a16:creationId xmlns:a16="http://schemas.microsoft.com/office/drawing/2014/main" id="{0295CD66-8298-4C4A-BF83-63E678E2E055}"/>
+              </a:ext>
+            </a:extLst>
+          </p:cNvPr>
+          <p:cNvSpPr txBox="1"/>
+          <p:nvPr/>
+        </p:nvSpPr>
+        <p:spPr>
+          <a:xfrm>
+            <a:off x="6447453" y="4758612"/>
+            <a:ext cx="2351314" cy="1200329"/>
+          </a:xfrm>
+          <a:prstGeom prst="rect">
+            <a:avLst/>
+          </a:prstGeom>
+          <a:solidFill>
+            <a:schemeClr val="accent6">
+              <a:lumMod val="20000"/>
+              <a:lumOff val="80000"/>
+            </a:schemeClr>
+          </a:solidFill>
+        </p:spPr>
+        <p:txBody>
+          <a:bodyPr wrap="square" rtlCol="0">
+            <a:spAutoFit/>
+          </a:bodyPr>
+          <a:lstStyle/>
+          <a:p>
+            <a:r>
+              <a:rPr lang="en-US" dirty="0"/>
+              <a:t>Show intermediate circuits that lead up to something useful: datapath and control</a:t>
+            </a:r>
+          </a:p>
+        </p:txBody>
+      </p:sp>
+    </p:spTree>
+    <p:extLst>
+      <p:ext uri="{BB962C8B-B14F-4D97-AF65-F5344CB8AC3E}">
+        <p14:creationId xmlns:p14="http://schemas.microsoft.com/office/powerpoint/2010/main" val="3430137135"/>
+      </p:ext>
+    </p:extLst>
+  </p:cSld>
+  <p:clrMapOvr>
+    <a:masterClrMapping/>
+  </p:clrMapOvr>
+</p:sld>
+</file>
+
 <file path=ppt/slides/slide2.xml><?xml version="1.0" encoding="utf-8"?>
 <p:sld xmlns:a="http://schemas.openxmlformats.org/drawingml/2006/main" xmlns:r="http://schemas.openxmlformats.org/officeDocument/2006/relationships" xmlns:p="http://schemas.openxmlformats.org/presentationml/2006/main">
   <p:cSld>
@@ -3617,10 +6696,3557 @@
           </a:p>
         </p:txBody>
       </p:sp>
+      <p:sp>
+        <p:nvSpPr>
+          <p:cNvPr id="3" name="Slide Number Placeholder 2">
+            <a:extLst>
+              <a:ext uri="{FF2B5EF4-FFF2-40B4-BE49-F238E27FC236}">
+                <a16:creationId xmlns:a16="http://schemas.microsoft.com/office/drawing/2014/main" id="{7ED7A29B-DA4B-4F8C-8DB7-84C51855C476}"/>
+              </a:ext>
+            </a:extLst>
+          </p:cNvPr>
+          <p:cNvSpPr>
+            <a:spLocks noGrp="1"/>
+          </p:cNvSpPr>
+          <p:nvPr>
+            <p:ph type="sldNum" sz="quarter" idx="12"/>
+          </p:nvPr>
+        </p:nvSpPr>
+        <p:spPr/>
+        <p:txBody>
+          <a:bodyPr/>
+          <a:lstStyle/>
+          <a:p>
+            <a:fld id="{72A0DAED-63F2-4DE8-BA3E-AD42A00CD13D}" type="slidenum">
+              <a:rPr lang="en-US" smtClean="0"/>
+              <a:t>2</a:t>
+            </a:fld>
+            <a:endParaRPr lang="en-US"/>
+          </a:p>
+        </p:txBody>
+      </p:sp>
     </p:spTree>
     <p:extLst>
       <p:ext uri="{BB962C8B-B14F-4D97-AF65-F5344CB8AC3E}">
         <p14:creationId xmlns:p14="http://schemas.microsoft.com/office/powerpoint/2010/main" val="3427131528"/>
+      </p:ext>
+    </p:extLst>
+  </p:cSld>
+  <p:clrMapOvr>
+    <a:masterClrMapping/>
+  </p:clrMapOvr>
+</p:sld>
+</file>
+
+<file path=ppt/slides/slide20.xml><?xml version="1.0" encoding="utf-8"?>
+<p:sld xmlns:a="http://schemas.openxmlformats.org/drawingml/2006/main" xmlns:r="http://schemas.openxmlformats.org/officeDocument/2006/relationships" xmlns:p="http://schemas.openxmlformats.org/presentationml/2006/main">
+  <p:cSld>
+    <p:spTree>
+      <p:nvGrpSpPr>
+        <p:cNvPr id="1" name=""/>
+        <p:cNvGrpSpPr/>
+        <p:nvPr/>
+      </p:nvGrpSpPr>
+      <p:grpSpPr>
+        <a:xfrm>
+          <a:off x="0" y="0"/>
+          <a:ext cx="0" cy="0"/>
+          <a:chOff x="0" y="0"/>
+          <a:chExt cx="0" cy="0"/>
+        </a:xfrm>
+      </p:grpSpPr>
+      <p:sp>
+        <p:nvSpPr>
+          <p:cNvPr id="2" name="Title 1">
+            <a:extLst>
+              <a:ext uri="{FF2B5EF4-FFF2-40B4-BE49-F238E27FC236}">
+                <a16:creationId xmlns:a16="http://schemas.microsoft.com/office/drawing/2014/main" id="{EF5B7E0A-E29B-4D9F-95E0-7C0855BDA8C6}"/>
+              </a:ext>
+            </a:extLst>
+          </p:cNvPr>
+          <p:cNvSpPr>
+            <a:spLocks noGrp="1"/>
+          </p:cNvSpPr>
+          <p:nvPr>
+            <p:ph type="title"/>
+          </p:nvPr>
+        </p:nvSpPr>
+        <p:spPr/>
+        <p:txBody>
+          <a:bodyPr/>
+          <a:lstStyle/>
+          <a:p>
+            <a:r>
+              <a:rPr lang="en-GB" dirty="0"/>
+              <a:t>Sigma16</a:t>
+            </a:r>
+            <a:endParaRPr lang="en-US" dirty="0"/>
+          </a:p>
+        </p:txBody>
+      </p:sp>
+      <p:sp>
+        <p:nvSpPr>
+          <p:cNvPr id="3" name="Content Placeholder 2">
+            <a:extLst>
+              <a:ext uri="{FF2B5EF4-FFF2-40B4-BE49-F238E27FC236}">
+                <a16:creationId xmlns:a16="http://schemas.microsoft.com/office/drawing/2014/main" id="{078E7A4B-A5E1-4D44-9453-109E68A63481}"/>
+              </a:ext>
+            </a:extLst>
+          </p:cNvPr>
+          <p:cNvSpPr>
+            <a:spLocks noGrp="1"/>
+          </p:cNvSpPr>
+          <p:nvPr>
+            <p:ph idx="1"/>
+          </p:nvPr>
+        </p:nvSpPr>
+        <p:spPr>
+          <a:xfrm>
+            <a:off x="838200" y="1825624"/>
+            <a:ext cx="10515600" cy="4831767"/>
+          </a:xfrm>
+        </p:spPr>
+        <p:txBody>
+          <a:bodyPr>
+            <a:normAutofit lnSpcReduction="10000"/>
+          </a:bodyPr>
+          <a:lstStyle/>
+          <a:p>
+            <a:r>
+              <a:rPr lang="en-GB" dirty="0"/>
+              <a:t>A computer architecture designed to be as simple as possible, but no simpler</a:t>
+            </a:r>
+          </a:p>
+          <a:p>
+            <a:r>
+              <a:rPr lang="en-GB" dirty="0"/>
+              <a:t>It omits non-essential detail: e.g. only one word size</a:t>
+            </a:r>
+          </a:p>
+          <a:p>
+            <a:r>
+              <a:rPr lang="en-GB" dirty="0"/>
+              <a:t>The architecture has “subsets”</a:t>
+            </a:r>
+          </a:p>
+          <a:p>
+            <a:pPr lvl="1"/>
+            <a:r>
+              <a:rPr lang="en-GB" dirty="0"/>
+              <a:t>A small and very simple core allows realistic programs: loops, conditionals, functions, arrays, linked lists</a:t>
+            </a:r>
+          </a:p>
+          <a:p>
+            <a:pPr lvl="1"/>
+            <a:r>
+              <a:rPr lang="en-GB" dirty="0"/>
+              <a:t>Extensions make it easy to implement activation records, interpreters, modules, linking, relocation</a:t>
+            </a:r>
+          </a:p>
+          <a:p>
+            <a:pPr lvl="1"/>
+            <a:r>
+              <a:rPr lang="en-GB" dirty="0"/>
+              <a:t>Advanced extensions support interrupts, segmentation, privilege, protection, mutual exclusion</a:t>
+            </a:r>
+          </a:p>
+          <a:p>
+            <a:r>
+              <a:rPr lang="en-GB" dirty="0"/>
+              <a:t>Explicitly designed to make the object code understandable</a:t>
+            </a:r>
+          </a:p>
+          <a:p>
+            <a:pPr lvl="1"/>
+            <a:r>
+              <a:rPr lang="en-GB" dirty="0"/>
+              <a:t>A key concept: instructions are represented as words</a:t>
+            </a:r>
+          </a:p>
+          <a:p>
+            <a:pPr lvl="1"/>
+            <a:endParaRPr lang="en-GB" dirty="0"/>
+          </a:p>
+          <a:p>
+            <a:pPr lvl="1"/>
+            <a:endParaRPr lang="en-US" dirty="0"/>
+          </a:p>
+        </p:txBody>
+      </p:sp>
+      <p:sp>
+        <p:nvSpPr>
+          <p:cNvPr id="4" name="Slide Number Placeholder 3">
+            <a:extLst>
+              <a:ext uri="{FF2B5EF4-FFF2-40B4-BE49-F238E27FC236}">
+                <a16:creationId xmlns:a16="http://schemas.microsoft.com/office/drawing/2014/main" id="{6297D882-EFAC-4F77-860E-A098BA4EB6F0}"/>
+              </a:ext>
+            </a:extLst>
+          </p:cNvPr>
+          <p:cNvSpPr>
+            <a:spLocks noGrp="1"/>
+          </p:cNvSpPr>
+          <p:nvPr>
+            <p:ph type="sldNum" sz="quarter" idx="12"/>
+          </p:nvPr>
+        </p:nvSpPr>
+        <p:spPr/>
+        <p:txBody>
+          <a:bodyPr/>
+          <a:lstStyle/>
+          <a:p>
+            <a:fld id="{72A0DAED-63F2-4DE8-BA3E-AD42A00CD13D}" type="slidenum">
+              <a:rPr lang="en-US" smtClean="0"/>
+              <a:t>20</a:t>
+            </a:fld>
+            <a:endParaRPr lang="en-US"/>
+          </a:p>
+        </p:txBody>
+      </p:sp>
+    </p:spTree>
+    <p:extLst>
+      <p:ext uri="{BB962C8B-B14F-4D97-AF65-F5344CB8AC3E}">
+        <p14:creationId xmlns:p14="http://schemas.microsoft.com/office/powerpoint/2010/main" val="3932912341"/>
+      </p:ext>
+    </p:extLst>
+  </p:cSld>
+  <p:clrMapOvr>
+    <a:masterClrMapping/>
+  </p:clrMapOvr>
+</p:sld>
+</file>
+
+<file path=ppt/slides/slide21.xml><?xml version="1.0" encoding="utf-8"?>
+<p:sld xmlns:a="http://schemas.openxmlformats.org/drawingml/2006/main" xmlns:r="http://schemas.openxmlformats.org/officeDocument/2006/relationships" xmlns:p="http://schemas.openxmlformats.org/presentationml/2006/main">
+  <p:cSld>
+    <p:spTree>
+      <p:nvGrpSpPr>
+        <p:cNvPr id="1" name=""/>
+        <p:cNvGrpSpPr/>
+        <p:nvPr/>
+      </p:nvGrpSpPr>
+      <p:grpSpPr>
+        <a:xfrm>
+          <a:off x="0" y="0"/>
+          <a:ext cx="0" cy="0"/>
+          <a:chOff x="0" y="0"/>
+          <a:chExt cx="0" cy="0"/>
+        </a:xfrm>
+      </p:grpSpPr>
+      <p:sp>
+        <p:nvSpPr>
+          <p:cNvPr id="2" name="Title 1">
+            <a:extLst>
+              <a:ext uri="{FF2B5EF4-FFF2-40B4-BE49-F238E27FC236}">
+                <a16:creationId xmlns:a16="http://schemas.microsoft.com/office/drawing/2014/main" id="{48AAFCEB-343D-456B-AFBC-D6D2FDBFDBC2}"/>
+              </a:ext>
+            </a:extLst>
+          </p:cNvPr>
+          <p:cNvSpPr>
+            <a:spLocks noGrp="1"/>
+          </p:cNvSpPr>
+          <p:nvPr>
+            <p:ph type="title"/>
+          </p:nvPr>
+        </p:nvSpPr>
+        <p:spPr/>
+        <p:txBody>
+          <a:bodyPr/>
+          <a:lstStyle/>
+          <a:p>
+            <a:r>
+              <a:rPr lang="en-US" dirty="0"/>
+              <a:t>A </a:t>
+            </a:r>
+            <a:r>
+              <a:rPr lang="en-GB" dirty="0"/>
+              <a:t>“</a:t>
+            </a:r>
+            <a:r>
+              <a:rPr lang="en-US" dirty="0" err="1"/>
+              <a:t>subsettable</a:t>
+            </a:r>
+            <a:r>
+              <a:rPr lang="en-US" dirty="0"/>
+              <a:t>” architecture</a:t>
+            </a:r>
+          </a:p>
+        </p:txBody>
+      </p:sp>
+      <p:sp>
+        <p:nvSpPr>
+          <p:cNvPr id="3" name="Content Placeholder 2">
+            <a:extLst>
+              <a:ext uri="{FF2B5EF4-FFF2-40B4-BE49-F238E27FC236}">
+                <a16:creationId xmlns:a16="http://schemas.microsoft.com/office/drawing/2014/main" id="{A745B466-A9C5-482A-8F8E-F938E4D2132C}"/>
+              </a:ext>
+            </a:extLst>
+          </p:cNvPr>
+          <p:cNvSpPr>
+            <a:spLocks noGrp="1"/>
+          </p:cNvSpPr>
+          <p:nvPr>
+            <p:ph idx="1"/>
+          </p:nvPr>
+        </p:nvSpPr>
+        <p:spPr>
+          <a:xfrm>
+            <a:off x="838200" y="1825625"/>
+            <a:ext cx="10515600" cy="4743126"/>
+          </a:xfrm>
+        </p:spPr>
+        <p:txBody>
+          <a:bodyPr>
+            <a:normAutofit fontScale="92500" lnSpcReduction="10000"/>
+          </a:bodyPr>
+          <a:lstStyle/>
+          <a:p>
+            <a:r>
+              <a:rPr lang="en-US" dirty="0"/>
+              <a:t>A core architecture</a:t>
+            </a:r>
+          </a:p>
+          <a:p>
+            <a:pPr lvl="1"/>
+            <a:r>
+              <a:rPr lang="en-US" dirty="0"/>
+              <a:t>Simple: just register file, 3 control registers, memory, </a:t>
+            </a:r>
+            <a:r>
+              <a:rPr lang="en-US" dirty="0">
+                <a:solidFill>
+                  <a:srgbClr val="FF0000"/>
+                </a:solidFill>
+              </a:rPr>
+              <a:t>14 instructions</a:t>
+            </a:r>
+          </a:p>
+          <a:p>
+            <a:pPr lvl="1"/>
+            <a:r>
+              <a:rPr lang="en-US" dirty="0"/>
+              <a:t>Easy correspondence between assembly language and machine language</a:t>
+            </a:r>
+            <a:br>
+              <a:rPr lang="en-US" dirty="0"/>
+            </a:br>
+            <a:r>
+              <a:rPr lang="en-US" dirty="0"/>
+              <a:t>Supports </a:t>
+            </a:r>
+            <a:r>
+              <a:rPr lang="en-US" dirty="0">
+                <a:solidFill>
+                  <a:srgbClr val="FF0000"/>
+                </a:solidFill>
+              </a:rPr>
+              <a:t>key concepts</a:t>
+            </a:r>
+            <a:r>
+              <a:rPr lang="en-US" dirty="0"/>
+              <a:t>: instruction representation, stored program</a:t>
+            </a:r>
+          </a:p>
+          <a:p>
+            <a:r>
+              <a:rPr lang="en-US" dirty="0"/>
+              <a:t>Basic extensions </a:t>
+            </a:r>
+          </a:p>
+          <a:p>
+            <a:pPr lvl="1"/>
+            <a:r>
+              <a:rPr lang="en-US" dirty="0"/>
+              <a:t>Further instructions for sophisticated arithmetic, efficient procedures, flexible bit field algorithms (supports interpreters), separate assembly of modules, linker</a:t>
+            </a:r>
+          </a:p>
+          <a:p>
+            <a:pPr lvl="1"/>
+            <a:r>
+              <a:rPr lang="en-US" dirty="0"/>
+              <a:t>Supports </a:t>
+            </a:r>
+            <a:r>
+              <a:rPr lang="en-US" dirty="0">
+                <a:solidFill>
+                  <a:srgbClr val="FF0000"/>
+                </a:solidFill>
+              </a:rPr>
+              <a:t>key concepts</a:t>
+            </a:r>
+            <a:r>
+              <a:rPr lang="en-US" dirty="0"/>
+              <a:t>: </a:t>
+            </a:r>
+            <a:r>
+              <a:rPr lang="en-US" dirty="0" err="1"/>
+              <a:t>bignum</a:t>
+            </a:r>
+            <a:r>
+              <a:rPr lang="en-US" dirty="0"/>
+              <a:t> arithmetic, models for stack and heap based variable allocation, relocation</a:t>
+            </a:r>
+          </a:p>
+          <a:p>
+            <a:r>
+              <a:rPr lang="en-US" dirty="0"/>
+              <a:t>Advanced extensions</a:t>
+            </a:r>
+          </a:p>
+          <a:p>
+            <a:pPr lvl="1"/>
+            <a:r>
+              <a:rPr lang="en-US" dirty="0"/>
+              <a:t>Several more control registers, 4 more instructions, interrupts, segmentation</a:t>
+            </a:r>
+          </a:p>
+          <a:p>
+            <a:pPr lvl="1"/>
+            <a:r>
+              <a:rPr lang="en-US" dirty="0"/>
+              <a:t>Supports </a:t>
+            </a:r>
+            <a:r>
+              <a:rPr lang="en-US" dirty="0">
+                <a:solidFill>
+                  <a:srgbClr val="FF0000"/>
+                </a:solidFill>
+              </a:rPr>
+              <a:t>key concepts</a:t>
+            </a:r>
+            <a:r>
+              <a:rPr lang="en-US" dirty="0"/>
+              <a:t>: exceptions, protection, privilege, concurrency, mutual exclusion</a:t>
+            </a:r>
+          </a:p>
+        </p:txBody>
+      </p:sp>
+      <p:sp>
+        <p:nvSpPr>
+          <p:cNvPr id="4" name="Slide Number Placeholder 3">
+            <a:extLst>
+              <a:ext uri="{FF2B5EF4-FFF2-40B4-BE49-F238E27FC236}">
+                <a16:creationId xmlns:a16="http://schemas.microsoft.com/office/drawing/2014/main" id="{3B794A7F-E710-451C-B267-78093259A172}"/>
+              </a:ext>
+            </a:extLst>
+          </p:cNvPr>
+          <p:cNvSpPr>
+            <a:spLocks noGrp="1"/>
+          </p:cNvSpPr>
+          <p:nvPr>
+            <p:ph type="sldNum" sz="quarter" idx="12"/>
+          </p:nvPr>
+        </p:nvSpPr>
+        <p:spPr/>
+        <p:txBody>
+          <a:bodyPr/>
+          <a:lstStyle/>
+          <a:p>
+            <a:fld id="{72A0DAED-63F2-4DE8-BA3E-AD42A00CD13D}" type="slidenum">
+              <a:rPr lang="en-US" smtClean="0"/>
+              <a:t>21</a:t>
+            </a:fld>
+            <a:endParaRPr lang="en-US"/>
+          </a:p>
+        </p:txBody>
+      </p:sp>
+    </p:spTree>
+    <p:extLst>
+      <p:ext uri="{BB962C8B-B14F-4D97-AF65-F5344CB8AC3E}">
+        <p14:creationId xmlns:p14="http://schemas.microsoft.com/office/powerpoint/2010/main" val="2713968172"/>
+      </p:ext>
+    </p:extLst>
+  </p:cSld>
+  <p:clrMapOvr>
+    <a:masterClrMapping/>
+  </p:clrMapOvr>
+</p:sld>
+</file>
+
+<file path=ppt/slides/slide22.xml><?xml version="1.0" encoding="utf-8"?>
+<p:sld xmlns:a="http://schemas.openxmlformats.org/drawingml/2006/main" xmlns:r="http://schemas.openxmlformats.org/officeDocument/2006/relationships" xmlns:p="http://schemas.openxmlformats.org/presentationml/2006/main">
+  <p:cSld>
+    <p:spTree>
+      <p:nvGrpSpPr>
+        <p:cNvPr id="1" name=""/>
+        <p:cNvGrpSpPr/>
+        <p:nvPr/>
+      </p:nvGrpSpPr>
+      <p:grpSpPr>
+        <a:xfrm>
+          <a:off x="0" y="0"/>
+          <a:ext cx="0" cy="0"/>
+          <a:chOff x="0" y="0"/>
+          <a:chExt cx="0" cy="0"/>
+        </a:xfrm>
+      </p:grpSpPr>
+      <p:sp>
+        <p:nvSpPr>
+          <p:cNvPr id="3" name="TextBox 2">
+            <a:extLst>
+              <a:ext uri="{FF2B5EF4-FFF2-40B4-BE49-F238E27FC236}">
+                <a16:creationId xmlns:a16="http://schemas.microsoft.com/office/drawing/2014/main" id="{1F29B024-D0F9-42AB-9A86-328A5EF0E4DD}"/>
+              </a:ext>
+            </a:extLst>
+          </p:cNvPr>
+          <p:cNvSpPr txBox="1"/>
+          <p:nvPr/>
+        </p:nvSpPr>
+        <p:spPr>
+          <a:xfrm>
+            <a:off x="4431569" y="965054"/>
+            <a:ext cx="2865095" cy="1200329"/>
+          </a:xfrm>
+          <a:prstGeom prst="rect">
+            <a:avLst/>
+          </a:prstGeom>
+          <a:noFill/>
+          <a:ln>
+            <a:noFill/>
+          </a:ln>
+        </p:spPr>
+        <p:txBody>
+          <a:bodyPr wrap="square" rtlCol="0">
+            <a:spAutoFit/>
+          </a:bodyPr>
+          <a:lstStyle/>
+          <a:p>
+            <a:r>
+              <a:rPr lang="en-US" dirty="0"/>
+              <a:t>add, sub, </a:t>
+            </a:r>
+            <a:r>
+              <a:rPr lang="en-US" dirty="0" err="1"/>
+              <a:t>mul</a:t>
+            </a:r>
+            <a:r>
+              <a:rPr lang="en-US" dirty="0"/>
+              <a:t>, div, lea, load, store, trap, </a:t>
+            </a:r>
+            <a:r>
+              <a:rPr lang="en-US" dirty="0" err="1"/>
+              <a:t>cmplt</a:t>
+            </a:r>
+            <a:r>
+              <a:rPr lang="en-US" dirty="0"/>
+              <a:t>, </a:t>
+            </a:r>
+            <a:r>
+              <a:rPr lang="en-US" dirty="0" err="1"/>
+              <a:t>cmpeq</a:t>
+            </a:r>
+            <a:r>
+              <a:rPr lang="en-US" dirty="0"/>
+              <a:t>, </a:t>
+            </a:r>
+            <a:r>
+              <a:rPr lang="en-US" dirty="0" err="1"/>
+              <a:t>cmpgt</a:t>
+            </a:r>
+            <a:r>
+              <a:rPr lang="en-US" dirty="0"/>
+              <a:t>, </a:t>
+            </a:r>
+            <a:r>
+              <a:rPr lang="en-US" dirty="0" err="1"/>
+              <a:t>jumpf</a:t>
+            </a:r>
+            <a:r>
+              <a:rPr lang="en-US" dirty="0"/>
+              <a:t>, </a:t>
+            </a:r>
+            <a:r>
+              <a:rPr lang="en-US" dirty="0" err="1"/>
+              <a:t>jumpt</a:t>
+            </a:r>
+            <a:r>
+              <a:rPr lang="en-US" dirty="0"/>
+              <a:t>, </a:t>
+            </a:r>
+            <a:r>
+              <a:rPr lang="en-US" dirty="0" err="1"/>
+              <a:t>jal</a:t>
+            </a:r>
+            <a:r>
+              <a:rPr lang="en-US" dirty="0"/>
+              <a:t>, data</a:t>
+            </a:r>
+          </a:p>
+        </p:txBody>
+      </p:sp>
+      <p:sp>
+        <p:nvSpPr>
+          <p:cNvPr id="4" name="TextBox 3">
+            <a:extLst>
+              <a:ext uri="{FF2B5EF4-FFF2-40B4-BE49-F238E27FC236}">
+                <a16:creationId xmlns:a16="http://schemas.microsoft.com/office/drawing/2014/main" id="{8E7DE6B4-3942-4217-965F-D3A0AA3E70EF}"/>
+              </a:ext>
+            </a:extLst>
+          </p:cNvPr>
+          <p:cNvSpPr txBox="1"/>
+          <p:nvPr/>
+        </p:nvSpPr>
+        <p:spPr>
+          <a:xfrm>
+            <a:off x="2091090" y="972546"/>
+            <a:ext cx="1968798" cy="1200329"/>
+          </a:xfrm>
+          <a:prstGeom prst="rect">
+            <a:avLst/>
+          </a:prstGeom>
+          <a:noFill/>
+          <a:ln>
+            <a:noFill/>
+          </a:ln>
+        </p:spPr>
+        <p:txBody>
+          <a:bodyPr wrap="square" rtlCol="0">
+            <a:spAutoFit/>
+          </a:bodyPr>
+          <a:lstStyle>
+            <a:defPPr>
+              <a:defRPr lang="en-US"/>
+            </a:defPPr>
+          </a:lstStyle>
+          <a:p>
+            <a:r>
+              <a:rPr lang="en-US" dirty="0"/>
+              <a:t>register file</a:t>
+            </a:r>
+            <a:br>
+              <a:rPr lang="en-US" dirty="0"/>
+            </a:br>
+            <a:r>
+              <a:rPr lang="en-US" dirty="0"/>
+              <a:t>memory,</a:t>
+            </a:r>
+            <a:br>
+              <a:rPr lang="en-US" dirty="0"/>
+            </a:br>
+            <a:r>
+              <a:rPr lang="en-US" dirty="0"/>
+              <a:t>input/output,</a:t>
+            </a:r>
+            <a:br>
+              <a:rPr lang="en-US" dirty="0"/>
+            </a:br>
+            <a:r>
+              <a:rPr lang="en-US" dirty="0"/>
+              <a:t>pc, </a:t>
+            </a:r>
+            <a:r>
+              <a:rPr lang="en-US" dirty="0" err="1"/>
+              <a:t>ir</a:t>
+            </a:r>
+            <a:r>
+              <a:rPr lang="en-US" dirty="0"/>
+              <a:t>, </a:t>
+            </a:r>
+            <a:r>
+              <a:rPr lang="en-US" dirty="0" err="1"/>
+              <a:t>adr</a:t>
+            </a:r>
+            <a:endParaRPr lang="en-US" dirty="0"/>
+          </a:p>
+        </p:txBody>
+      </p:sp>
+      <p:sp>
+        <p:nvSpPr>
+          <p:cNvPr id="5" name="TextBox 4">
+            <a:extLst>
+              <a:ext uri="{FF2B5EF4-FFF2-40B4-BE49-F238E27FC236}">
+                <a16:creationId xmlns:a16="http://schemas.microsoft.com/office/drawing/2014/main" id="{8C21AC9B-920B-428C-933A-ECCC197AAA6C}"/>
+              </a:ext>
+            </a:extLst>
+          </p:cNvPr>
+          <p:cNvSpPr txBox="1"/>
+          <p:nvPr/>
+        </p:nvSpPr>
+        <p:spPr>
+          <a:xfrm>
+            <a:off x="7668345" y="954283"/>
+            <a:ext cx="3878612" cy="1200329"/>
+          </a:xfrm>
+          <a:prstGeom prst="rect">
+            <a:avLst/>
+          </a:prstGeom>
+          <a:noFill/>
+          <a:ln>
+            <a:noFill/>
+          </a:ln>
+        </p:spPr>
+        <p:txBody>
+          <a:bodyPr wrap="square" rtlCol="0">
+            <a:spAutoFit/>
+          </a:bodyPr>
+          <a:lstStyle>
+            <a:defPPr>
+              <a:defRPr lang="en-US"/>
+            </a:defPPr>
+          </a:lstStyle>
+          <a:p>
+            <a:r>
+              <a:rPr lang="en-US" dirty="0"/>
+              <a:t>machine language, translation from higher level language, :=, if-then-else, while, for, arrays, call &amp; return, instruction execution, static vars</a:t>
+            </a:r>
+          </a:p>
+        </p:txBody>
+      </p:sp>
+      <p:sp>
+        <p:nvSpPr>
+          <p:cNvPr id="6" name="TextBox 5">
+            <a:extLst>
+              <a:ext uri="{FF2B5EF4-FFF2-40B4-BE49-F238E27FC236}">
+                <a16:creationId xmlns:a16="http://schemas.microsoft.com/office/drawing/2014/main" id="{847C043C-12D8-4E61-8EA2-07E3D96EA43E}"/>
+              </a:ext>
+            </a:extLst>
+          </p:cNvPr>
+          <p:cNvSpPr txBox="1"/>
+          <p:nvPr/>
+        </p:nvSpPr>
+        <p:spPr>
+          <a:xfrm>
+            <a:off x="3962399" y="2604914"/>
+            <a:ext cx="3792279" cy="1200329"/>
+          </a:xfrm>
+          <a:prstGeom prst="rect">
+            <a:avLst/>
+          </a:prstGeom>
+          <a:noFill/>
+          <a:ln>
+            <a:noFill/>
+          </a:ln>
+        </p:spPr>
+        <p:txBody>
+          <a:bodyPr wrap="square" rtlCol="0">
+            <a:spAutoFit/>
+          </a:bodyPr>
+          <a:lstStyle/>
+          <a:p>
+            <a:r>
+              <a:rPr lang="en-US" dirty="0" err="1"/>
+              <a:t>cmp</a:t>
+            </a:r>
+            <a:r>
+              <a:rPr lang="en-US" dirty="0"/>
+              <a:t>, jumpc0 jumpc1, save, restore, push, pop, top, inv, and, or, </a:t>
+            </a:r>
+            <a:r>
+              <a:rPr lang="en-US" dirty="0" err="1"/>
+              <a:t>xor</a:t>
+            </a:r>
+            <a:r>
+              <a:rPr lang="en-US" dirty="0"/>
+              <a:t>, </a:t>
+            </a:r>
+            <a:r>
+              <a:rPr lang="en-US" dirty="0" err="1"/>
+              <a:t>shiftl</a:t>
+            </a:r>
+            <a:r>
+              <a:rPr lang="en-US" dirty="0"/>
+              <a:t>, </a:t>
+            </a:r>
+            <a:r>
+              <a:rPr lang="en-US" dirty="0" err="1"/>
+              <a:t>shiftr</a:t>
+            </a:r>
+            <a:r>
+              <a:rPr lang="en-US" dirty="0"/>
+              <a:t>, </a:t>
+            </a:r>
+            <a:r>
+              <a:rPr lang="en-US" dirty="0" err="1"/>
+              <a:t>getbit</a:t>
+            </a:r>
+            <a:r>
+              <a:rPr lang="en-US" dirty="0"/>
+              <a:t>, </a:t>
+            </a:r>
+            <a:r>
+              <a:rPr lang="en-US" dirty="0" err="1"/>
+              <a:t>getbiti</a:t>
+            </a:r>
+            <a:r>
+              <a:rPr lang="en-US" dirty="0"/>
+              <a:t>, </a:t>
+            </a:r>
+            <a:r>
+              <a:rPr lang="en-US" dirty="0" err="1"/>
+              <a:t>putbit</a:t>
+            </a:r>
+            <a:r>
+              <a:rPr lang="en-US" dirty="0"/>
+              <a:t>, </a:t>
+            </a:r>
+            <a:r>
+              <a:rPr lang="en-US" dirty="0" err="1"/>
+              <a:t>putbiti</a:t>
+            </a:r>
+            <a:r>
+              <a:rPr lang="en-US" dirty="0"/>
+              <a:t>, extract, execute</a:t>
+            </a:r>
+          </a:p>
+        </p:txBody>
+      </p:sp>
+      <p:sp>
+        <p:nvSpPr>
+          <p:cNvPr id="7" name="TextBox 6">
+            <a:extLst>
+              <a:ext uri="{FF2B5EF4-FFF2-40B4-BE49-F238E27FC236}">
+                <a16:creationId xmlns:a16="http://schemas.microsoft.com/office/drawing/2014/main" id="{0A158080-308E-4153-B30D-E608BB4BAB53}"/>
+              </a:ext>
+            </a:extLst>
+          </p:cNvPr>
+          <p:cNvSpPr txBox="1"/>
+          <p:nvPr/>
+        </p:nvSpPr>
+        <p:spPr>
+          <a:xfrm>
+            <a:off x="5139966" y="5608372"/>
+            <a:ext cx="1854492" cy="646331"/>
+          </a:xfrm>
+          <a:prstGeom prst="rect">
+            <a:avLst/>
+          </a:prstGeom>
+          <a:noFill/>
+          <a:ln>
+            <a:noFill/>
+          </a:ln>
+        </p:spPr>
+        <p:txBody>
+          <a:bodyPr wrap="square" rtlCol="0">
+            <a:spAutoFit/>
+          </a:bodyPr>
+          <a:lstStyle>
+            <a:defPPr>
+              <a:defRPr lang="en-US"/>
+            </a:defPPr>
+          </a:lstStyle>
+          <a:p>
+            <a:r>
+              <a:rPr lang="en-US" dirty="0" err="1"/>
+              <a:t>getctl</a:t>
+            </a:r>
+            <a:r>
+              <a:rPr lang="en-US" dirty="0"/>
+              <a:t>, </a:t>
+            </a:r>
+            <a:r>
+              <a:rPr lang="en-US" dirty="0" err="1"/>
+              <a:t>putctl</a:t>
+            </a:r>
+            <a:r>
+              <a:rPr lang="en-US" dirty="0"/>
+              <a:t>, </a:t>
+            </a:r>
+            <a:r>
+              <a:rPr lang="en-US" dirty="0" err="1"/>
+              <a:t>rfi</a:t>
+            </a:r>
+            <a:br>
+              <a:rPr lang="en-US" dirty="0"/>
+            </a:br>
+            <a:r>
+              <a:rPr lang="en-US" dirty="0" err="1"/>
+              <a:t>testset</a:t>
+            </a:r>
+            <a:endParaRPr lang="en-US" dirty="0"/>
+          </a:p>
+        </p:txBody>
+      </p:sp>
+      <p:sp>
+        <p:nvSpPr>
+          <p:cNvPr id="8" name="TextBox 7">
+            <a:extLst>
+              <a:ext uri="{FF2B5EF4-FFF2-40B4-BE49-F238E27FC236}">
+                <a16:creationId xmlns:a16="http://schemas.microsoft.com/office/drawing/2014/main" id="{2BF2E503-6F41-49BF-98CD-2D45C3B924F4}"/>
+              </a:ext>
+            </a:extLst>
+          </p:cNvPr>
+          <p:cNvSpPr txBox="1"/>
+          <p:nvPr/>
+        </p:nvSpPr>
+        <p:spPr>
+          <a:xfrm>
+            <a:off x="1758043" y="5623504"/>
+            <a:ext cx="2838006" cy="923330"/>
+          </a:xfrm>
+          <a:prstGeom prst="rect">
+            <a:avLst/>
+          </a:prstGeom>
+          <a:noFill/>
+          <a:ln>
+            <a:noFill/>
+          </a:ln>
+        </p:spPr>
+        <p:txBody>
+          <a:bodyPr wrap="square" rtlCol="0">
+            <a:spAutoFit/>
+          </a:bodyPr>
+          <a:lstStyle/>
+          <a:p>
+            <a:r>
+              <a:rPr lang="en-US" dirty="0"/>
+              <a:t>status, </a:t>
+            </a:r>
+            <a:r>
+              <a:rPr lang="en-US" dirty="0" err="1"/>
+              <a:t>mask,req</a:t>
+            </a:r>
+            <a:r>
+              <a:rPr lang="en-US" dirty="0"/>
+              <a:t>, </a:t>
+            </a:r>
+            <a:r>
+              <a:rPr lang="en-US" dirty="0" err="1"/>
+              <a:t>istat</a:t>
+            </a:r>
+            <a:r>
+              <a:rPr lang="en-US" dirty="0"/>
+              <a:t>, </a:t>
+            </a:r>
+            <a:r>
+              <a:rPr lang="en-US" dirty="0" err="1"/>
+              <a:t>ipc</a:t>
+            </a:r>
+            <a:r>
+              <a:rPr lang="en-US" dirty="0"/>
+              <a:t>, </a:t>
+            </a:r>
+            <a:r>
+              <a:rPr lang="en-US" dirty="0" err="1"/>
+              <a:t>bpseg</a:t>
+            </a:r>
+            <a:r>
+              <a:rPr lang="en-US" dirty="0"/>
+              <a:t>, </a:t>
+            </a:r>
+            <a:r>
+              <a:rPr lang="en-US" dirty="0" err="1"/>
+              <a:t>epseg</a:t>
+            </a:r>
+            <a:r>
+              <a:rPr lang="en-US" dirty="0"/>
+              <a:t>, </a:t>
+            </a:r>
+            <a:r>
+              <a:rPr lang="en-US" dirty="0" err="1"/>
+              <a:t>bdseg</a:t>
+            </a:r>
+            <a:r>
+              <a:rPr lang="en-US" dirty="0"/>
+              <a:t>, </a:t>
+            </a:r>
+            <a:r>
+              <a:rPr lang="en-US" dirty="0" err="1"/>
+              <a:t>dseg</a:t>
+            </a:r>
+            <a:r>
+              <a:rPr lang="en-US" dirty="0"/>
+              <a:t>, privilege</a:t>
+            </a:r>
+          </a:p>
+        </p:txBody>
+      </p:sp>
+      <p:sp>
+        <p:nvSpPr>
+          <p:cNvPr id="9" name="TextBox 8">
+            <a:extLst>
+              <a:ext uri="{FF2B5EF4-FFF2-40B4-BE49-F238E27FC236}">
+                <a16:creationId xmlns:a16="http://schemas.microsoft.com/office/drawing/2014/main" id="{D9AF82EF-6732-4075-8AC9-56614E635451}"/>
+              </a:ext>
+            </a:extLst>
+          </p:cNvPr>
+          <p:cNvSpPr txBox="1"/>
+          <p:nvPr/>
+        </p:nvSpPr>
+        <p:spPr>
+          <a:xfrm>
+            <a:off x="8009473" y="2540366"/>
+            <a:ext cx="3479320" cy="1200329"/>
+          </a:xfrm>
+          <a:prstGeom prst="rect">
+            <a:avLst/>
+          </a:prstGeom>
+          <a:noFill/>
+          <a:ln>
+            <a:noFill/>
+          </a:ln>
+        </p:spPr>
+        <p:txBody>
+          <a:bodyPr wrap="square" rtlCol="0">
+            <a:spAutoFit/>
+          </a:bodyPr>
+          <a:lstStyle>
+            <a:defPPr>
+              <a:defRPr lang="en-US"/>
+            </a:defPPr>
+          </a:lstStyle>
+          <a:p>
+            <a:r>
+              <a:rPr lang="en-US" dirty="0"/>
+              <a:t>bit manipulation, pointers, records, stacks, linked lists, trees, calling conventions, activation records, advanced arithmetic</a:t>
+            </a:r>
+          </a:p>
+        </p:txBody>
+      </p:sp>
+      <p:sp>
+        <p:nvSpPr>
+          <p:cNvPr id="10" name="TextBox 9">
+            <a:extLst>
+              <a:ext uri="{FF2B5EF4-FFF2-40B4-BE49-F238E27FC236}">
+                <a16:creationId xmlns:a16="http://schemas.microsoft.com/office/drawing/2014/main" id="{480E6EDE-604F-4B64-845C-47D186657D1B}"/>
+              </a:ext>
+            </a:extLst>
+          </p:cNvPr>
+          <p:cNvSpPr txBox="1"/>
+          <p:nvPr/>
+        </p:nvSpPr>
+        <p:spPr>
+          <a:xfrm>
+            <a:off x="8229601" y="5373304"/>
+            <a:ext cx="3559628" cy="1200329"/>
+          </a:xfrm>
+          <a:prstGeom prst="rect">
+            <a:avLst/>
+          </a:prstGeom>
+          <a:noFill/>
+          <a:ln>
+            <a:noFill/>
+          </a:ln>
+        </p:spPr>
+        <p:txBody>
+          <a:bodyPr wrap="square" rtlCol="0">
+            <a:spAutoFit/>
+          </a:bodyPr>
+          <a:lstStyle/>
+          <a:p>
+            <a:r>
+              <a:rPr lang="en-US" dirty="0"/>
+              <a:t>privilege, interrupts, exceptions, address translation, memory protection, OS kernel, processes, concurrency, mutual exclusion</a:t>
+            </a:r>
+          </a:p>
+        </p:txBody>
+      </p:sp>
+      <p:sp>
+        <p:nvSpPr>
+          <p:cNvPr id="12" name="TextBox 11">
+            <a:extLst>
+              <a:ext uri="{FF2B5EF4-FFF2-40B4-BE49-F238E27FC236}">
+                <a16:creationId xmlns:a16="http://schemas.microsoft.com/office/drawing/2014/main" id="{E5D13878-7563-48D6-9054-0E87443FC356}"/>
+              </a:ext>
+            </a:extLst>
+          </p:cNvPr>
+          <p:cNvSpPr txBox="1"/>
+          <p:nvPr/>
+        </p:nvSpPr>
+        <p:spPr>
+          <a:xfrm>
+            <a:off x="4280761" y="4265016"/>
+            <a:ext cx="2679766" cy="646331"/>
+          </a:xfrm>
+          <a:prstGeom prst="rect">
+            <a:avLst/>
+          </a:prstGeom>
+          <a:noFill/>
+        </p:spPr>
+        <p:txBody>
+          <a:bodyPr wrap="square" rtlCol="0">
+            <a:spAutoFit/>
+          </a:bodyPr>
+          <a:lstStyle/>
+          <a:p>
+            <a:r>
+              <a:rPr lang="en-US" dirty="0"/>
+              <a:t>branch, module, Import, export, org, </a:t>
+            </a:r>
+            <a:r>
+              <a:rPr lang="en-US" dirty="0" err="1"/>
+              <a:t>equ</a:t>
+            </a:r>
+            <a:r>
+              <a:rPr lang="en-US" dirty="0"/>
+              <a:t>, relocate</a:t>
+            </a:r>
+          </a:p>
+        </p:txBody>
+      </p:sp>
+      <p:sp>
+        <p:nvSpPr>
+          <p:cNvPr id="13" name="TextBox 12">
+            <a:extLst>
+              <a:ext uri="{FF2B5EF4-FFF2-40B4-BE49-F238E27FC236}">
+                <a16:creationId xmlns:a16="http://schemas.microsoft.com/office/drawing/2014/main" id="{0C542BC5-F694-48E0-8507-094701BF77BB}"/>
+              </a:ext>
+            </a:extLst>
+          </p:cNvPr>
+          <p:cNvSpPr txBox="1"/>
+          <p:nvPr/>
+        </p:nvSpPr>
+        <p:spPr>
+          <a:xfrm>
+            <a:off x="8229600" y="4058334"/>
+            <a:ext cx="3317357" cy="923330"/>
+          </a:xfrm>
+          <a:prstGeom prst="rect">
+            <a:avLst/>
+          </a:prstGeom>
+          <a:noFill/>
+        </p:spPr>
+        <p:txBody>
+          <a:bodyPr wrap="square" rtlCol="0">
+            <a:spAutoFit/>
+          </a:bodyPr>
+          <a:lstStyle/>
+          <a:p>
+            <a:r>
+              <a:rPr lang="en-US" dirty="0"/>
+              <a:t>assembly &amp; linking, fixed &amp; relocatable constants, relocation, position independence, reentrant</a:t>
+            </a:r>
+          </a:p>
+        </p:txBody>
+      </p:sp>
+      <p:sp>
+        <p:nvSpPr>
+          <p:cNvPr id="14" name="TextBox 13">
+            <a:extLst>
+              <a:ext uri="{FF2B5EF4-FFF2-40B4-BE49-F238E27FC236}">
+                <a16:creationId xmlns:a16="http://schemas.microsoft.com/office/drawing/2014/main" id="{512CF53B-8131-40A3-9724-C894DB20C9FC}"/>
+              </a:ext>
+            </a:extLst>
+          </p:cNvPr>
+          <p:cNvSpPr txBox="1"/>
+          <p:nvPr/>
+        </p:nvSpPr>
+        <p:spPr>
+          <a:xfrm>
+            <a:off x="2072537" y="311166"/>
+            <a:ext cx="1752600" cy="400110"/>
+          </a:xfrm>
+          <a:prstGeom prst="rect">
+            <a:avLst/>
+          </a:prstGeom>
+          <a:noFill/>
+        </p:spPr>
+        <p:txBody>
+          <a:bodyPr wrap="square" rtlCol="0">
+            <a:spAutoFit/>
+          </a:bodyPr>
+          <a:lstStyle/>
+          <a:p>
+            <a:pPr algn="ctr"/>
+            <a:r>
+              <a:rPr lang="en-US" sz="2000" b="1" dirty="0"/>
+              <a:t>Subsystems</a:t>
+            </a:r>
+          </a:p>
+        </p:txBody>
+      </p:sp>
+      <p:sp>
+        <p:nvSpPr>
+          <p:cNvPr id="15" name="TextBox 14">
+            <a:extLst>
+              <a:ext uri="{FF2B5EF4-FFF2-40B4-BE49-F238E27FC236}">
+                <a16:creationId xmlns:a16="http://schemas.microsoft.com/office/drawing/2014/main" id="{53A4E0FE-8DF2-4CFE-9200-F1714AB410BB}"/>
+              </a:ext>
+            </a:extLst>
+          </p:cNvPr>
+          <p:cNvSpPr txBox="1"/>
+          <p:nvPr/>
+        </p:nvSpPr>
+        <p:spPr>
+          <a:xfrm>
+            <a:off x="4263666" y="253715"/>
+            <a:ext cx="1752600" cy="400110"/>
+          </a:xfrm>
+          <a:prstGeom prst="rect">
+            <a:avLst/>
+          </a:prstGeom>
+          <a:noFill/>
+        </p:spPr>
+        <p:txBody>
+          <a:bodyPr wrap="square" rtlCol="0">
+            <a:spAutoFit/>
+          </a:bodyPr>
+          <a:lstStyle/>
+          <a:p>
+            <a:pPr algn="ctr"/>
+            <a:r>
+              <a:rPr lang="en-US" sz="2000" b="1" dirty="0"/>
+              <a:t>Instructions</a:t>
+            </a:r>
+          </a:p>
+        </p:txBody>
+      </p:sp>
+      <p:sp>
+        <p:nvSpPr>
+          <p:cNvPr id="16" name="TextBox 15">
+            <a:extLst>
+              <a:ext uri="{FF2B5EF4-FFF2-40B4-BE49-F238E27FC236}">
+                <a16:creationId xmlns:a16="http://schemas.microsoft.com/office/drawing/2014/main" id="{84308CAA-A22D-4A6C-B6E4-CC78827194CC}"/>
+              </a:ext>
+            </a:extLst>
+          </p:cNvPr>
+          <p:cNvSpPr txBox="1"/>
+          <p:nvPr/>
+        </p:nvSpPr>
+        <p:spPr>
+          <a:xfrm>
+            <a:off x="8009473" y="231315"/>
+            <a:ext cx="1752600" cy="400110"/>
+          </a:xfrm>
+          <a:prstGeom prst="rect">
+            <a:avLst/>
+          </a:prstGeom>
+          <a:noFill/>
+        </p:spPr>
+        <p:txBody>
+          <a:bodyPr wrap="square" rtlCol="0">
+            <a:spAutoFit/>
+          </a:bodyPr>
+          <a:lstStyle/>
+          <a:p>
+            <a:pPr algn="ctr"/>
+            <a:r>
+              <a:rPr lang="en-US" sz="2000" b="1" dirty="0"/>
+              <a:t>Concepts</a:t>
+            </a:r>
+          </a:p>
+        </p:txBody>
+      </p:sp>
+      <p:sp>
+        <p:nvSpPr>
+          <p:cNvPr id="17" name="TextBox 16">
+            <a:extLst>
+              <a:ext uri="{FF2B5EF4-FFF2-40B4-BE49-F238E27FC236}">
+                <a16:creationId xmlns:a16="http://schemas.microsoft.com/office/drawing/2014/main" id="{4C615CF3-386D-4083-97C3-AF79A24099D5}"/>
+              </a:ext>
+            </a:extLst>
+          </p:cNvPr>
+          <p:cNvSpPr txBox="1"/>
+          <p:nvPr/>
+        </p:nvSpPr>
+        <p:spPr>
+          <a:xfrm>
+            <a:off x="1776625" y="4265015"/>
+            <a:ext cx="2185774" cy="646331"/>
+          </a:xfrm>
+          <a:prstGeom prst="rect">
+            <a:avLst/>
+          </a:prstGeom>
+          <a:noFill/>
+        </p:spPr>
+        <p:txBody>
+          <a:bodyPr wrap="square" rtlCol="0">
+            <a:spAutoFit/>
+          </a:bodyPr>
+          <a:lstStyle/>
+          <a:p>
+            <a:r>
+              <a:rPr lang="en-US" dirty="0"/>
+              <a:t>assembler, linker,</a:t>
+            </a:r>
+          </a:p>
+          <a:p>
+            <a:r>
+              <a:rPr lang="en-US" dirty="0"/>
+              <a:t>object code, </a:t>
+            </a:r>
+            <a:r>
+              <a:rPr lang="en-US" dirty="0" err="1"/>
+              <a:t>booter</a:t>
+            </a:r>
+            <a:endParaRPr lang="en-US" dirty="0"/>
+          </a:p>
+        </p:txBody>
+      </p:sp>
+      <p:sp>
+        <p:nvSpPr>
+          <p:cNvPr id="18" name="TextBox 17">
+            <a:extLst>
+              <a:ext uri="{FF2B5EF4-FFF2-40B4-BE49-F238E27FC236}">
+                <a16:creationId xmlns:a16="http://schemas.microsoft.com/office/drawing/2014/main" id="{2A98A3D0-C5D2-4E1C-8119-4445D8A75D7B}"/>
+              </a:ext>
+            </a:extLst>
+          </p:cNvPr>
+          <p:cNvSpPr txBox="1"/>
+          <p:nvPr/>
+        </p:nvSpPr>
+        <p:spPr>
+          <a:xfrm>
+            <a:off x="564499" y="1500210"/>
+            <a:ext cx="914400" cy="400110"/>
+          </a:xfrm>
+          <a:prstGeom prst="rect">
+            <a:avLst/>
+          </a:prstGeom>
+          <a:noFill/>
+        </p:spPr>
+        <p:txBody>
+          <a:bodyPr wrap="square" rtlCol="0">
+            <a:spAutoFit/>
+          </a:bodyPr>
+          <a:lstStyle/>
+          <a:p>
+            <a:r>
+              <a:rPr lang="en-US" sz="2000" b="1" dirty="0"/>
+              <a:t>Core</a:t>
+            </a:r>
+          </a:p>
+        </p:txBody>
+      </p:sp>
+      <p:sp>
+        <p:nvSpPr>
+          <p:cNvPr id="19" name="TextBox 18">
+            <a:extLst>
+              <a:ext uri="{FF2B5EF4-FFF2-40B4-BE49-F238E27FC236}">
+                <a16:creationId xmlns:a16="http://schemas.microsoft.com/office/drawing/2014/main" id="{619D2F96-0087-4603-B698-C457D56CA5C1}"/>
+              </a:ext>
+            </a:extLst>
+          </p:cNvPr>
+          <p:cNvSpPr txBox="1"/>
+          <p:nvPr/>
+        </p:nvSpPr>
+        <p:spPr>
+          <a:xfrm>
+            <a:off x="270334" y="2851135"/>
+            <a:ext cx="1748715" cy="707886"/>
+          </a:xfrm>
+          <a:prstGeom prst="rect">
+            <a:avLst/>
+          </a:prstGeom>
+          <a:noFill/>
+        </p:spPr>
+        <p:txBody>
+          <a:bodyPr wrap="square" rtlCol="0">
+            <a:spAutoFit/>
+          </a:bodyPr>
+          <a:lstStyle/>
+          <a:p>
+            <a:r>
+              <a:rPr lang="en-US" sz="2000" b="1" dirty="0"/>
+              <a:t>Further</a:t>
+            </a:r>
+            <a:br>
+              <a:rPr lang="en-US" sz="2000" b="1" dirty="0"/>
+            </a:br>
+            <a:r>
+              <a:rPr lang="en-US" sz="2000" b="1" dirty="0"/>
+              <a:t>programming</a:t>
+            </a:r>
+          </a:p>
+        </p:txBody>
+      </p:sp>
+      <p:sp>
+        <p:nvSpPr>
+          <p:cNvPr id="20" name="TextBox 19">
+            <a:extLst>
+              <a:ext uri="{FF2B5EF4-FFF2-40B4-BE49-F238E27FC236}">
+                <a16:creationId xmlns:a16="http://schemas.microsoft.com/office/drawing/2014/main" id="{1E6E1F65-3E10-458F-A6C6-BE330DD0F425}"/>
+              </a:ext>
+            </a:extLst>
+          </p:cNvPr>
+          <p:cNvSpPr txBox="1"/>
+          <p:nvPr/>
+        </p:nvSpPr>
+        <p:spPr>
+          <a:xfrm>
+            <a:off x="239486" y="4480214"/>
+            <a:ext cx="1277513" cy="400110"/>
+          </a:xfrm>
+          <a:prstGeom prst="rect">
+            <a:avLst/>
+          </a:prstGeom>
+          <a:noFill/>
+        </p:spPr>
+        <p:txBody>
+          <a:bodyPr wrap="square" rtlCol="0">
+            <a:spAutoFit/>
+          </a:bodyPr>
+          <a:lstStyle/>
+          <a:p>
+            <a:r>
+              <a:rPr lang="en-US" sz="2000" b="1" dirty="0"/>
+              <a:t>Advanced</a:t>
+            </a:r>
+          </a:p>
+        </p:txBody>
+      </p:sp>
+      <p:sp>
+        <p:nvSpPr>
+          <p:cNvPr id="21" name="TextBox 20">
+            <a:extLst>
+              <a:ext uri="{FF2B5EF4-FFF2-40B4-BE49-F238E27FC236}">
+                <a16:creationId xmlns:a16="http://schemas.microsoft.com/office/drawing/2014/main" id="{01A915EE-008E-4177-B85B-6EE35FA829BD}"/>
+              </a:ext>
+            </a:extLst>
+          </p:cNvPr>
+          <p:cNvSpPr txBox="1"/>
+          <p:nvPr/>
+        </p:nvSpPr>
+        <p:spPr>
+          <a:xfrm>
+            <a:off x="310243" y="5731483"/>
+            <a:ext cx="1109713" cy="400110"/>
+          </a:xfrm>
+          <a:prstGeom prst="rect">
+            <a:avLst/>
+          </a:prstGeom>
+          <a:noFill/>
+        </p:spPr>
+        <p:txBody>
+          <a:bodyPr wrap="square" rtlCol="0">
+            <a:spAutoFit/>
+          </a:bodyPr>
+          <a:lstStyle/>
+          <a:p>
+            <a:r>
+              <a:rPr lang="en-US" sz="2000" b="1" dirty="0"/>
+              <a:t>Systems</a:t>
+            </a:r>
+          </a:p>
+        </p:txBody>
+      </p:sp>
+      <p:cxnSp>
+        <p:nvCxnSpPr>
+          <p:cNvPr id="25" name="Straight Connector 24">
+            <a:extLst>
+              <a:ext uri="{FF2B5EF4-FFF2-40B4-BE49-F238E27FC236}">
+                <a16:creationId xmlns:a16="http://schemas.microsoft.com/office/drawing/2014/main" id="{C1531FD8-5FC3-4C99-AFDC-937A0B60EC9D}"/>
+              </a:ext>
+            </a:extLst>
+          </p:cNvPr>
+          <p:cNvCxnSpPr/>
+          <p:nvPr/>
+        </p:nvCxnSpPr>
+        <p:spPr>
+          <a:xfrm>
+            <a:off x="126133" y="2392641"/>
+            <a:ext cx="11362660" cy="0"/>
+          </a:xfrm>
+          <a:prstGeom prst="line">
+            <a:avLst/>
+          </a:prstGeom>
+        </p:spPr>
+        <p:style>
+          <a:lnRef idx="1">
+            <a:schemeClr val="accent1"/>
+          </a:lnRef>
+          <a:fillRef idx="0">
+            <a:schemeClr val="accent1"/>
+          </a:fillRef>
+          <a:effectRef idx="0">
+            <a:schemeClr val="accent1"/>
+          </a:effectRef>
+          <a:fontRef idx="minor">
+            <a:schemeClr val="tx1"/>
+          </a:fontRef>
+        </p:style>
+      </p:cxnSp>
+      <p:cxnSp>
+        <p:nvCxnSpPr>
+          <p:cNvPr id="26" name="Straight Connector 25">
+            <a:extLst>
+              <a:ext uri="{FF2B5EF4-FFF2-40B4-BE49-F238E27FC236}">
+                <a16:creationId xmlns:a16="http://schemas.microsoft.com/office/drawing/2014/main" id="{388C3B23-0810-4F01-A666-B8D0492C550F}"/>
+              </a:ext>
+            </a:extLst>
+          </p:cNvPr>
+          <p:cNvCxnSpPr/>
+          <p:nvPr/>
+        </p:nvCxnSpPr>
+        <p:spPr>
+          <a:xfrm>
+            <a:off x="-16400" y="3932559"/>
+            <a:ext cx="11362660" cy="0"/>
+          </a:xfrm>
+          <a:prstGeom prst="line">
+            <a:avLst/>
+          </a:prstGeom>
+        </p:spPr>
+        <p:style>
+          <a:lnRef idx="1">
+            <a:schemeClr val="accent1"/>
+          </a:lnRef>
+          <a:fillRef idx="0">
+            <a:schemeClr val="accent1"/>
+          </a:fillRef>
+          <a:effectRef idx="0">
+            <a:schemeClr val="accent1"/>
+          </a:effectRef>
+          <a:fontRef idx="minor">
+            <a:schemeClr val="tx1"/>
+          </a:fontRef>
+        </p:style>
+      </p:cxnSp>
+      <p:cxnSp>
+        <p:nvCxnSpPr>
+          <p:cNvPr id="27" name="Straight Connector 26">
+            <a:extLst>
+              <a:ext uri="{FF2B5EF4-FFF2-40B4-BE49-F238E27FC236}">
+                <a16:creationId xmlns:a16="http://schemas.microsoft.com/office/drawing/2014/main" id="{B46572FF-18D5-4BE9-A718-A293CB0A61F1}"/>
+              </a:ext>
+            </a:extLst>
+          </p:cNvPr>
+          <p:cNvCxnSpPr/>
+          <p:nvPr/>
+        </p:nvCxnSpPr>
+        <p:spPr>
+          <a:xfrm>
+            <a:off x="3071" y="5183972"/>
+            <a:ext cx="11362660" cy="0"/>
+          </a:xfrm>
+          <a:prstGeom prst="line">
+            <a:avLst/>
+          </a:prstGeom>
+        </p:spPr>
+        <p:style>
+          <a:lnRef idx="1">
+            <a:schemeClr val="accent1"/>
+          </a:lnRef>
+          <a:fillRef idx="0">
+            <a:schemeClr val="accent1"/>
+          </a:fillRef>
+          <a:effectRef idx="0">
+            <a:schemeClr val="accent1"/>
+          </a:effectRef>
+          <a:fontRef idx="minor">
+            <a:schemeClr val="tx1"/>
+          </a:fontRef>
+        </p:style>
+      </p:cxnSp>
+      <p:sp>
+        <p:nvSpPr>
+          <p:cNvPr id="29" name="TextBox 28">
+            <a:extLst>
+              <a:ext uri="{FF2B5EF4-FFF2-40B4-BE49-F238E27FC236}">
+                <a16:creationId xmlns:a16="http://schemas.microsoft.com/office/drawing/2014/main" id="{6E7170E7-743C-4CD1-BA01-5228E88D7529}"/>
+              </a:ext>
+            </a:extLst>
+          </p:cNvPr>
+          <p:cNvSpPr txBox="1"/>
+          <p:nvPr/>
+        </p:nvSpPr>
+        <p:spPr>
+          <a:xfrm>
+            <a:off x="2045185" y="2835746"/>
+            <a:ext cx="1623695" cy="369332"/>
+          </a:xfrm>
+          <a:prstGeom prst="rect">
+            <a:avLst/>
+          </a:prstGeom>
+          <a:noFill/>
+        </p:spPr>
+        <p:txBody>
+          <a:bodyPr wrap="square" rtlCol="0">
+            <a:spAutoFit/>
+          </a:bodyPr>
+          <a:lstStyle/>
+          <a:p>
+            <a:r>
+              <a:rPr lang="en-US" dirty="0" err="1"/>
+              <a:t>condidion</a:t>
+            </a:r>
+            <a:r>
+              <a:rPr lang="en-US" dirty="0"/>
+              <a:t> code</a:t>
+            </a:r>
+          </a:p>
+        </p:txBody>
+      </p:sp>
+      <p:sp>
+        <p:nvSpPr>
+          <p:cNvPr id="2" name="Slide Number Placeholder 1">
+            <a:extLst>
+              <a:ext uri="{FF2B5EF4-FFF2-40B4-BE49-F238E27FC236}">
+                <a16:creationId xmlns:a16="http://schemas.microsoft.com/office/drawing/2014/main" id="{632086BA-2CAE-4304-8E88-C36B3E8ACB28}"/>
+              </a:ext>
+            </a:extLst>
+          </p:cNvPr>
+          <p:cNvSpPr>
+            <a:spLocks noGrp="1"/>
+          </p:cNvSpPr>
+          <p:nvPr>
+            <p:ph type="sldNum" sz="quarter" idx="12"/>
+          </p:nvPr>
+        </p:nvSpPr>
+        <p:spPr/>
+        <p:txBody>
+          <a:bodyPr/>
+          <a:lstStyle/>
+          <a:p>
+            <a:fld id="{72A0DAED-63F2-4DE8-BA3E-AD42A00CD13D}" type="slidenum">
+              <a:rPr lang="en-US" smtClean="0"/>
+              <a:t>22</a:t>
+            </a:fld>
+            <a:endParaRPr lang="en-US"/>
+          </a:p>
+        </p:txBody>
+      </p:sp>
+    </p:spTree>
+    <p:extLst>
+      <p:ext uri="{BB962C8B-B14F-4D97-AF65-F5344CB8AC3E}">
+        <p14:creationId xmlns:p14="http://schemas.microsoft.com/office/powerpoint/2010/main" val="3509729431"/>
+      </p:ext>
+    </p:extLst>
+  </p:cSld>
+  <p:clrMapOvr>
+    <a:masterClrMapping/>
+  </p:clrMapOvr>
+</p:sld>
+</file>
+
+<file path=ppt/slides/slide23.xml><?xml version="1.0" encoding="utf-8"?>
+<p:sld xmlns:a="http://schemas.openxmlformats.org/drawingml/2006/main" xmlns:r="http://schemas.openxmlformats.org/officeDocument/2006/relationships" xmlns:p="http://schemas.openxmlformats.org/presentationml/2006/main">
+  <p:cSld>
+    <p:spTree>
+      <p:nvGrpSpPr>
+        <p:cNvPr id="1" name=""/>
+        <p:cNvGrpSpPr/>
+        <p:nvPr/>
+      </p:nvGrpSpPr>
+      <p:grpSpPr>
+        <a:xfrm>
+          <a:off x="0" y="0"/>
+          <a:ext cx="0" cy="0"/>
+          <a:chOff x="0" y="0"/>
+          <a:chExt cx="0" cy="0"/>
+        </a:xfrm>
+      </p:grpSpPr>
+      <p:sp>
+        <p:nvSpPr>
+          <p:cNvPr id="2" name="Title 1">
+            <a:extLst>
+              <a:ext uri="{FF2B5EF4-FFF2-40B4-BE49-F238E27FC236}">
+                <a16:creationId xmlns:a16="http://schemas.microsoft.com/office/drawing/2014/main" id="{8E83F8CF-17E0-41B8-9855-94CD13D5126E}"/>
+              </a:ext>
+            </a:extLst>
+          </p:cNvPr>
+          <p:cNvSpPr>
+            <a:spLocks noGrp="1"/>
+          </p:cNvSpPr>
+          <p:nvPr>
+            <p:ph type="title"/>
+          </p:nvPr>
+        </p:nvSpPr>
+        <p:spPr/>
+        <p:txBody>
+          <a:bodyPr/>
+          <a:lstStyle/>
+          <a:p>
+            <a:r>
+              <a:rPr lang="en-GB" dirty="0"/>
+              <a:t>Sigma16 has evolved</a:t>
+            </a:r>
+            <a:endParaRPr lang="en-US" dirty="0"/>
+          </a:p>
+        </p:txBody>
+      </p:sp>
+      <p:sp>
+        <p:nvSpPr>
+          <p:cNvPr id="3" name="Content Placeholder 2">
+            <a:extLst>
+              <a:ext uri="{FF2B5EF4-FFF2-40B4-BE49-F238E27FC236}">
+                <a16:creationId xmlns:a16="http://schemas.microsoft.com/office/drawing/2014/main" id="{EF46FB91-B143-4CCC-A9B7-1FF21EB75E5E}"/>
+              </a:ext>
+            </a:extLst>
+          </p:cNvPr>
+          <p:cNvSpPr>
+            <a:spLocks noGrp="1"/>
+          </p:cNvSpPr>
+          <p:nvPr>
+            <p:ph idx="1"/>
+          </p:nvPr>
+        </p:nvSpPr>
+        <p:spPr/>
+        <p:txBody>
+          <a:bodyPr/>
+          <a:lstStyle/>
+          <a:p>
+            <a:r>
+              <a:rPr lang="en-GB" dirty="0"/>
+              <a:t>Previous versions implemented in Haskell</a:t>
+            </a:r>
+          </a:p>
+          <a:p>
+            <a:r>
+              <a:rPr lang="en-GB" dirty="0"/>
+              <a:t>Proved difficult to avoid “bit rot” because of changing GUI and library tools, and difficult to port to different operating systems</a:t>
+            </a:r>
+          </a:p>
+          <a:p>
+            <a:r>
+              <a:rPr lang="en-GB" dirty="0"/>
+              <a:t>A complete rewrite in 2019</a:t>
+            </a:r>
+          </a:p>
+          <a:p>
+            <a:pPr lvl="1"/>
+            <a:r>
+              <a:rPr lang="en-GB" dirty="0"/>
+              <a:t>Implemented in JavaScript</a:t>
+            </a:r>
+          </a:p>
+          <a:p>
+            <a:pPr lvl="1"/>
+            <a:r>
+              <a:rPr lang="en-GB" dirty="0"/>
+              <a:t>It doesn’t need to be installed, or even downloaded: just click a web link</a:t>
+            </a:r>
+          </a:p>
+          <a:p>
+            <a:pPr lvl="1"/>
+            <a:r>
+              <a:rPr lang="en-GB" dirty="0"/>
+              <a:t>Runs in the browser (Chrome, some others as well)</a:t>
+            </a:r>
+          </a:p>
+          <a:p>
+            <a:pPr lvl="1"/>
+            <a:r>
+              <a:rPr lang="en-GB" dirty="0"/>
+              <a:t>Aim is to make it as easy as possible to get started</a:t>
+            </a:r>
+          </a:p>
+          <a:p>
+            <a:r>
+              <a:rPr lang="en-GB" dirty="0"/>
+              <a:t>And there are some fancy new ideas in the works…</a:t>
+            </a:r>
+            <a:endParaRPr lang="en-US" dirty="0"/>
+          </a:p>
+        </p:txBody>
+      </p:sp>
+      <p:sp>
+        <p:nvSpPr>
+          <p:cNvPr id="4" name="Slide Number Placeholder 3">
+            <a:extLst>
+              <a:ext uri="{FF2B5EF4-FFF2-40B4-BE49-F238E27FC236}">
+                <a16:creationId xmlns:a16="http://schemas.microsoft.com/office/drawing/2014/main" id="{5E9A7F63-1D48-46FA-875B-10C64995A4C1}"/>
+              </a:ext>
+            </a:extLst>
+          </p:cNvPr>
+          <p:cNvSpPr>
+            <a:spLocks noGrp="1"/>
+          </p:cNvSpPr>
+          <p:nvPr>
+            <p:ph type="sldNum" sz="quarter" idx="12"/>
+          </p:nvPr>
+        </p:nvSpPr>
+        <p:spPr/>
+        <p:txBody>
+          <a:bodyPr/>
+          <a:lstStyle/>
+          <a:p>
+            <a:fld id="{72A0DAED-63F2-4DE8-BA3E-AD42A00CD13D}" type="slidenum">
+              <a:rPr lang="en-US" smtClean="0"/>
+              <a:t>23</a:t>
+            </a:fld>
+            <a:endParaRPr lang="en-US"/>
+          </a:p>
+        </p:txBody>
+      </p:sp>
+    </p:spTree>
+    <p:extLst>
+      <p:ext uri="{BB962C8B-B14F-4D97-AF65-F5344CB8AC3E}">
+        <p14:creationId xmlns:p14="http://schemas.microsoft.com/office/powerpoint/2010/main" val="253820572"/>
+      </p:ext>
+    </p:extLst>
+  </p:cSld>
+  <p:clrMapOvr>
+    <a:masterClrMapping/>
+  </p:clrMapOvr>
+</p:sld>
+</file>
+
+<file path=ppt/slides/slide24.xml><?xml version="1.0" encoding="utf-8"?>
+<p:sld xmlns:a="http://schemas.openxmlformats.org/drawingml/2006/main" xmlns:r="http://schemas.openxmlformats.org/officeDocument/2006/relationships" xmlns:p="http://schemas.openxmlformats.org/presentationml/2006/main">
+  <p:cSld>
+    <p:spTree>
+      <p:nvGrpSpPr>
+        <p:cNvPr id="1" name=""/>
+        <p:cNvGrpSpPr/>
+        <p:nvPr/>
+      </p:nvGrpSpPr>
+      <p:grpSpPr>
+        <a:xfrm>
+          <a:off x="0" y="0"/>
+          <a:ext cx="0" cy="0"/>
+          <a:chOff x="0" y="0"/>
+          <a:chExt cx="0" cy="0"/>
+        </a:xfrm>
+      </p:grpSpPr>
+      <p:sp>
+        <p:nvSpPr>
+          <p:cNvPr id="2" name="Title 1">
+            <a:extLst>
+              <a:ext uri="{FF2B5EF4-FFF2-40B4-BE49-F238E27FC236}">
+                <a16:creationId xmlns:a16="http://schemas.microsoft.com/office/drawing/2014/main" id="{DC106C68-CA39-43E3-8107-B235D7A057D8}"/>
+              </a:ext>
+            </a:extLst>
+          </p:cNvPr>
+          <p:cNvSpPr>
+            <a:spLocks noGrp="1"/>
+          </p:cNvSpPr>
+          <p:nvPr>
+            <p:ph type="title"/>
+          </p:nvPr>
+        </p:nvSpPr>
+        <p:spPr/>
+        <p:txBody>
+          <a:bodyPr/>
+          <a:lstStyle/>
+          <a:p>
+            <a:r>
+              <a:rPr lang="en-GB" dirty="0"/>
+              <a:t>Example of what we can do</a:t>
+            </a:r>
+            <a:endParaRPr lang="en-US" dirty="0"/>
+          </a:p>
+        </p:txBody>
+      </p:sp>
+      <p:sp>
+        <p:nvSpPr>
+          <p:cNvPr id="3" name="Content Placeholder 2">
+            <a:extLst>
+              <a:ext uri="{FF2B5EF4-FFF2-40B4-BE49-F238E27FC236}">
+                <a16:creationId xmlns:a16="http://schemas.microsoft.com/office/drawing/2014/main" id="{0527A8EB-4E0A-4DCB-94A3-47AEE6FC7782}"/>
+              </a:ext>
+            </a:extLst>
+          </p:cNvPr>
+          <p:cNvSpPr>
+            <a:spLocks noGrp="1"/>
+          </p:cNvSpPr>
+          <p:nvPr>
+            <p:ph idx="1"/>
+          </p:nvPr>
+        </p:nvSpPr>
+        <p:spPr/>
+        <p:txBody>
+          <a:bodyPr/>
+          <a:lstStyle/>
+          <a:p>
+            <a:r>
+              <a:rPr lang="en-GB" dirty="0"/>
+              <a:t>In CS1S we show</a:t>
+            </a:r>
+          </a:p>
+          <a:p>
+            <a:pPr lvl="1"/>
+            <a:r>
+              <a:rPr lang="en-GB" dirty="0"/>
+              <a:t>How programming language constructs map into assembly language: this clarifies the semantics</a:t>
+            </a:r>
+          </a:p>
+          <a:p>
+            <a:pPr lvl="1"/>
+            <a:r>
+              <a:rPr lang="en-GB" dirty="0"/>
+              <a:t>Arrays</a:t>
+            </a:r>
+          </a:p>
+          <a:p>
+            <a:pPr lvl="1"/>
+            <a:r>
+              <a:rPr lang="en-GB" dirty="0"/>
+              <a:t>Records</a:t>
+            </a:r>
+          </a:p>
+          <a:p>
+            <a:pPr lvl="1"/>
+            <a:r>
+              <a:rPr lang="en-GB" dirty="0"/>
+              <a:t>Pointers</a:t>
+            </a:r>
+          </a:p>
+          <a:p>
+            <a:pPr lvl="1"/>
+            <a:r>
+              <a:rPr lang="en-GB" dirty="0"/>
+              <a:t>Linked lists</a:t>
+            </a:r>
+          </a:p>
+          <a:p>
+            <a:r>
+              <a:rPr lang="en-GB" dirty="0"/>
+              <a:t>Isn’t this too complicated for beginners?</a:t>
+            </a:r>
+          </a:p>
+          <a:p>
+            <a:pPr lvl="1"/>
+            <a:r>
+              <a:rPr lang="en-GB" dirty="0"/>
+              <a:t>No!   Introducing linked lists (with a challenging exercise, and substantive exam question) left the grade distribution almost the same; main effect was to reduce number of A1 and increase number of A3/A4</a:t>
+            </a:r>
+          </a:p>
+        </p:txBody>
+      </p:sp>
+      <p:sp>
+        <p:nvSpPr>
+          <p:cNvPr id="4" name="Slide Number Placeholder 3">
+            <a:extLst>
+              <a:ext uri="{FF2B5EF4-FFF2-40B4-BE49-F238E27FC236}">
+                <a16:creationId xmlns:a16="http://schemas.microsoft.com/office/drawing/2014/main" id="{94A6E687-3629-4AD7-B1EA-B40346502255}"/>
+              </a:ext>
+            </a:extLst>
+          </p:cNvPr>
+          <p:cNvSpPr>
+            <a:spLocks noGrp="1"/>
+          </p:cNvSpPr>
+          <p:nvPr>
+            <p:ph type="sldNum" sz="quarter" idx="12"/>
+          </p:nvPr>
+        </p:nvSpPr>
+        <p:spPr/>
+        <p:txBody>
+          <a:bodyPr/>
+          <a:lstStyle/>
+          <a:p>
+            <a:fld id="{72A0DAED-63F2-4DE8-BA3E-AD42A00CD13D}" type="slidenum">
+              <a:rPr lang="en-US" smtClean="0"/>
+              <a:t>24</a:t>
+            </a:fld>
+            <a:endParaRPr lang="en-US"/>
+          </a:p>
+        </p:txBody>
+      </p:sp>
+    </p:spTree>
+    <p:extLst>
+      <p:ext uri="{BB962C8B-B14F-4D97-AF65-F5344CB8AC3E}">
+        <p14:creationId xmlns:p14="http://schemas.microsoft.com/office/powerpoint/2010/main" val="2820080512"/>
+      </p:ext>
+    </p:extLst>
+  </p:cSld>
+  <p:clrMapOvr>
+    <a:masterClrMapping/>
+  </p:clrMapOvr>
+</p:sld>
+</file>
+
+<file path=ppt/slides/slide25.xml><?xml version="1.0" encoding="utf-8"?>
+<p:sld xmlns:a="http://schemas.openxmlformats.org/drawingml/2006/main" xmlns:r="http://schemas.openxmlformats.org/officeDocument/2006/relationships" xmlns:p="http://schemas.openxmlformats.org/presentationml/2006/main">
+  <p:cSld>
+    <p:spTree>
+      <p:nvGrpSpPr>
+        <p:cNvPr id="1" name=""/>
+        <p:cNvGrpSpPr/>
+        <p:nvPr/>
+      </p:nvGrpSpPr>
+      <p:grpSpPr>
+        <a:xfrm>
+          <a:off x="0" y="0"/>
+          <a:ext cx="0" cy="0"/>
+          <a:chOff x="0" y="0"/>
+          <a:chExt cx="0" cy="0"/>
+        </a:xfrm>
+      </p:grpSpPr>
+      <p:sp>
+        <p:nvSpPr>
+          <p:cNvPr id="2" name="Title 1">
+            <a:extLst>
+              <a:ext uri="{FF2B5EF4-FFF2-40B4-BE49-F238E27FC236}">
+                <a16:creationId xmlns:a16="http://schemas.microsoft.com/office/drawing/2014/main" id="{158F9979-AB4E-4662-911E-7D29A5313C78}"/>
+              </a:ext>
+            </a:extLst>
+          </p:cNvPr>
+          <p:cNvSpPr>
+            <a:spLocks noGrp="1"/>
+          </p:cNvSpPr>
+          <p:nvPr>
+            <p:ph type="title"/>
+          </p:nvPr>
+        </p:nvSpPr>
+        <p:spPr/>
+        <p:txBody>
+          <a:bodyPr/>
+          <a:lstStyle/>
+          <a:p>
+            <a:r>
+              <a:rPr lang="en-GB" dirty="0"/>
+              <a:t>A point about pointers</a:t>
+            </a:r>
+            <a:endParaRPr lang="en-US" dirty="0"/>
+          </a:p>
+        </p:txBody>
+      </p:sp>
+      <p:sp>
+        <p:nvSpPr>
+          <p:cNvPr id="3" name="Content Placeholder 2">
+            <a:extLst>
+              <a:ext uri="{FF2B5EF4-FFF2-40B4-BE49-F238E27FC236}">
+                <a16:creationId xmlns:a16="http://schemas.microsoft.com/office/drawing/2014/main" id="{4DE3248A-F5AE-4052-BC95-5D8146E2BB6C}"/>
+              </a:ext>
+            </a:extLst>
+          </p:cNvPr>
+          <p:cNvSpPr>
+            <a:spLocks noGrp="1"/>
+          </p:cNvSpPr>
+          <p:nvPr>
+            <p:ph idx="1"/>
+          </p:nvPr>
+        </p:nvSpPr>
+        <p:spPr>
+          <a:xfrm>
+            <a:off x="838200" y="1825624"/>
+            <a:ext cx="10515600" cy="4817771"/>
+          </a:xfrm>
+        </p:spPr>
+        <p:txBody>
+          <a:bodyPr/>
+          <a:lstStyle/>
+          <a:p>
+            <a:r>
+              <a:rPr lang="en-GB" dirty="0"/>
+              <a:t>Students often have learned about pointers using C (or similar)</a:t>
+            </a:r>
+          </a:p>
+          <a:p>
+            <a:r>
+              <a:rPr lang="en-GB" dirty="0"/>
+              <a:t>Key operators: &amp; * .</a:t>
+            </a:r>
+          </a:p>
+          <a:p>
+            <a:r>
+              <a:rPr lang="en-GB" dirty="0"/>
+              <a:t>Vague understanding of what these mean: magic?</a:t>
+            </a:r>
+          </a:p>
+          <a:p>
+            <a:r>
+              <a:rPr lang="en-GB" dirty="0"/>
+              <a:t>But these operators are easy in Sigma16</a:t>
+            </a:r>
+          </a:p>
+          <a:p>
+            <a:pPr lvl="1"/>
+            <a:r>
+              <a:rPr lang="en-GB" dirty="0"/>
+              <a:t>&amp; is one instruction (lea)</a:t>
+            </a:r>
+          </a:p>
+          <a:p>
+            <a:pPr lvl="1"/>
+            <a:r>
+              <a:rPr lang="en-GB" dirty="0"/>
+              <a:t>* is one instruction (load)</a:t>
+            </a:r>
+          </a:p>
+          <a:p>
+            <a:pPr lvl="1"/>
+            <a:r>
+              <a:rPr lang="en-GB" dirty="0"/>
+              <a:t>. Is one instruction (load)</a:t>
+            </a:r>
+          </a:p>
+          <a:p>
+            <a:r>
+              <a:rPr lang="en-GB" dirty="0"/>
+              <a:t>The meanings are simple and concrete and you can see them in the register/memory display</a:t>
+            </a:r>
+          </a:p>
+          <a:p>
+            <a:r>
+              <a:rPr lang="en-US" dirty="0"/>
+              <a:t>No magic!  No more difficult than + - * /</a:t>
+            </a:r>
+          </a:p>
+        </p:txBody>
+      </p:sp>
+      <p:sp>
+        <p:nvSpPr>
+          <p:cNvPr id="4" name="Slide Number Placeholder 3">
+            <a:extLst>
+              <a:ext uri="{FF2B5EF4-FFF2-40B4-BE49-F238E27FC236}">
+                <a16:creationId xmlns:a16="http://schemas.microsoft.com/office/drawing/2014/main" id="{AE167F7F-78BB-45EE-BB09-1E9DBC45A8DC}"/>
+              </a:ext>
+            </a:extLst>
+          </p:cNvPr>
+          <p:cNvSpPr>
+            <a:spLocks noGrp="1"/>
+          </p:cNvSpPr>
+          <p:nvPr>
+            <p:ph type="sldNum" sz="quarter" idx="12"/>
+          </p:nvPr>
+        </p:nvSpPr>
+        <p:spPr/>
+        <p:txBody>
+          <a:bodyPr/>
+          <a:lstStyle/>
+          <a:p>
+            <a:fld id="{72A0DAED-63F2-4DE8-BA3E-AD42A00CD13D}" type="slidenum">
+              <a:rPr lang="en-US" smtClean="0"/>
+              <a:t>25</a:t>
+            </a:fld>
+            <a:endParaRPr lang="en-US"/>
+          </a:p>
+        </p:txBody>
+      </p:sp>
+    </p:spTree>
+    <p:extLst>
+      <p:ext uri="{BB962C8B-B14F-4D97-AF65-F5344CB8AC3E}">
+        <p14:creationId xmlns:p14="http://schemas.microsoft.com/office/powerpoint/2010/main" val="463620115"/>
+      </p:ext>
+    </p:extLst>
+  </p:cSld>
+  <p:clrMapOvr>
+    <a:masterClrMapping/>
+  </p:clrMapOvr>
+</p:sld>
+</file>
+
+<file path=ppt/slides/slide26.xml><?xml version="1.0" encoding="utf-8"?>
+<p:sld xmlns:a="http://schemas.openxmlformats.org/drawingml/2006/main" xmlns:r="http://schemas.openxmlformats.org/officeDocument/2006/relationships" xmlns:p="http://schemas.openxmlformats.org/presentationml/2006/main">
+  <p:cSld>
+    <p:spTree>
+      <p:nvGrpSpPr>
+        <p:cNvPr id="1" name=""/>
+        <p:cNvGrpSpPr/>
+        <p:nvPr/>
+      </p:nvGrpSpPr>
+      <p:grpSpPr>
+        <a:xfrm>
+          <a:off x="0" y="0"/>
+          <a:ext cx="0" cy="0"/>
+          <a:chOff x="0" y="0"/>
+          <a:chExt cx="0" cy="0"/>
+        </a:xfrm>
+      </p:grpSpPr>
+      <p:sp>
+        <p:nvSpPr>
+          <p:cNvPr id="2" name="Title 1">
+            <a:extLst>
+              <a:ext uri="{FF2B5EF4-FFF2-40B4-BE49-F238E27FC236}">
+                <a16:creationId xmlns:a16="http://schemas.microsoft.com/office/drawing/2014/main" id="{105B1B37-24FD-4072-8C5D-4B7FA65E420F}"/>
+              </a:ext>
+            </a:extLst>
+          </p:cNvPr>
+          <p:cNvSpPr>
+            <a:spLocks noGrp="1"/>
+          </p:cNvSpPr>
+          <p:nvPr>
+            <p:ph type="title"/>
+          </p:nvPr>
+        </p:nvSpPr>
+        <p:spPr/>
+        <p:txBody>
+          <a:bodyPr/>
+          <a:lstStyle/>
+          <a:p>
+            <a:r>
+              <a:rPr lang="en-GB" dirty="0"/>
+              <a:t>Imagine… in two semesters we could</a:t>
+            </a:r>
+            <a:endParaRPr lang="en-US" dirty="0"/>
+          </a:p>
+        </p:txBody>
+      </p:sp>
+      <p:sp>
+        <p:nvSpPr>
+          <p:cNvPr id="3" name="Content Placeholder 2">
+            <a:extLst>
+              <a:ext uri="{FF2B5EF4-FFF2-40B4-BE49-F238E27FC236}">
+                <a16:creationId xmlns:a16="http://schemas.microsoft.com/office/drawing/2014/main" id="{21A91B89-F3C0-4914-B5CF-845A26DF3CD3}"/>
+              </a:ext>
+            </a:extLst>
+          </p:cNvPr>
+          <p:cNvSpPr>
+            <a:spLocks noGrp="1"/>
+          </p:cNvSpPr>
+          <p:nvPr>
+            <p:ph idx="1"/>
+          </p:nvPr>
+        </p:nvSpPr>
+        <p:spPr/>
+        <p:txBody>
+          <a:bodyPr>
+            <a:normAutofit fontScale="92500" lnSpcReduction="10000"/>
+          </a:bodyPr>
+          <a:lstStyle/>
+          <a:p>
+            <a:r>
+              <a:rPr lang="en-GB" dirty="0"/>
+              <a:t>Introduce digital circuits up to and including RTM:  understandable (with a little effort) and it is just about a minimal CPU circuit</a:t>
+            </a:r>
+          </a:p>
+          <a:p>
+            <a:r>
+              <a:rPr lang="en-GB" dirty="0"/>
+              <a:t>Cover Sigma16 in full</a:t>
+            </a:r>
+          </a:p>
+          <a:p>
+            <a:r>
+              <a:rPr lang="en-GB" dirty="0"/>
+              <a:t>Show how programming language constructs work via compilation</a:t>
+            </a:r>
+          </a:p>
+          <a:p>
+            <a:r>
+              <a:rPr lang="en-GB" dirty="0"/>
+              <a:t>Look at key data structures in detail: arrays, records, stacks, linked lists, trees</a:t>
+            </a:r>
+          </a:p>
+          <a:p>
+            <a:r>
+              <a:rPr lang="en-GB" dirty="0"/>
+              <a:t>Understand interrupts, exceptions, processes, concurrency, mutual exclusion</a:t>
+            </a:r>
+          </a:p>
+          <a:p>
+            <a:r>
+              <a:rPr lang="en-GB" dirty="0"/>
+              <a:t>We are already doing much of this!</a:t>
+            </a:r>
+          </a:p>
+          <a:p>
+            <a:r>
+              <a:rPr lang="en-GB" dirty="0"/>
+              <a:t>In one more semester, can show entire circuit design of a complete CPU</a:t>
+            </a:r>
+          </a:p>
+        </p:txBody>
+      </p:sp>
+      <p:sp>
+        <p:nvSpPr>
+          <p:cNvPr id="4" name="Slide Number Placeholder 3">
+            <a:extLst>
+              <a:ext uri="{FF2B5EF4-FFF2-40B4-BE49-F238E27FC236}">
+                <a16:creationId xmlns:a16="http://schemas.microsoft.com/office/drawing/2014/main" id="{A87DA729-A3C5-45CC-8809-0A659D4FFCCF}"/>
+              </a:ext>
+            </a:extLst>
+          </p:cNvPr>
+          <p:cNvSpPr>
+            <a:spLocks noGrp="1"/>
+          </p:cNvSpPr>
+          <p:nvPr>
+            <p:ph type="sldNum" sz="quarter" idx="12"/>
+          </p:nvPr>
+        </p:nvSpPr>
+        <p:spPr/>
+        <p:txBody>
+          <a:bodyPr/>
+          <a:lstStyle/>
+          <a:p>
+            <a:fld id="{72A0DAED-63F2-4DE8-BA3E-AD42A00CD13D}" type="slidenum">
+              <a:rPr lang="en-US" smtClean="0"/>
+              <a:t>26</a:t>
+            </a:fld>
+            <a:endParaRPr lang="en-US"/>
+          </a:p>
+        </p:txBody>
+      </p:sp>
+    </p:spTree>
+    <p:extLst>
+      <p:ext uri="{BB962C8B-B14F-4D97-AF65-F5344CB8AC3E}">
+        <p14:creationId xmlns:p14="http://schemas.microsoft.com/office/powerpoint/2010/main" val="991516858"/>
+      </p:ext>
+    </p:extLst>
+  </p:cSld>
+  <p:clrMapOvr>
+    <a:masterClrMapping/>
+  </p:clrMapOvr>
+</p:sld>
+</file>
+
+<file path=ppt/slides/slide27.xml><?xml version="1.0" encoding="utf-8"?>
+<p:sld xmlns:a="http://schemas.openxmlformats.org/drawingml/2006/main" xmlns:r="http://schemas.openxmlformats.org/officeDocument/2006/relationships" xmlns:p="http://schemas.openxmlformats.org/presentationml/2006/main">
+  <p:cSld>
+    <p:spTree>
+      <p:nvGrpSpPr>
+        <p:cNvPr id="1" name=""/>
+        <p:cNvGrpSpPr/>
+        <p:nvPr/>
+      </p:nvGrpSpPr>
+      <p:grpSpPr>
+        <a:xfrm>
+          <a:off x="0" y="0"/>
+          <a:ext cx="0" cy="0"/>
+          <a:chOff x="0" y="0"/>
+          <a:chExt cx="0" cy="0"/>
+        </a:xfrm>
+      </p:grpSpPr>
+      <p:cxnSp>
+        <p:nvCxnSpPr>
+          <p:cNvPr id="6" name="Straight Connector 5">
+            <a:extLst>
+              <a:ext uri="{FF2B5EF4-FFF2-40B4-BE49-F238E27FC236}">
+                <a16:creationId xmlns:a16="http://schemas.microsoft.com/office/drawing/2014/main" id="{62D707F4-F0F9-4652-A850-7D63B41EFD9B}"/>
+              </a:ext>
+            </a:extLst>
+          </p:cNvPr>
+          <p:cNvCxnSpPr/>
+          <p:nvPr/>
+        </p:nvCxnSpPr>
+        <p:spPr>
+          <a:xfrm>
+            <a:off x="3033823" y="6461511"/>
+            <a:ext cx="5706140" cy="0"/>
+          </a:xfrm>
+          <a:prstGeom prst="line">
+            <a:avLst/>
+          </a:prstGeom>
+          <a:ln w="28575">
+            <a:solidFill>
+              <a:srgbClr val="00B050"/>
+            </a:solidFill>
+          </a:ln>
+        </p:spPr>
+        <p:style>
+          <a:lnRef idx="1">
+            <a:schemeClr val="accent1"/>
+          </a:lnRef>
+          <a:fillRef idx="0">
+            <a:schemeClr val="accent1"/>
+          </a:fillRef>
+          <a:effectRef idx="0">
+            <a:schemeClr val="accent1"/>
+          </a:effectRef>
+          <a:fontRef idx="minor">
+            <a:schemeClr val="tx1"/>
+          </a:fontRef>
+        </p:style>
+      </p:cxnSp>
+      <p:cxnSp>
+        <p:nvCxnSpPr>
+          <p:cNvPr id="8" name="Straight Connector 7">
+            <a:extLst>
+              <a:ext uri="{FF2B5EF4-FFF2-40B4-BE49-F238E27FC236}">
+                <a16:creationId xmlns:a16="http://schemas.microsoft.com/office/drawing/2014/main" id="{84FDF04C-9F46-4E9E-967D-F9F02DF9B3A4}"/>
+              </a:ext>
+            </a:extLst>
+          </p:cNvPr>
+          <p:cNvCxnSpPr/>
+          <p:nvPr/>
+        </p:nvCxnSpPr>
+        <p:spPr>
+          <a:xfrm>
+            <a:off x="3033823" y="5173245"/>
+            <a:ext cx="5706140" cy="0"/>
+          </a:xfrm>
+          <a:prstGeom prst="line">
+            <a:avLst/>
+          </a:prstGeom>
+          <a:ln w="28575">
+            <a:solidFill>
+              <a:srgbClr val="00B050"/>
+            </a:solidFill>
+          </a:ln>
+        </p:spPr>
+        <p:style>
+          <a:lnRef idx="1">
+            <a:schemeClr val="accent1"/>
+          </a:lnRef>
+          <a:fillRef idx="0">
+            <a:schemeClr val="accent1"/>
+          </a:fillRef>
+          <a:effectRef idx="0">
+            <a:schemeClr val="accent1"/>
+          </a:effectRef>
+          <a:fontRef idx="minor">
+            <a:schemeClr val="tx1"/>
+          </a:fontRef>
+        </p:style>
+      </p:cxnSp>
+      <p:sp>
+        <p:nvSpPr>
+          <p:cNvPr id="10" name="TextBox 9">
+            <a:extLst>
+              <a:ext uri="{FF2B5EF4-FFF2-40B4-BE49-F238E27FC236}">
+                <a16:creationId xmlns:a16="http://schemas.microsoft.com/office/drawing/2014/main" id="{DFF2FA46-E66F-4F2C-A70D-7397C7B81264}"/>
+              </a:ext>
+            </a:extLst>
+          </p:cNvPr>
+          <p:cNvSpPr txBox="1"/>
+          <p:nvPr/>
+        </p:nvSpPr>
+        <p:spPr>
+          <a:xfrm>
+            <a:off x="772633" y="6035288"/>
+            <a:ext cx="2024489" cy="461665"/>
+          </a:xfrm>
+          <a:prstGeom prst="rect">
+            <a:avLst/>
+          </a:prstGeom>
+          <a:noFill/>
+        </p:spPr>
+        <p:txBody>
+          <a:bodyPr wrap="square" rtlCol="0">
+            <a:spAutoFit/>
+          </a:bodyPr>
+          <a:lstStyle/>
+          <a:p>
+            <a:pPr algn="r"/>
+            <a:r>
+              <a:rPr lang="en-US" sz="2400" dirty="0"/>
+              <a:t>Logic gates</a:t>
+            </a:r>
+          </a:p>
+        </p:txBody>
+      </p:sp>
+      <p:sp>
+        <p:nvSpPr>
+          <p:cNvPr id="11" name="TextBox 10">
+            <a:extLst>
+              <a:ext uri="{FF2B5EF4-FFF2-40B4-BE49-F238E27FC236}">
+                <a16:creationId xmlns:a16="http://schemas.microsoft.com/office/drawing/2014/main" id="{7FFD42EC-C945-413C-ACE7-882F329BF8A7}"/>
+              </a:ext>
+            </a:extLst>
+          </p:cNvPr>
+          <p:cNvSpPr txBox="1"/>
+          <p:nvPr/>
+        </p:nvSpPr>
+        <p:spPr>
+          <a:xfrm>
+            <a:off x="233918" y="4877559"/>
+            <a:ext cx="3047999" cy="461665"/>
+          </a:xfrm>
+          <a:prstGeom prst="rect">
+            <a:avLst/>
+          </a:prstGeom>
+          <a:noFill/>
+        </p:spPr>
+        <p:txBody>
+          <a:bodyPr wrap="square" rtlCol="0">
+            <a:spAutoFit/>
+          </a:bodyPr>
+          <a:lstStyle/>
+          <a:p>
+            <a:r>
+              <a:rPr lang="en-US" sz="2400" dirty="0"/>
+              <a:t>Synchronous circuits</a:t>
+            </a:r>
+          </a:p>
+        </p:txBody>
+      </p:sp>
+      <p:sp>
+        <p:nvSpPr>
+          <p:cNvPr id="12" name="TextBox 11">
+            <a:extLst>
+              <a:ext uri="{FF2B5EF4-FFF2-40B4-BE49-F238E27FC236}">
+                <a16:creationId xmlns:a16="http://schemas.microsoft.com/office/drawing/2014/main" id="{B738A027-CA0B-40EF-A960-80DA323C55C8}"/>
+              </a:ext>
+            </a:extLst>
+          </p:cNvPr>
+          <p:cNvSpPr txBox="1"/>
+          <p:nvPr/>
+        </p:nvSpPr>
+        <p:spPr>
+          <a:xfrm>
+            <a:off x="607828" y="3766532"/>
+            <a:ext cx="2354098" cy="461665"/>
+          </a:xfrm>
+          <a:prstGeom prst="rect">
+            <a:avLst/>
+          </a:prstGeom>
+          <a:noFill/>
+        </p:spPr>
+        <p:txBody>
+          <a:bodyPr wrap="square" rtlCol="0">
+            <a:spAutoFit/>
+          </a:bodyPr>
+          <a:lstStyle/>
+          <a:p>
+            <a:pPr algn="ctr"/>
+            <a:r>
+              <a:rPr lang="en-US" sz="2400" dirty="0"/>
+              <a:t>Processor circuit</a:t>
+            </a:r>
+          </a:p>
+        </p:txBody>
+      </p:sp>
+      <p:sp>
+        <p:nvSpPr>
+          <p:cNvPr id="14" name="TextBox 13">
+            <a:extLst>
+              <a:ext uri="{FF2B5EF4-FFF2-40B4-BE49-F238E27FC236}">
+                <a16:creationId xmlns:a16="http://schemas.microsoft.com/office/drawing/2014/main" id="{2B6CFB14-8FCB-4BD6-9A4A-25860313FBBD}"/>
+              </a:ext>
+            </a:extLst>
+          </p:cNvPr>
+          <p:cNvSpPr txBox="1"/>
+          <p:nvPr/>
+        </p:nvSpPr>
+        <p:spPr>
+          <a:xfrm>
+            <a:off x="8910084" y="5018567"/>
+            <a:ext cx="2282456" cy="523220"/>
+          </a:xfrm>
+          <a:prstGeom prst="rect">
+            <a:avLst/>
+          </a:prstGeom>
+          <a:noFill/>
+        </p:spPr>
+        <p:txBody>
+          <a:bodyPr wrap="square" rtlCol="0">
+            <a:spAutoFit/>
+          </a:bodyPr>
+          <a:lstStyle/>
+          <a:p>
+            <a:r>
+              <a:rPr lang="en-US" sz="2800" dirty="0"/>
+              <a:t>Circuit design</a:t>
+            </a:r>
+          </a:p>
+        </p:txBody>
+      </p:sp>
+      <p:sp>
+        <p:nvSpPr>
+          <p:cNvPr id="15" name="TextBox 14">
+            <a:extLst>
+              <a:ext uri="{FF2B5EF4-FFF2-40B4-BE49-F238E27FC236}">
+                <a16:creationId xmlns:a16="http://schemas.microsoft.com/office/drawing/2014/main" id="{7CAAC524-5019-4C1D-9EAE-F14388E1D19D}"/>
+              </a:ext>
+            </a:extLst>
+          </p:cNvPr>
+          <p:cNvSpPr txBox="1"/>
+          <p:nvPr/>
+        </p:nvSpPr>
+        <p:spPr>
+          <a:xfrm>
+            <a:off x="8612372" y="3108451"/>
+            <a:ext cx="3452037" cy="523220"/>
+          </a:xfrm>
+          <a:prstGeom prst="rect">
+            <a:avLst/>
+          </a:prstGeom>
+          <a:noFill/>
+        </p:spPr>
+        <p:txBody>
+          <a:bodyPr wrap="square" rtlCol="0">
+            <a:spAutoFit/>
+          </a:bodyPr>
+          <a:lstStyle/>
+          <a:p>
+            <a:r>
+              <a:rPr lang="en-US" sz="2800" dirty="0"/>
+              <a:t>Datapath and control</a:t>
+            </a:r>
+          </a:p>
+        </p:txBody>
+      </p:sp>
+      <p:sp>
+        <p:nvSpPr>
+          <p:cNvPr id="16" name="Slide Number Placeholder 15">
+            <a:extLst>
+              <a:ext uri="{FF2B5EF4-FFF2-40B4-BE49-F238E27FC236}">
+                <a16:creationId xmlns:a16="http://schemas.microsoft.com/office/drawing/2014/main" id="{56B7813C-239D-495A-8722-C1AB7313C467}"/>
+              </a:ext>
+            </a:extLst>
+          </p:cNvPr>
+          <p:cNvSpPr>
+            <a:spLocks noGrp="1"/>
+          </p:cNvSpPr>
+          <p:nvPr>
+            <p:ph type="sldNum" sz="quarter" idx="12"/>
+          </p:nvPr>
+        </p:nvSpPr>
+        <p:spPr/>
+        <p:txBody>
+          <a:bodyPr/>
+          <a:lstStyle/>
+          <a:p>
+            <a:fld id="{72A0DAED-63F2-4DE8-BA3E-AD42A00CD13D}" type="slidenum">
+              <a:rPr lang="en-US" smtClean="0"/>
+              <a:t>27</a:t>
+            </a:fld>
+            <a:endParaRPr lang="en-US"/>
+          </a:p>
+        </p:txBody>
+      </p:sp>
+      <p:cxnSp>
+        <p:nvCxnSpPr>
+          <p:cNvPr id="13" name="Straight Connector 12">
+            <a:extLst>
+              <a:ext uri="{FF2B5EF4-FFF2-40B4-BE49-F238E27FC236}">
+                <a16:creationId xmlns:a16="http://schemas.microsoft.com/office/drawing/2014/main" id="{EFF6381B-F582-4677-8008-1B6555F5B2BC}"/>
+              </a:ext>
+            </a:extLst>
+          </p:cNvPr>
+          <p:cNvCxnSpPr/>
+          <p:nvPr/>
+        </p:nvCxnSpPr>
+        <p:spPr>
+          <a:xfrm>
+            <a:off x="3090530" y="3370061"/>
+            <a:ext cx="5706140" cy="0"/>
+          </a:xfrm>
+          <a:prstGeom prst="line">
+            <a:avLst/>
+          </a:prstGeom>
+          <a:ln w="28575">
+            <a:solidFill>
+              <a:srgbClr val="00B050"/>
+            </a:solidFill>
+          </a:ln>
+        </p:spPr>
+        <p:style>
+          <a:lnRef idx="1">
+            <a:schemeClr val="accent1"/>
+          </a:lnRef>
+          <a:fillRef idx="0">
+            <a:schemeClr val="accent1"/>
+          </a:fillRef>
+          <a:effectRef idx="0">
+            <a:schemeClr val="accent1"/>
+          </a:effectRef>
+          <a:fontRef idx="minor">
+            <a:schemeClr val="tx1"/>
+          </a:fontRef>
+        </p:style>
+      </p:cxnSp>
+      <p:sp>
+        <p:nvSpPr>
+          <p:cNvPr id="3" name="TextBox 2">
+            <a:extLst>
+              <a:ext uri="{FF2B5EF4-FFF2-40B4-BE49-F238E27FC236}">
+                <a16:creationId xmlns:a16="http://schemas.microsoft.com/office/drawing/2014/main" id="{093F157A-CACC-4FBC-8357-8EAC0D094ABE}"/>
+              </a:ext>
+            </a:extLst>
+          </p:cNvPr>
+          <p:cNvSpPr txBox="1"/>
+          <p:nvPr/>
+        </p:nvSpPr>
+        <p:spPr>
+          <a:xfrm>
+            <a:off x="3890566" y="6044469"/>
+            <a:ext cx="3774052" cy="461665"/>
+          </a:xfrm>
+          <a:prstGeom prst="rect">
+            <a:avLst/>
+          </a:prstGeom>
+          <a:noFill/>
+        </p:spPr>
+        <p:txBody>
+          <a:bodyPr wrap="square" rtlCol="0">
+            <a:spAutoFit/>
+          </a:bodyPr>
+          <a:lstStyle/>
+          <a:p>
+            <a:r>
+              <a:rPr lang="en-GB" sz="2400" dirty="0" err="1"/>
+              <a:t>Inv</a:t>
+            </a:r>
+            <a:r>
+              <a:rPr lang="en-GB" sz="2400" dirty="0"/>
+              <a:t>, and2, or2, xor2, </a:t>
+            </a:r>
+            <a:r>
+              <a:rPr lang="en-GB" sz="2400" dirty="0" err="1"/>
+              <a:t>dff</a:t>
+            </a:r>
+            <a:endParaRPr lang="en-US" sz="2400" dirty="0"/>
+          </a:p>
+        </p:txBody>
+      </p:sp>
+      <p:sp>
+        <p:nvSpPr>
+          <p:cNvPr id="4" name="TextBox 3">
+            <a:extLst>
+              <a:ext uri="{FF2B5EF4-FFF2-40B4-BE49-F238E27FC236}">
+                <a16:creationId xmlns:a16="http://schemas.microsoft.com/office/drawing/2014/main" id="{8B4307F0-EE41-497E-AA13-B1569E1F7A57}"/>
+              </a:ext>
+            </a:extLst>
+          </p:cNvPr>
+          <p:cNvSpPr txBox="1"/>
+          <p:nvPr/>
+        </p:nvSpPr>
+        <p:spPr>
+          <a:xfrm>
+            <a:off x="3649119" y="4818512"/>
+            <a:ext cx="4256947" cy="461665"/>
+          </a:xfrm>
+          <a:prstGeom prst="rect">
+            <a:avLst/>
+          </a:prstGeom>
+          <a:noFill/>
+        </p:spPr>
+        <p:txBody>
+          <a:bodyPr wrap="square" rtlCol="0">
+            <a:spAutoFit/>
+          </a:bodyPr>
+          <a:lstStyle/>
+          <a:p>
+            <a:r>
+              <a:rPr lang="en-GB" sz="2400" dirty="0"/>
+              <a:t>Mux, </a:t>
+            </a:r>
+            <a:r>
+              <a:rPr lang="en-GB" sz="2400" dirty="0" err="1"/>
+              <a:t>demux</a:t>
+            </a:r>
+            <a:r>
+              <a:rPr lang="en-GB" sz="2400" dirty="0"/>
+              <a:t>, add, reg, </a:t>
+            </a:r>
+            <a:r>
+              <a:rPr lang="en-GB" sz="2400" dirty="0" err="1"/>
+              <a:t>regfile</a:t>
+            </a:r>
+            <a:endParaRPr lang="en-US" sz="2400" dirty="0"/>
+          </a:p>
+        </p:txBody>
+      </p:sp>
+      <p:sp>
+        <p:nvSpPr>
+          <p:cNvPr id="5" name="TextBox 4">
+            <a:extLst>
+              <a:ext uri="{FF2B5EF4-FFF2-40B4-BE49-F238E27FC236}">
+                <a16:creationId xmlns:a16="http://schemas.microsoft.com/office/drawing/2014/main" id="{572B4214-E4B7-4258-8976-144DAB758C46}"/>
+              </a:ext>
+            </a:extLst>
+          </p:cNvPr>
+          <p:cNvSpPr txBox="1"/>
+          <p:nvPr/>
+        </p:nvSpPr>
+        <p:spPr>
+          <a:xfrm>
+            <a:off x="4201886" y="3400838"/>
+            <a:ext cx="2514600" cy="523220"/>
+          </a:xfrm>
+          <a:prstGeom prst="rect">
+            <a:avLst/>
+          </a:prstGeom>
+          <a:noFill/>
+        </p:spPr>
+        <p:txBody>
+          <a:bodyPr wrap="square" rtlCol="0">
+            <a:spAutoFit/>
+          </a:bodyPr>
+          <a:lstStyle/>
+          <a:p>
+            <a:pPr algn="ctr"/>
+            <a:r>
+              <a:rPr lang="en-GB" sz="2800" dirty="0"/>
+              <a:t>M1 system</a:t>
+            </a:r>
+            <a:endParaRPr lang="en-US" sz="2800" dirty="0"/>
+          </a:p>
+        </p:txBody>
+      </p:sp>
+      <p:sp>
+        <p:nvSpPr>
+          <p:cNvPr id="9" name="TextBox 8">
+            <a:extLst>
+              <a:ext uri="{FF2B5EF4-FFF2-40B4-BE49-F238E27FC236}">
+                <a16:creationId xmlns:a16="http://schemas.microsoft.com/office/drawing/2014/main" id="{9FD02198-7FC9-4763-AEE0-E9A5CCF7ED4D}"/>
+              </a:ext>
+            </a:extLst>
+          </p:cNvPr>
+          <p:cNvSpPr txBox="1"/>
+          <p:nvPr/>
+        </p:nvSpPr>
+        <p:spPr>
+          <a:xfrm>
+            <a:off x="4482193" y="2846841"/>
+            <a:ext cx="2345871" cy="523220"/>
+          </a:xfrm>
+          <a:prstGeom prst="rect">
+            <a:avLst/>
+          </a:prstGeom>
+          <a:noFill/>
+        </p:spPr>
+        <p:txBody>
+          <a:bodyPr wrap="square" rtlCol="0">
+            <a:spAutoFit/>
+          </a:bodyPr>
+          <a:lstStyle/>
+          <a:p>
+            <a:pPr algn="ctr"/>
+            <a:r>
+              <a:rPr lang="en-GB" sz="2800" dirty="0"/>
+              <a:t>Sigma16</a:t>
+            </a:r>
+            <a:endParaRPr lang="en-US" sz="2800" dirty="0"/>
+          </a:p>
+        </p:txBody>
+      </p:sp>
+      <p:sp>
+        <p:nvSpPr>
+          <p:cNvPr id="17" name="TextBox 16">
+            <a:extLst>
+              <a:ext uri="{FF2B5EF4-FFF2-40B4-BE49-F238E27FC236}">
+                <a16:creationId xmlns:a16="http://schemas.microsoft.com/office/drawing/2014/main" id="{5393D7B5-9766-4C07-9B74-11D132CB5D6A}"/>
+              </a:ext>
+            </a:extLst>
+          </p:cNvPr>
+          <p:cNvSpPr txBox="1"/>
+          <p:nvPr/>
+        </p:nvSpPr>
+        <p:spPr>
+          <a:xfrm>
+            <a:off x="642321" y="2704765"/>
+            <a:ext cx="2354098" cy="461665"/>
+          </a:xfrm>
+          <a:prstGeom prst="rect">
+            <a:avLst/>
+          </a:prstGeom>
+          <a:noFill/>
+        </p:spPr>
+        <p:txBody>
+          <a:bodyPr wrap="square" rtlCol="0">
+            <a:spAutoFit/>
+          </a:bodyPr>
+          <a:lstStyle/>
+          <a:p>
+            <a:pPr algn="ctr"/>
+            <a:r>
+              <a:rPr lang="en-US" sz="2400" dirty="0"/>
+              <a:t>Architecture</a:t>
+            </a:r>
+          </a:p>
+        </p:txBody>
+      </p:sp>
+      <p:cxnSp>
+        <p:nvCxnSpPr>
+          <p:cNvPr id="21" name="Straight Connector 20">
+            <a:extLst>
+              <a:ext uri="{FF2B5EF4-FFF2-40B4-BE49-F238E27FC236}">
+                <a16:creationId xmlns:a16="http://schemas.microsoft.com/office/drawing/2014/main" id="{2B531D5E-C97A-45EB-B9A4-8AF07AF0A781}"/>
+              </a:ext>
+            </a:extLst>
+          </p:cNvPr>
+          <p:cNvCxnSpPr/>
+          <p:nvPr/>
+        </p:nvCxnSpPr>
+        <p:spPr>
+          <a:xfrm>
+            <a:off x="2373086" y="1529443"/>
+            <a:ext cx="3167743" cy="0"/>
+          </a:xfrm>
+          <a:prstGeom prst="line">
+            <a:avLst/>
+          </a:prstGeom>
+          <a:ln w="31750"/>
+        </p:spPr>
+        <p:style>
+          <a:lnRef idx="1">
+            <a:schemeClr val="accent1"/>
+          </a:lnRef>
+          <a:fillRef idx="0">
+            <a:schemeClr val="accent1"/>
+          </a:fillRef>
+          <a:effectRef idx="0">
+            <a:schemeClr val="accent1"/>
+          </a:effectRef>
+          <a:fontRef idx="minor">
+            <a:schemeClr val="tx1"/>
+          </a:fontRef>
+        </p:style>
+      </p:cxnSp>
+      <p:cxnSp>
+        <p:nvCxnSpPr>
+          <p:cNvPr id="22" name="Straight Connector 21">
+            <a:extLst>
+              <a:ext uri="{FF2B5EF4-FFF2-40B4-BE49-F238E27FC236}">
+                <a16:creationId xmlns:a16="http://schemas.microsoft.com/office/drawing/2014/main" id="{42FBBCBF-D293-46E1-9480-4C1B95F41DDD}"/>
+              </a:ext>
+            </a:extLst>
+          </p:cNvPr>
+          <p:cNvCxnSpPr/>
+          <p:nvPr/>
+        </p:nvCxnSpPr>
+        <p:spPr>
+          <a:xfrm>
+            <a:off x="6455229" y="1529443"/>
+            <a:ext cx="3167743" cy="0"/>
+          </a:xfrm>
+          <a:prstGeom prst="line">
+            <a:avLst/>
+          </a:prstGeom>
+          <a:ln w="31750"/>
+        </p:spPr>
+        <p:style>
+          <a:lnRef idx="1">
+            <a:schemeClr val="accent1"/>
+          </a:lnRef>
+          <a:fillRef idx="0">
+            <a:schemeClr val="accent1"/>
+          </a:fillRef>
+          <a:effectRef idx="0">
+            <a:schemeClr val="accent1"/>
+          </a:effectRef>
+          <a:fontRef idx="minor">
+            <a:schemeClr val="tx1"/>
+          </a:fontRef>
+        </p:style>
+      </p:cxnSp>
+      <p:sp>
+        <p:nvSpPr>
+          <p:cNvPr id="23" name="TextBox 22">
+            <a:extLst>
+              <a:ext uri="{FF2B5EF4-FFF2-40B4-BE49-F238E27FC236}">
+                <a16:creationId xmlns:a16="http://schemas.microsoft.com/office/drawing/2014/main" id="{F06194F1-ACD9-4A82-9F7A-AE6E1CA7B75E}"/>
+              </a:ext>
+            </a:extLst>
+          </p:cNvPr>
+          <p:cNvSpPr txBox="1"/>
+          <p:nvPr/>
+        </p:nvSpPr>
+        <p:spPr>
+          <a:xfrm>
+            <a:off x="3170463" y="1006223"/>
+            <a:ext cx="1440206" cy="523220"/>
+          </a:xfrm>
+          <a:prstGeom prst="rect">
+            <a:avLst/>
+          </a:prstGeom>
+          <a:noFill/>
+        </p:spPr>
+        <p:txBody>
+          <a:bodyPr wrap="square" rtlCol="0">
+            <a:spAutoFit/>
+          </a:bodyPr>
+          <a:lstStyle/>
+          <a:p>
+            <a:r>
+              <a:rPr lang="en-GB" sz="2800" dirty="0"/>
+              <a:t>Sigma</a:t>
+            </a:r>
+            <a:endParaRPr lang="en-US" sz="2800" dirty="0"/>
+          </a:p>
+        </p:txBody>
+      </p:sp>
+      <p:sp>
+        <p:nvSpPr>
+          <p:cNvPr id="24" name="TextBox 23">
+            <a:extLst>
+              <a:ext uri="{FF2B5EF4-FFF2-40B4-BE49-F238E27FC236}">
+                <a16:creationId xmlns:a16="http://schemas.microsoft.com/office/drawing/2014/main" id="{9B0F4C1C-0C5C-4CE3-9BCF-E81468A6CE8E}"/>
+              </a:ext>
+            </a:extLst>
+          </p:cNvPr>
+          <p:cNvSpPr txBox="1"/>
+          <p:nvPr/>
+        </p:nvSpPr>
+        <p:spPr>
+          <a:xfrm>
+            <a:off x="772633" y="1363142"/>
+            <a:ext cx="1540581" cy="461665"/>
+          </a:xfrm>
+          <a:prstGeom prst="rect">
+            <a:avLst/>
+          </a:prstGeom>
+          <a:noFill/>
+        </p:spPr>
+        <p:txBody>
+          <a:bodyPr wrap="square" rtlCol="0">
+            <a:spAutoFit/>
+          </a:bodyPr>
+          <a:lstStyle/>
+          <a:p>
+            <a:r>
+              <a:rPr lang="en-GB" sz="2400" dirty="0"/>
+              <a:t>Language</a:t>
+            </a:r>
+            <a:endParaRPr lang="en-US" sz="2400" dirty="0"/>
+          </a:p>
+        </p:txBody>
+      </p:sp>
+      <p:sp>
+        <p:nvSpPr>
+          <p:cNvPr id="25" name="TextBox 24">
+            <a:extLst>
+              <a:ext uri="{FF2B5EF4-FFF2-40B4-BE49-F238E27FC236}">
+                <a16:creationId xmlns:a16="http://schemas.microsoft.com/office/drawing/2014/main" id="{90720FE4-7D2D-4121-B5B1-A184DCF9E9F7}"/>
+              </a:ext>
+            </a:extLst>
+          </p:cNvPr>
+          <p:cNvSpPr txBox="1"/>
+          <p:nvPr/>
+        </p:nvSpPr>
+        <p:spPr>
+          <a:xfrm>
+            <a:off x="9878786" y="1310989"/>
+            <a:ext cx="1540581" cy="523220"/>
+          </a:xfrm>
+          <a:prstGeom prst="rect">
+            <a:avLst/>
+          </a:prstGeom>
+          <a:noFill/>
+        </p:spPr>
+        <p:txBody>
+          <a:bodyPr wrap="square" rtlCol="0">
+            <a:spAutoFit/>
+          </a:bodyPr>
+          <a:lstStyle/>
+          <a:p>
+            <a:r>
+              <a:rPr lang="en-GB" sz="2800" dirty="0"/>
+              <a:t>OS</a:t>
+            </a:r>
+            <a:endParaRPr lang="en-US" sz="2800" dirty="0"/>
+          </a:p>
+        </p:txBody>
+      </p:sp>
+      <p:sp>
+        <p:nvSpPr>
+          <p:cNvPr id="26" name="Cloud 25">
+            <a:extLst>
+              <a:ext uri="{FF2B5EF4-FFF2-40B4-BE49-F238E27FC236}">
+                <a16:creationId xmlns:a16="http://schemas.microsoft.com/office/drawing/2014/main" id="{F6C40AD5-5C3C-47B5-853A-DDC1B2E0AF2F}"/>
+              </a:ext>
+            </a:extLst>
+          </p:cNvPr>
+          <p:cNvSpPr/>
+          <p:nvPr/>
+        </p:nvSpPr>
+        <p:spPr>
+          <a:xfrm>
+            <a:off x="4359729" y="5339224"/>
+            <a:ext cx="2590800" cy="653358"/>
+          </a:xfrm>
+          <a:prstGeom prst="cloud">
+            <a:avLst/>
+          </a:prstGeom>
+          <a:solidFill>
+            <a:schemeClr val="accent1">
+              <a:lumMod val="20000"/>
+              <a:lumOff val="80000"/>
+            </a:schemeClr>
+          </a:solidFill>
+        </p:spPr>
+        <p:style>
+          <a:lnRef idx="2">
+            <a:schemeClr val="accent1">
+              <a:shade val="50000"/>
+            </a:schemeClr>
+          </a:lnRef>
+          <a:fillRef idx="1">
+            <a:schemeClr val="accent1"/>
+          </a:fillRef>
+          <a:effectRef idx="0">
+            <a:schemeClr val="accent1"/>
+          </a:effectRef>
+          <a:fontRef idx="minor">
+            <a:schemeClr val="lt1"/>
+          </a:fontRef>
+        </p:style>
+        <p:txBody>
+          <a:bodyPr rtlCol="0" anchor="ctr"/>
+          <a:lstStyle/>
+          <a:p>
+            <a:pPr algn="ctr"/>
+            <a:r>
+              <a:rPr lang="en-GB" sz="2800" dirty="0">
+                <a:solidFill>
+                  <a:schemeClr val="tx1"/>
+                </a:solidFill>
+              </a:rPr>
+              <a:t>Hydra</a:t>
+            </a:r>
+            <a:endParaRPr lang="en-US" sz="2800" dirty="0">
+              <a:solidFill>
+                <a:schemeClr val="tx1"/>
+              </a:solidFill>
+            </a:endParaRPr>
+          </a:p>
+        </p:txBody>
+      </p:sp>
+      <p:sp>
+        <p:nvSpPr>
+          <p:cNvPr id="27" name="Cloud 26">
+            <a:extLst>
+              <a:ext uri="{FF2B5EF4-FFF2-40B4-BE49-F238E27FC236}">
+                <a16:creationId xmlns:a16="http://schemas.microsoft.com/office/drawing/2014/main" id="{139308DB-127D-46BE-90B7-DBD943B0DFFE}"/>
+              </a:ext>
+            </a:extLst>
+          </p:cNvPr>
+          <p:cNvSpPr/>
+          <p:nvPr/>
+        </p:nvSpPr>
+        <p:spPr>
+          <a:xfrm>
+            <a:off x="4163786" y="4080370"/>
+            <a:ext cx="2590800" cy="653358"/>
+          </a:xfrm>
+          <a:prstGeom prst="cloud">
+            <a:avLst/>
+          </a:prstGeom>
+          <a:solidFill>
+            <a:schemeClr val="accent1">
+              <a:lumMod val="20000"/>
+              <a:lumOff val="80000"/>
+            </a:schemeClr>
+          </a:solidFill>
+        </p:spPr>
+        <p:style>
+          <a:lnRef idx="2">
+            <a:schemeClr val="accent1">
+              <a:shade val="50000"/>
+            </a:schemeClr>
+          </a:lnRef>
+          <a:fillRef idx="1">
+            <a:schemeClr val="accent1"/>
+          </a:fillRef>
+          <a:effectRef idx="0">
+            <a:schemeClr val="accent1"/>
+          </a:effectRef>
+          <a:fontRef idx="minor">
+            <a:schemeClr val="lt1"/>
+          </a:fontRef>
+        </p:style>
+        <p:txBody>
+          <a:bodyPr rtlCol="0" anchor="ctr"/>
+          <a:lstStyle/>
+          <a:p>
+            <a:pPr algn="ctr"/>
+            <a:r>
+              <a:rPr lang="en-GB" sz="2800" dirty="0">
+                <a:solidFill>
+                  <a:schemeClr val="tx1"/>
+                </a:solidFill>
+              </a:rPr>
+              <a:t>Hydra</a:t>
+            </a:r>
+            <a:endParaRPr lang="en-US" sz="2800" dirty="0">
+              <a:solidFill>
+                <a:schemeClr val="tx1"/>
+              </a:solidFill>
+            </a:endParaRPr>
+          </a:p>
+        </p:txBody>
+      </p:sp>
+      <p:sp>
+        <p:nvSpPr>
+          <p:cNvPr id="28" name="Cloud 27">
+            <a:extLst>
+              <a:ext uri="{FF2B5EF4-FFF2-40B4-BE49-F238E27FC236}">
+                <a16:creationId xmlns:a16="http://schemas.microsoft.com/office/drawing/2014/main" id="{006A816E-7140-4D12-B707-B14831581BB4}"/>
+              </a:ext>
+            </a:extLst>
+          </p:cNvPr>
+          <p:cNvSpPr/>
+          <p:nvPr/>
+        </p:nvSpPr>
+        <p:spPr>
+          <a:xfrm rot="2890802">
+            <a:off x="2711388" y="2075290"/>
+            <a:ext cx="2460520" cy="653358"/>
+          </a:xfrm>
+          <a:prstGeom prst="cloud">
+            <a:avLst/>
+          </a:prstGeom>
+          <a:solidFill>
+            <a:schemeClr val="accent1">
+              <a:lumMod val="20000"/>
+              <a:lumOff val="80000"/>
+            </a:schemeClr>
+          </a:solidFill>
+        </p:spPr>
+        <p:style>
+          <a:lnRef idx="2">
+            <a:schemeClr val="accent1">
+              <a:shade val="50000"/>
+            </a:schemeClr>
+          </a:lnRef>
+          <a:fillRef idx="1">
+            <a:schemeClr val="accent1"/>
+          </a:fillRef>
+          <a:effectRef idx="0">
+            <a:schemeClr val="accent1"/>
+          </a:effectRef>
+          <a:fontRef idx="minor">
+            <a:schemeClr val="lt1"/>
+          </a:fontRef>
+        </p:style>
+        <p:txBody>
+          <a:bodyPr rtlCol="0" anchor="ctr"/>
+          <a:lstStyle/>
+          <a:p>
+            <a:pPr algn="ctr"/>
+            <a:r>
+              <a:rPr lang="en-GB" sz="2800" dirty="0">
+                <a:solidFill>
+                  <a:schemeClr val="tx1"/>
+                </a:solidFill>
+              </a:rPr>
+              <a:t>Compile</a:t>
+            </a:r>
+            <a:endParaRPr lang="en-US" sz="2800" dirty="0">
+              <a:solidFill>
+                <a:schemeClr val="tx1"/>
+              </a:solidFill>
+            </a:endParaRPr>
+          </a:p>
+        </p:txBody>
+      </p:sp>
+      <p:sp>
+        <p:nvSpPr>
+          <p:cNvPr id="29" name="Cloud 28">
+            <a:extLst>
+              <a:ext uri="{FF2B5EF4-FFF2-40B4-BE49-F238E27FC236}">
+                <a16:creationId xmlns:a16="http://schemas.microsoft.com/office/drawing/2014/main" id="{10EBE75E-9C33-4B7E-B443-75892EF66A4B}"/>
+              </a:ext>
+            </a:extLst>
+          </p:cNvPr>
+          <p:cNvSpPr/>
+          <p:nvPr/>
+        </p:nvSpPr>
+        <p:spPr>
+          <a:xfrm rot="19360589">
+            <a:off x="6429908" y="2160020"/>
+            <a:ext cx="2460520" cy="653358"/>
+          </a:xfrm>
+          <a:prstGeom prst="cloud">
+            <a:avLst/>
+          </a:prstGeom>
+          <a:solidFill>
+            <a:schemeClr val="accent1">
+              <a:lumMod val="20000"/>
+              <a:lumOff val="80000"/>
+            </a:schemeClr>
+          </a:solidFill>
+        </p:spPr>
+        <p:style>
+          <a:lnRef idx="2">
+            <a:schemeClr val="accent1">
+              <a:shade val="50000"/>
+            </a:schemeClr>
+          </a:lnRef>
+          <a:fillRef idx="1">
+            <a:schemeClr val="accent1"/>
+          </a:fillRef>
+          <a:effectRef idx="0">
+            <a:schemeClr val="accent1"/>
+          </a:effectRef>
+          <a:fontRef idx="minor">
+            <a:schemeClr val="lt1"/>
+          </a:fontRef>
+        </p:style>
+        <p:txBody>
+          <a:bodyPr rtlCol="0" anchor="ctr"/>
+          <a:lstStyle/>
+          <a:p>
+            <a:pPr algn="ctr"/>
+            <a:r>
+              <a:rPr lang="en-GB" sz="2800" dirty="0">
+                <a:solidFill>
+                  <a:schemeClr val="tx1"/>
+                </a:solidFill>
+              </a:rPr>
+              <a:t>kernel</a:t>
+            </a:r>
+            <a:endParaRPr lang="en-US" sz="2800" dirty="0">
+              <a:solidFill>
+                <a:schemeClr val="tx1"/>
+              </a:solidFill>
+            </a:endParaRPr>
+          </a:p>
+        </p:txBody>
+      </p:sp>
+    </p:spTree>
+    <p:extLst>
+      <p:ext uri="{BB962C8B-B14F-4D97-AF65-F5344CB8AC3E}">
+        <p14:creationId xmlns:p14="http://schemas.microsoft.com/office/powerpoint/2010/main" val="2092920671"/>
+      </p:ext>
+    </p:extLst>
+  </p:cSld>
+  <p:clrMapOvr>
+    <a:masterClrMapping/>
+  </p:clrMapOvr>
+</p:sld>
+</file>
+
+<file path=ppt/slides/slide28.xml><?xml version="1.0" encoding="utf-8"?>
+<p:sld xmlns:a="http://schemas.openxmlformats.org/drawingml/2006/main" xmlns:r="http://schemas.openxmlformats.org/officeDocument/2006/relationships" xmlns:p="http://schemas.openxmlformats.org/presentationml/2006/main">
+  <p:cSld>
+    <p:spTree>
+      <p:nvGrpSpPr>
+        <p:cNvPr id="1" name=""/>
+        <p:cNvGrpSpPr/>
+        <p:nvPr/>
+      </p:nvGrpSpPr>
+      <p:grpSpPr>
+        <a:xfrm>
+          <a:off x="0" y="0"/>
+          <a:ext cx="0" cy="0"/>
+          <a:chOff x="0" y="0"/>
+          <a:chExt cx="0" cy="0"/>
+        </a:xfrm>
+      </p:grpSpPr>
+      <p:sp>
+        <p:nvSpPr>
+          <p:cNvPr id="2" name="Title 1">
+            <a:extLst>
+              <a:ext uri="{FF2B5EF4-FFF2-40B4-BE49-F238E27FC236}">
+                <a16:creationId xmlns:a16="http://schemas.microsoft.com/office/drawing/2014/main" id="{F5319A3B-FAE0-41B7-AD16-E876FF09AA2C}"/>
+              </a:ext>
+            </a:extLst>
+          </p:cNvPr>
+          <p:cNvSpPr>
+            <a:spLocks noGrp="1"/>
+          </p:cNvSpPr>
+          <p:nvPr>
+            <p:ph type="title"/>
+          </p:nvPr>
+        </p:nvSpPr>
+        <p:spPr/>
+        <p:txBody>
+          <a:bodyPr/>
+          <a:lstStyle/>
+          <a:p>
+            <a:r>
+              <a:rPr lang="en-GB" dirty="0"/>
+              <a:t>But we need to connect up and reinforce</a:t>
+            </a:r>
+            <a:br>
+              <a:rPr lang="en-GB" dirty="0"/>
+            </a:br>
+            <a:r>
+              <a:rPr lang="en-GB" dirty="0"/>
+              <a:t>the concepts</a:t>
+            </a:r>
+            <a:endParaRPr lang="en-US" dirty="0"/>
+          </a:p>
+        </p:txBody>
+      </p:sp>
+      <p:sp>
+        <p:nvSpPr>
+          <p:cNvPr id="3" name="Content Placeholder 2">
+            <a:extLst>
+              <a:ext uri="{FF2B5EF4-FFF2-40B4-BE49-F238E27FC236}">
+                <a16:creationId xmlns:a16="http://schemas.microsoft.com/office/drawing/2014/main" id="{2FF5CA82-ABF1-4412-A337-8C7EC2C734D9}"/>
+              </a:ext>
+            </a:extLst>
+          </p:cNvPr>
+          <p:cNvSpPr>
+            <a:spLocks noGrp="1"/>
+          </p:cNvSpPr>
+          <p:nvPr>
+            <p:ph idx="1"/>
+          </p:nvPr>
+        </p:nvSpPr>
+        <p:spPr>
+          <a:xfrm>
+            <a:off x="768221" y="2049560"/>
+            <a:ext cx="10515600" cy="4351338"/>
+          </a:xfrm>
+        </p:spPr>
+        <p:txBody>
+          <a:bodyPr>
+            <a:normAutofit lnSpcReduction="10000"/>
+          </a:bodyPr>
+          <a:lstStyle/>
+          <a:p>
+            <a:r>
+              <a:rPr lang="en-GB" dirty="0"/>
+              <a:t>The students in CS1S are seeing some essential topics from a concrete low level perspective</a:t>
+            </a:r>
+          </a:p>
+          <a:p>
+            <a:pPr lvl="1"/>
+            <a:r>
+              <a:rPr lang="en-GB" dirty="0"/>
+              <a:t>Data structures, control structures, linked lists</a:t>
+            </a:r>
+          </a:p>
+          <a:p>
+            <a:r>
+              <a:rPr lang="en-GB" dirty="0"/>
+              <a:t>To thoroughly understand these concepts you need to encounter them</a:t>
+            </a:r>
+          </a:p>
+          <a:p>
+            <a:pPr lvl="1"/>
+            <a:r>
+              <a:rPr lang="en-GB" dirty="0"/>
+              <a:t>several times</a:t>
+            </a:r>
+          </a:p>
+          <a:p>
+            <a:pPr lvl="1"/>
+            <a:r>
+              <a:rPr lang="en-GB" dirty="0"/>
+              <a:t>from different levels of abstraction</a:t>
+            </a:r>
+          </a:p>
+          <a:p>
+            <a:pPr lvl="1"/>
+            <a:r>
+              <a:rPr lang="en-GB" dirty="0"/>
+              <a:t> using different notations</a:t>
+            </a:r>
+          </a:p>
+          <a:p>
+            <a:r>
+              <a:rPr lang="en-GB" dirty="0"/>
+              <a:t>Yet we aren’t connecting up the concepts!</a:t>
+            </a:r>
+          </a:p>
+          <a:p>
+            <a:pPr lvl="1"/>
+            <a:r>
+              <a:rPr lang="en-GB" dirty="0"/>
+              <a:t>Do students in Advanced Programming 3 understand that the pointer algorithms are a review, not a new topic?</a:t>
+            </a:r>
+          </a:p>
+        </p:txBody>
+      </p:sp>
+      <p:sp>
+        <p:nvSpPr>
+          <p:cNvPr id="4" name="Slide Number Placeholder 3">
+            <a:extLst>
+              <a:ext uri="{FF2B5EF4-FFF2-40B4-BE49-F238E27FC236}">
+                <a16:creationId xmlns:a16="http://schemas.microsoft.com/office/drawing/2014/main" id="{5BC0F9BC-9365-4BEA-BD44-A57C4FC4B2CB}"/>
+              </a:ext>
+            </a:extLst>
+          </p:cNvPr>
+          <p:cNvSpPr>
+            <a:spLocks noGrp="1"/>
+          </p:cNvSpPr>
+          <p:nvPr>
+            <p:ph type="sldNum" sz="quarter" idx="12"/>
+          </p:nvPr>
+        </p:nvSpPr>
+        <p:spPr/>
+        <p:txBody>
+          <a:bodyPr/>
+          <a:lstStyle/>
+          <a:p>
+            <a:fld id="{72A0DAED-63F2-4DE8-BA3E-AD42A00CD13D}" type="slidenum">
+              <a:rPr lang="en-US" smtClean="0"/>
+              <a:t>28</a:t>
+            </a:fld>
+            <a:endParaRPr lang="en-US"/>
+          </a:p>
+        </p:txBody>
+      </p:sp>
+    </p:spTree>
+    <p:extLst>
+      <p:ext uri="{BB962C8B-B14F-4D97-AF65-F5344CB8AC3E}">
+        <p14:creationId xmlns:p14="http://schemas.microsoft.com/office/powerpoint/2010/main" val="1044741571"/>
+      </p:ext>
+    </p:extLst>
+  </p:cSld>
+  <p:clrMapOvr>
+    <a:masterClrMapping/>
+  </p:clrMapOvr>
+</p:sld>
+</file>
+
+<file path=ppt/slides/slide29.xml><?xml version="1.0" encoding="utf-8"?>
+<p:sld xmlns:a="http://schemas.openxmlformats.org/drawingml/2006/main" xmlns:r="http://schemas.openxmlformats.org/officeDocument/2006/relationships" xmlns:p="http://schemas.openxmlformats.org/presentationml/2006/main">
+  <p:cSld>
+    <p:spTree>
+      <p:nvGrpSpPr>
+        <p:cNvPr id="1" name=""/>
+        <p:cNvGrpSpPr/>
+        <p:nvPr/>
+      </p:nvGrpSpPr>
+      <p:grpSpPr>
+        <a:xfrm>
+          <a:off x="0" y="0"/>
+          <a:ext cx="0" cy="0"/>
+          <a:chOff x="0" y="0"/>
+          <a:chExt cx="0" cy="0"/>
+        </a:xfrm>
+      </p:grpSpPr>
+      <p:sp>
+        <p:nvSpPr>
+          <p:cNvPr id="2" name="Title 1">
+            <a:extLst>
+              <a:ext uri="{FF2B5EF4-FFF2-40B4-BE49-F238E27FC236}">
+                <a16:creationId xmlns:a16="http://schemas.microsoft.com/office/drawing/2014/main" id="{71ED6DBE-61F3-4067-98F0-A41136DDE4EE}"/>
+              </a:ext>
+            </a:extLst>
+          </p:cNvPr>
+          <p:cNvSpPr>
+            <a:spLocks noGrp="1"/>
+          </p:cNvSpPr>
+          <p:nvPr>
+            <p:ph type="title"/>
+          </p:nvPr>
+        </p:nvSpPr>
+        <p:spPr/>
+        <p:txBody>
+          <a:bodyPr/>
+          <a:lstStyle/>
+          <a:p>
+            <a:r>
+              <a:rPr lang="en-GB" dirty="0"/>
+              <a:t>Computers </a:t>
+            </a:r>
+            <a:r>
+              <a:rPr lang="en-GB" i="1" dirty="0"/>
+              <a:t>are</a:t>
+            </a:r>
+            <a:r>
+              <a:rPr lang="en-GB" dirty="0"/>
+              <a:t> central to computer science!</a:t>
+            </a:r>
+            <a:endParaRPr lang="en-US" dirty="0"/>
+          </a:p>
+        </p:txBody>
+      </p:sp>
+      <p:sp>
+        <p:nvSpPr>
+          <p:cNvPr id="3" name="Content Placeholder 2">
+            <a:extLst>
+              <a:ext uri="{FF2B5EF4-FFF2-40B4-BE49-F238E27FC236}">
+                <a16:creationId xmlns:a16="http://schemas.microsoft.com/office/drawing/2014/main" id="{E7CD2696-5F06-4EAB-B3F2-9564BBC3973D}"/>
+              </a:ext>
+            </a:extLst>
+          </p:cNvPr>
+          <p:cNvSpPr>
+            <a:spLocks noGrp="1"/>
+          </p:cNvSpPr>
+          <p:nvPr>
+            <p:ph idx="1"/>
+          </p:nvPr>
+        </p:nvSpPr>
+        <p:spPr/>
+        <p:txBody>
+          <a:bodyPr/>
+          <a:lstStyle/>
+          <a:p>
+            <a:r>
+              <a:rPr lang="en-US" dirty="0"/>
+              <a:t>A well-planned study of computer systems broadens and deepens understanding of the subject</a:t>
+            </a:r>
+          </a:p>
+          <a:p>
+            <a:r>
+              <a:rPr lang="en-US" dirty="0"/>
+              <a:t>But it’s important to focus on the fundamentals, the concepts, and the ideas, rather than getting bogged down in the details of randomly chosen commercial products </a:t>
+            </a:r>
+          </a:p>
+        </p:txBody>
+      </p:sp>
+      <p:sp>
+        <p:nvSpPr>
+          <p:cNvPr id="4" name="Slide Number Placeholder 3">
+            <a:extLst>
+              <a:ext uri="{FF2B5EF4-FFF2-40B4-BE49-F238E27FC236}">
+                <a16:creationId xmlns:a16="http://schemas.microsoft.com/office/drawing/2014/main" id="{1296E008-05BE-4D18-9DED-41FEFDDFDA4D}"/>
+              </a:ext>
+            </a:extLst>
+          </p:cNvPr>
+          <p:cNvSpPr>
+            <a:spLocks noGrp="1"/>
+          </p:cNvSpPr>
+          <p:nvPr>
+            <p:ph type="sldNum" sz="quarter" idx="12"/>
+          </p:nvPr>
+        </p:nvSpPr>
+        <p:spPr/>
+        <p:txBody>
+          <a:bodyPr/>
+          <a:lstStyle/>
+          <a:p>
+            <a:fld id="{72A0DAED-63F2-4DE8-BA3E-AD42A00CD13D}" type="slidenum">
+              <a:rPr lang="en-US" smtClean="0"/>
+              <a:t>29</a:t>
+            </a:fld>
+            <a:endParaRPr lang="en-US"/>
+          </a:p>
+        </p:txBody>
+      </p:sp>
+    </p:spTree>
+    <p:extLst>
+      <p:ext uri="{BB962C8B-B14F-4D97-AF65-F5344CB8AC3E}">
+        <p14:creationId xmlns:p14="http://schemas.microsoft.com/office/powerpoint/2010/main" val="874727921"/>
       </p:ext>
     </p:extLst>
   </p:cSld>
@@ -3671,7 +10297,7 @@
             <a:pPr algn="ctr"/>
             <a:r>
               <a:rPr lang="en-US" dirty="0"/>
-              <a:t>Competing views</a:t>
+              <a:t>Alternative competing views</a:t>
             </a:r>
           </a:p>
         </p:txBody>
@@ -3699,36 +10325,76 @@
           <a:p>
             <a:r>
               <a:rPr lang="en-US" dirty="0"/>
-              <a:t>Competing views</a:t>
+              <a:t>A CS student should understand the fundamentals of the subject</a:t>
             </a:r>
           </a:p>
           <a:p>
             <a:pPr lvl="1"/>
             <a:r>
               <a:rPr lang="en-US" dirty="0"/>
-              <a:t>A CS student should understand the fundamentals of the subject</a:t>
-            </a:r>
-          </a:p>
-          <a:p>
-            <a:pPr lvl="2"/>
-            <a:r>
-              <a:rPr lang="en-US" dirty="0"/>
               <a:t>And what are the fundamentals?</a:t>
             </a:r>
           </a:p>
           <a:p>
-            <a:pPr lvl="1"/>
             <a:r>
               <a:rPr lang="en-US" dirty="0"/>
               <a:t>The main goal is to learn one specific language/tool/API thoroughly</a:t>
             </a:r>
           </a:p>
           <a:p>
-            <a:pPr lvl="1"/>
             <a:r>
               <a:rPr lang="en-US" dirty="0"/>
               <a:t>Learn by doing</a:t>
             </a:r>
+          </a:p>
+          <a:p>
+            <a:r>
+              <a:rPr lang="en-US" dirty="0"/>
+              <a:t>Get code working and deliver an artifact</a:t>
+            </a:r>
+          </a:p>
+          <a:p>
+            <a:r>
+              <a:rPr lang="en-US" dirty="0"/>
+              <a:t>Cover the languages and tools </a:t>
+            </a:r>
+            <a:r>
+              <a:rPr lang="en-US" strike="sngStrike" dirty="0"/>
+              <a:t>that employers want</a:t>
+            </a:r>
+            <a:r>
+              <a:rPr lang="en-US" dirty="0"/>
+              <a:t> that students believe employers want</a:t>
+            </a:r>
+          </a:p>
+        </p:txBody>
+      </p:sp>
+      <p:sp>
+        <p:nvSpPr>
+          <p:cNvPr id="4" name="Slide Number Placeholder 3">
+            <a:extLst>
+              <a:ext uri="{FF2B5EF4-FFF2-40B4-BE49-F238E27FC236}">
+                <a16:creationId xmlns:a16="http://schemas.microsoft.com/office/drawing/2014/main" id="{796703FE-6962-49DB-B911-29DB2E92EE21}"/>
+              </a:ext>
+            </a:extLst>
+          </p:cNvPr>
+          <p:cNvSpPr>
+            <a:spLocks noGrp="1"/>
+          </p:cNvSpPr>
+          <p:nvPr>
+            <p:ph type="sldNum" sz="quarter" idx="12"/>
+          </p:nvPr>
+        </p:nvSpPr>
+        <p:spPr/>
+        <p:txBody>
+          <a:bodyPr/>
+          <a:lstStyle/>
+          <a:p>
+            <a:fld id="{72A0DAED-63F2-4DE8-BA3E-AD42A00CD13D}" type="slidenum">
+              <a:rPr lang="en-US" smtClean="0"/>
+              <a:t>3</a:t>
+            </a:fld>
+            <a:endParaRPr lang="en-US"/>
           </a:p>
         </p:txBody>
       </p:sp>
@@ -3767,7 +10433,7 @@
           <p:cNvPr id="2" name="Title 1">
             <a:extLst>
               <a:ext uri="{FF2B5EF4-FFF2-40B4-BE49-F238E27FC236}">
-                <a16:creationId xmlns:a16="http://schemas.microsoft.com/office/drawing/2014/main" id="{29E68583-34DA-4362-8F60-C7FCDA908A11}"/>
+                <a16:creationId xmlns:a16="http://schemas.microsoft.com/office/drawing/2014/main" id="{A636F8E6-7EB1-4A68-95ED-248D3FC878B7}"/>
               </a:ext>
             </a:extLst>
           </p:cNvPr>
@@ -3783,10 +10449,9 @@
           <a:bodyPr/>
           <a:lstStyle/>
           <a:p>
-            <a:pPr algn="ctr"/>
-            <a:r>
-              <a:rPr lang="en-US" dirty="0"/>
-              <a:t>Learn by doing</a:t>
+            <a:r>
+              <a:rPr lang="en-US" dirty="0"/>
+              <a:t>What should we convey to students?</a:t>
             </a:r>
           </a:p>
         </p:txBody>
@@ -3796,7 +10461,7 @@
           <p:cNvPr id="3" name="Content Placeholder 2">
             <a:extLst>
               <a:ext uri="{FF2B5EF4-FFF2-40B4-BE49-F238E27FC236}">
-                <a16:creationId xmlns:a16="http://schemas.microsoft.com/office/drawing/2014/main" id="{9FEE19DA-F895-48F1-B551-BF5C9663F9B5}"/>
+                <a16:creationId xmlns:a16="http://schemas.microsoft.com/office/drawing/2014/main" id="{4A063BF7-C0A1-4E80-944A-1708DC8A202D}"/>
               </a:ext>
             </a:extLst>
           </p:cNvPr>
@@ -3807,46 +10472,118 @@
             <p:ph idx="1"/>
           </p:nvPr>
         </p:nvSpPr>
+        <p:spPr>
+          <a:xfrm>
+            <a:off x="838200" y="2019299"/>
+            <a:ext cx="10515600" cy="4157663"/>
+          </a:xfrm>
+        </p:spPr>
+        <p:txBody>
+          <a:bodyPr/>
+          <a:lstStyle/>
+          <a:p>
+            <a:r>
+              <a:rPr lang="en-US" dirty="0"/>
+              <a:t>Most important and lasting</a:t>
+            </a:r>
+          </a:p>
+          <a:p>
+            <a:pPr lvl="1"/>
+            <a:r>
+              <a:rPr lang="en-US" dirty="0"/>
+              <a:t>Ideas</a:t>
+            </a:r>
+          </a:p>
+          <a:p>
+            <a:pPr lvl="1"/>
+            <a:r>
+              <a:rPr lang="en-US" dirty="0"/>
+              <a:t>Fundamental concepts</a:t>
+            </a:r>
+          </a:p>
+          <a:p>
+            <a:pPr lvl="1"/>
+            <a:r>
+              <a:rPr lang="en-US" dirty="0"/>
+              <a:t>Understanding</a:t>
+            </a:r>
+          </a:p>
+          <a:p>
+            <a:pPr lvl="1"/>
+            <a:r>
+              <a:rPr lang="en-US" dirty="0"/>
+              <a:t>Ability to learn</a:t>
+            </a:r>
+          </a:p>
+          <a:p>
+            <a:pPr lvl="1"/>
+            <a:r>
+              <a:rPr lang="en-US" dirty="0"/>
+              <a:t>Attitudes</a:t>
+            </a:r>
+          </a:p>
+          <a:p>
+            <a:r>
+              <a:rPr lang="en-US" dirty="0"/>
+              <a:t>Most expedient</a:t>
+            </a:r>
+          </a:p>
+          <a:p>
+            <a:pPr lvl="1"/>
+            <a:r>
+              <a:rPr lang="en-US" dirty="0"/>
+              <a:t>Training in Language X and API Y</a:t>
+            </a:r>
+          </a:p>
+          <a:p>
+            <a:pPr lvl="1"/>
+            <a:r>
+              <a:rPr lang="en-US" dirty="0"/>
+              <a:t>Industrial relevance (“training in last year’s technology”)</a:t>
+            </a:r>
+          </a:p>
+          <a:p>
+            <a:pPr lvl="1"/>
+            <a:r>
+              <a:rPr lang="en-US" dirty="0"/>
+              <a:t>Prepare for a successful 10-year career</a:t>
+            </a:r>
+          </a:p>
+        </p:txBody>
+      </p:sp>
+      <p:sp>
+        <p:nvSpPr>
+          <p:cNvPr id="4" name="Slide Number Placeholder 3">
+            <a:extLst>
+              <a:ext uri="{FF2B5EF4-FFF2-40B4-BE49-F238E27FC236}">
+                <a16:creationId xmlns:a16="http://schemas.microsoft.com/office/drawing/2014/main" id="{162BB9E3-116F-4602-B5A7-4220B9EC357F}"/>
+              </a:ext>
+            </a:extLst>
+          </p:cNvPr>
+          <p:cNvSpPr>
+            <a:spLocks noGrp="1"/>
+          </p:cNvSpPr>
+          <p:nvPr>
+            <p:ph type="sldNum" sz="quarter" idx="12"/>
+          </p:nvPr>
+        </p:nvSpPr>
         <p:spPr/>
         <p:txBody>
           <a:bodyPr/>
           <a:lstStyle/>
           <a:p>
-            <a:r>
-              <a:rPr lang="en-US" dirty="0"/>
-              <a:t>Focus on programming exercises</a:t>
-            </a:r>
-          </a:p>
-          <a:p>
-            <a:r>
-              <a:rPr lang="en-US" dirty="0"/>
-              <a:t>The important goal is for student to produce a working artifact</a:t>
-            </a:r>
-          </a:p>
-          <a:p>
-            <a:r>
-              <a:rPr lang="en-US" dirty="0" err="1"/>
-              <a:t>Assessnent</a:t>
-            </a:r>
-            <a:r>
-              <a:rPr lang="en-US" dirty="0"/>
-              <a:t>: deemphasis examinations, </a:t>
-            </a:r>
-            <a:r>
-              <a:rPr lang="en-US" dirty="0" err="1"/>
-              <a:t>emphasise</a:t>
-            </a:r>
-            <a:r>
-              <a:rPr lang="en-US" dirty="0"/>
-              <a:t> prevention of plagiarism</a:t>
-            </a:r>
+            <a:fld id="{72A0DAED-63F2-4DE8-BA3E-AD42A00CD13D}" type="slidenum">
+              <a:rPr lang="en-US" smtClean="0"/>
+              <a:t>4</a:t>
+            </a:fld>
+            <a:endParaRPr lang="en-US"/>
           </a:p>
         </p:txBody>
       </p:sp>
     </p:spTree>
     <p:extLst>
       <p:ext uri="{BB962C8B-B14F-4D97-AF65-F5344CB8AC3E}">
-        <p14:creationId xmlns:p14="http://schemas.microsoft.com/office/powerpoint/2010/main" val="1407892484"/>
+        <p14:creationId xmlns:p14="http://schemas.microsoft.com/office/powerpoint/2010/main" val="138256369"/>
       </p:ext>
     </p:extLst>
   </p:cSld>
@@ -3875,1084 +10612,775 @@
       </p:grpSpPr>
       <p:sp>
         <p:nvSpPr>
-          <p:cNvPr id="3" name="TextBox 2">
-            <a:extLst>
-              <a:ext uri="{FF2B5EF4-FFF2-40B4-BE49-F238E27FC236}">
-                <a16:creationId xmlns:a16="http://schemas.microsoft.com/office/drawing/2014/main" id="{1F29B024-D0F9-42AB-9A86-328A5EF0E4DD}"/>
-              </a:ext>
-            </a:extLst>
-          </p:cNvPr>
-          <p:cNvSpPr txBox="1"/>
-          <p:nvPr/>
-        </p:nvSpPr>
-        <p:spPr>
-          <a:xfrm>
-            <a:off x="4431569" y="965054"/>
-            <a:ext cx="2865095" cy="1200329"/>
-          </a:xfrm>
-          <a:prstGeom prst="rect">
-            <a:avLst/>
-          </a:prstGeom>
-          <a:noFill/>
-          <a:ln>
-            <a:noFill/>
-          </a:ln>
-        </p:spPr>
-        <p:txBody>
-          <a:bodyPr wrap="square" rtlCol="0">
-            <a:spAutoFit/>
+          <p:cNvPr id="2" name="Title 1">
+            <a:extLst>
+              <a:ext uri="{FF2B5EF4-FFF2-40B4-BE49-F238E27FC236}">
+                <a16:creationId xmlns:a16="http://schemas.microsoft.com/office/drawing/2014/main" id="{1980917D-186A-4D2B-947C-8FB04B70F9AF}"/>
+              </a:ext>
+            </a:extLst>
+          </p:cNvPr>
+          <p:cNvSpPr>
+            <a:spLocks noGrp="1"/>
+          </p:cNvSpPr>
+          <p:nvPr>
+            <p:ph type="title"/>
+          </p:nvPr>
+        </p:nvSpPr>
+        <p:spPr/>
+        <p:txBody>
+          <a:bodyPr/>
+          <a:lstStyle/>
+          <a:p>
+            <a:r>
+              <a:rPr lang="en-GB" dirty="0"/>
+              <a:t>Attitudes are important!</a:t>
+            </a:r>
+            <a:endParaRPr lang="en-US" dirty="0"/>
+          </a:p>
+        </p:txBody>
+      </p:sp>
+      <p:sp>
+        <p:nvSpPr>
+          <p:cNvPr id="3" name="Content Placeholder 2">
+            <a:extLst>
+              <a:ext uri="{FF2B5EF4-FFF2-40B4-BE49-F238E27FC236}">
+                <a16:creationId xmlns:a16="http://schemas.microsoft.com/office/drawing/2014/main" id="{E93B89EF-6246-4112-9DD8-2239E35C8714}"/>
+              </a:ext>
+            </a:extLst>
+          </p:cNvPr>
+          <p:cNvSpPr>
+            <a:spLocks noGrp="1"/>
+          </p:cNvSpPr>
+          <p:nvPr>
+            <p:ph idx="1"/>
+          </p:nvPr>
+        </p:nvSpPr>
+        <p:spPr/>
+        <p:txBody>
+          <a:bodyPr>
+            <a:normAutofit/>
           </a:bodyPr>
           <a:lstStyle/>
           <a:p>
             <a:r>
-              <a:rPr lang="en-US" dirty="0"/>
-              <a:t>Add, sub, </a:t>
-            </a:r>
-            <a:r>
-              <a:rPr lang="en-US" dirty="0" err="1"/>
-              <a:t>mul</a:t>
-            </a:r>
-            <a:r>
-              <a:rPr lang="en-US" dirty="0"/>
-              <a:t>, div, lea, load, store, trap, </a:t>
-            </a:r>
-            <a:r>
-              <a:rPr lang="en-US" dirty="0" err="1"/>
-              <a:t>cmplt</a:t>
-            </a:r>
-            <a:r>
-              <a:rPr lang="en-US" dirty="0"/>
-              <a:t>, </a:t>
-            </a:r>
-            <a:r>
-              <a:rPr lang="en-US" dirty="0" err="1"/>
-              <a:t>cmpeq</a:t>
-            </a:r>
-            <a:r>
-              <a:rPr lang="en-US" dirty="0"/>
-              <a:t>, </a:t>
-            </a:r>
-            <a:r>
-              <a:rPr lang="en-US" dirty="0" err="1"/>
-              <a:t>cmpgt</a:t>
-            </a:r>
-            <a:r>
-              <a:rPr lang="en-US" dirty="0"/>
-              <a:t>, </a:t>
-            </a:r>
-            <a:r>
-              <a:rPr lang="en-US" dirty="0" err="1"/>
-              <a:t>jumpf</a:t>
-            </a:r>
-            <a:r>
-              <a:rPr lang="en-US" dirty="0"/>
-              <a:t>, </a:t>
-            </a:r>
-            <a:r>
-              <a:rPr lang="en-US" dirty="0" err="1"/>
-              <a:t>jumpt</a:t>
-            </a:r>
-            <a:r>
-              <a:rPr lang="en-US" dirty="0"/>
-              <a:t>, </a:t>
-            </a:r>
-            <a:r>
-              <a:rPr lang="en-US" dirty="0" err="1"/>
-              <a:t>jal</a:t>
-            </a:r>
-            <a:r>
-              <a:rPr lang="en-US" dirty="0"/>
-              <a:t>, data</a:t>
-            </a:r>
-          </a:p>
-        </p:txBody>
-      </p:sp>
-      <p:sp>
-        <p:nvSpPr>
-          <p:cNvPr id="4" name="TextBox 3">
-            <a:extLst>
-              <a:ext uri="{FF2B5EF4-FFF2-40B4-BE49-F238E27FC236}">
-                <a16:creationId xmlns:a16="http://schemas.microsoft.com/office/drawing/2014/main" id="{8E7DE6B4-3942-4217-965F-D3A0AA3E70EF}"/>
-              </a:ext>
-            </a:extLst>
-          </p:cNvPr>
-          <p:cNvSpPr txBox="1"/>
-          <p:nvPr/>
-        </p:nvSpPr>
-        <p:spPr>
-          <a:xfrm>
-            <a:off x="2091090" y="972546"/>
-            <a:ext cx="1968798" cy="1200329"/>
-          </a:xfrm>
-          <a:prstGeom prst="rect">
-            <a:avLst/>
-          </a:prstGeom>
-          <a:noFill/>
-          <a:ln>
-            <a:noFill/>
-          </a:ln>
-        </p:spPr>
-        <p:txBody>
-          <a:bodyPr wrap="square" rtlCol="0">
-            <a:spAutoFit/>
-          </a:bodyPr>
-          <a:lstStyle>
-            <a:defPPr>
-              <a:defRPr lang="en-US"/>
-            </a:defPPr>
-          </a:lstStyle>
-          <a:p>
-            <a:r>
-              <a:rPr lang="en-US" dirty="0"/>
-              <a:t>register file</a:t>
-            </a:r>
-            <a:br>
-              <a:rPr lang="en-US" dirty="0"/>
-            </a:br>
-            <a:r>
-              <a:rPr lang="en-US" dirty="0"/>
-              <a:t>memory,</a:t>
-            </a:r>
-            <a:br>
-              <a:rPr lang="en-US" dirty="0"/>
-            </a:br>
-            <a:r>
-              <a:rPr lang="en-US" dirty="0"/>
-              <a:t>input/output,</a:t>
-            </a:r>
-            <a:br>
-              <a:rPr lang="en-US" dirty="0"/>
-            </a:br>
-            <a:r>
-              <a:rPr lang="en-US" dirty="0"/>
-              <a:t>pc, </a:t>
-            </a:r>
-            <a:r>
-              <a:rPr lang="en-US" dirty="0" err="1"/>
-              <a:t>ir</a:t>
-            </a:r>
-            <a:r>
-              <a:rPr lang="en-US" dirty="0"/>
-              <a:t>, </a:t>
-            </a:r>
-            <a:r>
-              <a:rPr lang="en-US" dirty="0" err="1"/>
-              <a:t>adr</a:t>
-            </a:r>
-            <a:endParaRPr lang="en-US" dirty="0"/>
-          </a:p>
-        </p:txBody>
-      </p:sp>
-      <p:sp>
-        <p:nvSpPr>
-          <p:cNvPr id="5" name="TextBox 4">
-            <a:extLst>
-              <a:ext uri="{FF2B5EF4-FFF2-40B4-BE49-F238E27FC236}">
-                <a16:creationId xmlns:a16="http://schemas.microsoft.com/office/drawing/2014/main" id="{8C21AC9B-920B-428C-933A-ECCC197AAA6C}"/>
-              </a:ext>
-            </a:extLst>
-          </p:cNvPr>
-          <p:cNvSpPr txBox="1"/>
-          <p:nvPr/>
-        </p:nvSpPr>
-        <p:spPr>
-          <a:xfrm>
-            <a:off x="7668345" y="954283"/>
-            <a:ext cx="3878612" cy="1200329"/>
-          </a:xfrm>
-          <a:prstGeom prst="rect">
-            <a:avLst/>
-          </a:prstGeom>
-          <a:noFill/>
-          <a:ln>
-            <a:noFill/>
-          </a:ln>
-        </p:spPr>
-        <p:txBody>
-          <a:bodyPr wrap="square" rtlCol="0">
-            <a:spAutoFit/>
-          </a:bodyPr>
-          <a:lstStyle>
-            <a:defPPr>
-              <a:defRPr lang="en-US"/>
-            </a:defPPr>
-          </a:lstStyle>
-          <a:p>
-            <a:r>
-              <a:rPr lang="en-US" dirty="0"/>
-              <a:t>machine language, translation from higher level language, :=, if-then-else, while, for, arrays, call &amp; return, instruction execution, static vars</a:t>
-            </a:r>
-          </a:p>
-        </p:txBody>
-      </p:sp>
-      <p:sp>
-        <p:nvSpPr>
-          <p:cNvPr id="6" name="TextBox 5">
-            <a:extLst>
-              <a:ext uri="{FF2B5EF4-FFF2-40B4-BE49-F238E27FC236}">
-                <a16:creationId xmlns:a16="http://schemas.microsoft.com/office/drawing/2014/main" id="{847C043C-12D8-4E61-8EA2-07E3D96EA43E}"/>
-              </a:ext>
-            </a:extLst>
-          </p:cNvPr>
-          <p:cNvSpPr txBox="1"/>
-          <p:nvPr/>
-        </p:nvSpPr>
-        <p:spPr>
-          <a:xfrm>
-            <a:off x="3962399" y="2604914"/>
-            <a:ext cx="3792279" cy="1200329"/>
-          </a:xfrm>
-          <a:prstGeom prst="rect">
-            <a:avLst/>
-          </a:prstGeom>
-          <a:noFill/>
-          <a:ln>
-            <a:noFill/>
-          </a:ln>
-        </p:spPr>
-        <p:txBody>
-          <a:bodyPr wrap="square" rtlCol="0">
-            <a:spAutoFit/>
-          </a:bodyPr>
-          <a:lstStyle/>
-          <a:p>
-            <a:r>
-              <a:rPr lang="en-US" dirty="0" err="1"/>
-              <a:t>cmp</a:t>
-            </a:r>
-            <a:r>
-              <a:rPr lang="en-US" dirty="0"/>
-              <a:t>, jumpc0 jumpc1, save, restore, push, pop, top, inv, and, or, </a:t>
-            </a:r>
-            <a:r>
-              <a:rPr lang="en-US" dirty="0" err="1"/>
-              <a:t>xor</a:t>
-            </a:r>
-            <a:r>
-              <a:rPr lang="en-US" dirty="0"/>
-              <a:t>, </a:t>
-            </a:r>
-            <a:r>
-              <a:rPr lang="en-US" dirty="0" err="1"/>
-              <a:t>shiftl</a:t>
-            </a:r>
-            <a:r>
-              <a:rPr lang="en-US" dirty="0"/>
-              <a:t>, </a:t>
-            </a:r>
-            <a:r>
-              <a:rPr lang="en-US" dirty="0" err="1"/>
-              <a:t>shiftr</a:t>
-            </a:r>
-            <a:r>
-              <a:rPr lang="en-US" dirty="0"/>
-              <a:t>, </a:t>
-            </a:r>
-            <a:r>
-              <a:rPr lang="en-US" dirty="0" err="1"/>
-              <a:t>getbit</a:t>
-            </a:r>
-            <a:r>
-              <a:rPr lang="en-US" dirty="0"/>
-              <a:t>, </a:t>
-            </a:r>
-            <a:r>
-              <a:rPr lang="en-US" dirty="0" err="1"/>
-              <a:t>getbiti</a:t>
-            </a:r>
-            <a:r>
-              <a:rPr lang="en-US" dirty="0"/>
-              <a:t>, </a:t>
-            </a:r>
-            <a:r>
-              <a:rPr lang="en-US" dirty="0" err="1"/>
-              <a:t>putbit</a:t>
-            </a:r>
-            <a:r>
-              <a:rPr lang="en-US" dirty="0"/>
-              <a:t>, </a:t>
-            </a:r>
-            <a:r>
-              <a:rPr lang="en-US" dirty="0" err="1"/>
-              <a:t>putbiti</a:t>
-            </a:r>
-            <a:r>
-              <a:rPr lang="en-US" dirty="0"/>
-              <a:t>, extract, execute</a:t>
-            </a:r>
-          </a:p>
-        </p:txBody>
-      </p:sp>
-      <p:sp>
-        <p:nvSpPr>
-          <p:cNvPr id="7" name="TextBox 6">
-            <a:extLst>
-              <a:ext uri="{FF2B5EF4-FFF2-40B4-BE49-F238E27FC236}">
-                <a16:creationId xmlns:a16="http://schemas.microsoft.com/office/drawing/2014/main" id="{0A158080-308E-4153-B30D-E608BB4BAB53}"/>
-              </a:ext>
-            </a:extLst>
-          </p:cNvPr>
-          <p:cNvSpPr txBox="1"/>
-          <p:nvPr/>
-        </p:nvSpPr>
-        <p:spPr>
-          <a:xfrm>
-            <a:off x="5139966" y="5608372"/>
-            <a:ext cx="1854492" cy="646331"/>
-          </a:xfrm>
-          <a:prstGeom prst="rect">
-            <a:avLst/>
-          </a:prstGeom>
-          <a:noFill/>
-          <a:ln>
-            <a:noFill/>
-          </a:ln>
-        </p:spPr>
-        <p:txBody>
-          <a:bodyPr wrap="square" rtlCol="0">
-            <a:spAutoFit/>
-          </a:bodyPr>
-          <a:lstStyle>
-            <a:defPPr>
-              <a:defRPr lang="en-US"/>
-            </a:defPPr>
-          </a:lstStyle>
-          <a:p>
-            <a:r>
-              <a:rPr lang="en-US" dirty="0" err="1"/>
-              <a:t>getctl</a:t>
-            </a:r>
-            <a:r>
-              <a:rPr lang="en-US" dirty="0"/>
-              <a:t>, </a:t>
-            </a:r>
-            <a:r>
-              <a:rPr lang="en-US" dirty="0" err="1"/>
-              <a:t>putctl</a:t>
-            </a:r>
-            <a:r>
-              <a:rPr lang="en-US" dirty="0"/>
-              <a:t>, </a:t>
-            </a:r>
-            <a:r>
-              <a:rPr lang="en-US" dirty="0" err="1"/>
-              <a:t>rfi</a:t>
-            </a:r>
-            <a:br>
-              <a:rPr lang="en-US" dirty="0"/>
-            </a:br>
-            <a:r>
-              <a:rPr lang="en-US" dirty="0" err="1"/>
-              <a:t>testset</a:t>
-            </a:r>
-            <a:endParaRPr lang="en-US" dirty="0"/>
-          </a:p>
-        </p:txBody>
-      </p:sp>
-      <p:sp>
-        <p:nvSpPr>
-          <p:cNvPr id="8" name="TextBox 7">
-            <a:extLst>
-              <a:ext uri="{FF2B5EF4-FFF2-40B4-BE49-F238E27FC236}">
-                <a16:creationId xmlns:a16="http://schemas.microsoft.com/office/drawing/2014/main" id="{2BF2E503-6F41-49BF-98CD-2D45C3B924F4}"/>
-              </a:ext>
-            </a:extLst>
-          </p:cNvPr>
-          <p:cNvSpPr txBox="1"/>
-          <p:nvPr/>
-        </p:nvSpPr>
-        <p:spPr>
-          <a:xfrm>
-            <a:off x="1758043" y="5623504"/>
-            <a:ext cx="2838006" cy="923330"/>
-          </a:xfrm>
-          <a:prstGeom prst="rect">
-            <a:avLst/>
-          </a:prstGeom>
-          <a:noFill/>
-          <a:ln>
-            <a:noFill/>
-          </a:ln>
-        </p:spPr>
-        <p:txBody>
-          <a:bodyPr wrap="square" rtlCol="0">
-            <a:spAutoFit/>
-          </a:bodyPr>
-          <a:lstStyle/>
-          <a:p>
-            <a:r>
-              <a:rPr lang="en-US" dirty="0"/>
-              <a:t>status, </a:t>
-            </a:r>
-            <a:r>
-              <a:rPr lang="en-US" dirty="0" err="1"/>
-              <a:t>mask,req</a:t>
-            </a:r>
-            <a:r>
-              <a:rPr lang="en-US" dirty="0"/>
-              <a:t>, </a:t>
-            </a:r>
-            <a:r>
-              <a:rPr lang="en-US" dirty="0" err="1"/>
-              <a:t>istat</a:t>
-            </a:r>
-            <a:r>
-              <a:rPr lang="en-US" dirty="0"/>
-              <a:t>, </a:t>
-            </a:r>
-            <a:r>
-              <a:rPr lang="en-US" dirty="0" err="1"/>
-              <a:t>ipc</a:t>
-            </a:r>
-            <a:r>
-              <a:rPr lang="en-US" dirty="0"/>
-              <a:t>, </a:t>
-            </a:r>
-            <a:r>
-              <a:rPr lang="en-US" dirty="0" err="1"/>
-              <a:t>bpseg</a:t>
-            </a:r>
-            <a:r>
-              <a:rPr lang="en-US" dirty="0"/>
-              <a:t>, </a:t>
-            </a:r>
-            <a:r>
-              <a:rPr lang="en-US" dirty="0" err="1"/>
-              <a:t>epseg</a:t>
-            </a:r>
-            <a:r>
-              <a:rPr lang="en-US" dirty="0"/>
-              <a:t>, </a:t>
-            </a:r>
-            <a:r>
-              <a:rPr lang="en-US" dirty="0" err="1"/>
-              <a:t>bdseg</a:t>
-            </a:r>
-            <a:r>
-              <a:rPr lang="en-US" dirty="0"/>
-              <a:t>, </a:t>
-            </a:r>
-            <a:r>
-              <a:rPr lang="en-US" dirty="0" err="1"/>
-              <a:t>dseg</a:t>
-            </a:r>
-            <a:r>
-              <a:rPr lang="en-US" dirty="0"/>
-              <a:t>, privilege</a:t>
-            </a:r>
-          </a:p>
-        </p:txBody>
-      </p:sp>
-      <p:sp>
-        <p:nvSpPr>
-          <p:cNvPr id="9" name="TextBox 8">
-            <a:extLst>
-              <a:ext uri="{FF2B5EF4-FFF2-40B4-BE49-F238E27FC236}">
-                <a16:creationId xmlns:a16="http://schemas.microsoft.com/office/drawing/2014/main" id="{D9AF82EF-6732-4075-8AC9-56614E635451}"/>
-              </a:ext>
-            </a:extLst>
-          </p:cNvPr>
-          <p:cNvSpPr txBox="1"/>
-          <p:nvPr/>
-        </p:nvSpPr>
-        <p:spPr>
-          <a:xfrm>
-            <a:off x="8009473" y="2540366"/>
-            <a:ext cx="3479320" cy="1200329"/>
-          </a:xfrm>
-          <a:prstGeom prst="rect">
-            <a:avLst/>
-          </a:prstGeom>
-          <a:noFill/>
-          <a:ln>
-            <a:noFill/>
-          </a:ln>
-        </p:spPr>
-        <p:txBody>
-          <a:bodyPr wrap="square" rtlCol="0">
-            <a:spAutoFit/>
-          </a:bodyPr>
-          <a:lstStyle>
-            <a:defPPr>
-              <a:defRPr lang="en-US"/>
-            </a:defPPr>
-          </a:lstStyle>
-          <a:p>
-            <a:r>
-              <a:rPr lang="en-US" dirty="0"/>
-              <a:t>bit manipulation, pointers, records, stacks, linked lists, trees, calling conventions, activation records, advanced arithmetic</a:t>
-            </a:r>
-          </a:p>
-        </p:txBody>
-      </p:sp>
-      <p:sp>
-        <p:nvSpPr>
-          <p:cNvPr id="10" name="TextBox 9">
-            <a:extLst>
-              <a:ext uri="{FF2B5EF4-FFF2-40B4-BE49-F238E27FC236}">
-                <a16:creationId xmlns:a16="http://schemas.microsoft.com/office/drawing/2014/main" id="{480E6EDE-604F-4B64-845C-47D186657D1B}"/>
-              </a:ext>
-            </a:extLst>
-          </p:cNvPr>
-          <p:cNvSpPr txBox="1"/>
-          <p:nvPr/>
-        </p:nvSpPr>
-        <p:spPr>
-          <a:xfrm>
-            <a:off x="8229601" y="5373304"/>
-            <a:ext cx="3559628" cy="1200329"/>
-          </a:xfrm>
-          <a:prstGeom prst="rect">
-            <a:avLst/>
-          </a:prstGeom>
-          <a:noFill/>
-          <a:ln>
-            <a:noFill/>
-          </a:ln>
-        </p:spPr>
-        <p:txBody>
-          <a:bodyPr wrap="square" rtlCol="0">
-            <a:spAutoFit/>
-          </a:bodyPr>
-          <a:lstStyle/>
-          <a:p>
-            <a:r>
-              <a:rPr lang="en-US" dirty="0"/>
-              <a:t>privilege, interrupts, exceptions, address translation, memory protection, OS kernel, processes, concurrency, mutual exclusion</a:t>
-            </a:r>
-          </a:p>
-        </p:txBody>
-      </p:sp>
-      <p:sp>
-        <p:nvSpPr>
-          <p:cNvPr id="12" name="TextBox 11">
-            <a:extLst>
-              <a:ext uri="{FF2B5EF4-FFF2-40B4-BE49-F238E27FC236}">
-                <a16:creationId xmlns:a16="http://schemas.microsoft.com/office/drawing/2014/main" id="{E5D13878-7563-48D6-9054-0E87443FC356}"/>
-              </a:ext>
-            </a:extLst>
-          </p:cNvPr>
-          <p:cNvSpPr txBox="1"/>
-          <p:nvPr/>
-        </p:nvSpPr>
-        <p:spPr>
-          <a:xfrm>
-            <a:off x="4280761" y="4265016"/>
-            <a:ext cx="2679766" cy="646331"/>
-          </a:xfrm>
-          <a:prstGeom prst="rect">
-            <a:avLst/>
-          </a:prstGeom>
-          <a:noFill/>
-        </p:spPr>
-        <p:txBody>
-          <a:bodyPr wrap="square" rtlCol="0">
-            <a:spAutoFit/>
-          </a:bodyPr>
-          <a:lstStyle/>
-          <a:p>
-            <a:r>
-              <a:rPr lang="en-US" dirty="0"/>
-              <a:t>branch, module, Import, export, org, </a:t>
-            </a:r>
-            <a:r>
-              <a:rPr lang="en-US" dirty="0" err="1"/>
-              <a:t>equ</a:t>
-            </a:r>
-            <a:r>
-              <a:rPr lang="en-US" dirty="0"/>
-              <a:t>, relocate</a:t>
-            </a:r>
-          </a:p>
-        </p:txBody>
-      </p:sp>
-      <p:sp>
-        <p:nvSpPr>
-          <p:cNvPr id="13" name="TextBox 12">
-            <a:extLst>
-              <a:ext uri="{FF2B5EF4-FFF2-40B4-BE49-F238E27FC236}">
-                <a16:creationId xmlns:a16="http://schemas.microsoft.com/office/drawing/2014/main" id="{0C542BC5-F694-48E0-8507-094701BF77BB}"/>
-              </a:ext>
-            </a:extLst>
-          </p:cNvPr>
-          <p:cNvSpPr txBox="1"/>
-          <p:nvPr/>
-        </p:nvSpPr>
-        <p:spPr>
-          <a:xfrm>
-            <a:off x="8229600" y="4058334"/>
-            <a:ext cx="3317357" cy="923330"/>
-          </a:xfrm>
-          <a:prstGeom prst="rect">
-            <a:avLst/>
-          </a:prstGeom>
-          <a:noFill/>
-        </p:spPr>
-        <p:txBody>
-          <a:bodyPr wrap="square" rtlCol="0">
-            <a:spAutoFit/>
-          </a:bodyPr>
-          <a:lstStyle/>
-          <a:p>
-            <a:r>
-              <a:rPr lang="en-US" dirty="0"/>
-              <a:t>assembly &amp; linking, fixed &amp; relocatable constants, relocation, position independence, reentrant</a:t>
-            </a:r>
-          </a:p>
-        </p:txBody>
-      </p:sp>
-      <p:sp>
-        <p:nvSpPr>
-          <p:cNvPr id="14" name="TextBox 13">
-            <a:extLst>
-              <a:ext uri="{FF2B5EF4-FFF2-40B4-BE49-F238E27FC236}">
-                <a16:creationId xmlns:a16="http://schemas.microsoft.com/office/drawing/2014/main" id="{512CF53B-8131-40A3-9724-C894DB20C9FC}"/>
-              </a:ext>
-            </a:extLst>
-          </p:cNvPr>
-          <p:cNvSpPr txBox="1"/>
-          <p:nvPr/>
-        </p:nvSpPr>
-        <p:spPr>
-          <a:xfrm>
-            <a:off x="2072537" y="311166"/>
-            <a:ext cx="1752600" cy="400110"/>
-          </a:xfrm>
-          <a:prstGeom prst="rect">
-            <a:avLst/>
-          </a:prstGeom>
-          <a:noFill/>
-        </p:spPr>
-        <p:txBody>
-          <a:bodyPr wrap="square" rtlCol="0">
-            <a:spAutoFit/>
-          </a:bodyPr>
-          <a:lstStyle/>
-          <a:p>
-            <a:pPr algn="ctr"/>
-            <a:r>
-              <a:rPr lang="en-US" sz="2000" b="1" dirty="0"/>
-              <a:t>Subsystems</a:t>
-            </a:r>
-          </a:p>
-        </p:txBody>
-      </p:sp>
-      <p:sp>
-        <p:nvSpPr>
-          <p:cNvPr id="15" name="TextBox 14">
-            <a:extLst>
-              <a:ext uri="{FF2B5EF4-FFF2-40B4-BE49-F238E27FC236}">
-                <a16:creationId xmlns:a16="http://schemas.microsoft.com/office/drawing/2014/main" id="{53A4E0FE-8DF2-4CFE-9200-F1714AB410BB}"/>
-              </a:ext>
-            </a:extLst>
-          </p:cNvPr>
-          <p:cNvSpPr txBox="1"/>
-          <p:nvPr/>
-        </p:nvSpPr>
-        <p:spPr>
-          <a:xfrm>
-            <a:off x="4263666" y="253715"/>
-            <a:ext cx="1752600" cy="400110"/>
-          </a:xfrm>
-          <a:prstGeom prst="rect">
-            <a:avLst/>
-          </a:prstGeom>
-          <a:noFill/>
-        </p:spPr>
-        <p:txBody>
-          <a:bodyPr wrap="square" rtlCol="0">
-            <a:spAutoFit/>
-          </a:bodyPr>
-          <a:lstStyle/>
-          <a:p>
-            <a:pPr algn="ctr"/>
-            <a:r>
-              <a:rPr lang="en-US" sz="2000" b="1" dirty="0"/>
-              <a:t>Instructions</a:t>
-            </a:r>
-          </a:p>
-        </p:txBody>
-      </p:sp>
-      <p:sp>
-        <p:nvSpPr>
-          <p:cNvPr id="16" name="TextBox 15">
-            <a:extLst>
-              <a:ext uri="{FF2B5EF4-FFF2-40B4-BE49-F238E27FC236}">
-                <a16:creationId xmlns:a16="http://schemas.microsoft.com/office/drawing/2014/main" id="{84308CAA-A22D-4A6C-B6E4-CC78827194CC}"/>
-              </a:ext>
-            </a:extLst>
-          </p:cNvPr>
-          <p:cNvSpPr txBox="1"/>
-          <p:nvPr/>
-        </p:nvSpPr>
-        <p:spPr>
-          <a:xfrm>
-            <a:off x="8009473" y="231315"/>
-            <a:ext cx="1752600" cy="400110"/>
-          </a:xfrm>
-          <a:prstGeom prst="rect">
-            <a:avLst/>
-          </a:prstGeom>
-          <a:noFill/>
-        </p:spPr>
-        <p:txBody>
-          <a:bodyPr wrap="square" rtlCol="0">
-            <a:spAutoFit/>
-          </a:bodyPr>
-          <a:lstStyle/>
-          <a:p>
-            <a:pPr algn="ctr"/>
-            <a:r>
-              <a:rPr lang="en-US" sz="2000" b="1" dirty="0"/>
-              <a:t>Concepts</a:t>
-            </a:r>
-          </a:p>
-        </p:txBody>
-      </p:sp>
-      <p:sp>
-        <p:nvSpPr>
-          <p:cNvPr id="17" name="TextBox 16">
-            <a:extLst>
-              <a:ext uri="{FF2B5EF4-FFF2-40B4-BE49-F238E27FC236}">
-                <a16:creationId xmlns:a16="http://schemas.microsoft.com/office/drawing/2014/main" id="{4C615CF3-386D-4083-97C3-AF79A24099D5}"/>
-              </a:ext>
-            </a:extLst>
-          </p:cNvPr>
-          <p:cNvSpPr txBox="1"/>
-          <p:nvPr/>
-        </p:nvSpPr>
-        <p:spPr>
-          <a:xfrm>
-            <a:off x="1776625" y="4265015"/>
-            <a:ext cx="2185774" cy="646331"/>
-          </a:xfrm>
-          <a:prstGeom prst="rect">
-            <a:avLst/>
-          </a:prstGeom>
-          <a:noFill/>
-        </p:spPr>
-        <p:txBody>
-          <a:bodyPr wrap="square" rtlCol="0">
-            <a:spAutoFit/>
-          </a:bodyPr>
-          <a:lstStyle/>
-          <a:p>
-            <a:r>
-              <a:rPr lang="en-US" dirty="0"/>
-              <a:t>assembler, linker,</a:t>
-            </a:r>
-          </a:p>
-          <a:p>
-            <a:r>
-              <a:rPr lang="en-US" dirty="0"/>
-              <a:t>object code, </a:t>
-            </a:r>
-            <a:r>
-              <a:rPr lang="en-US" dirty="0" err="1"/>
-              <a:t>booter</a:t>
-            </a:r>
-            <a:endParaRPr lang="en-US" dirty="0"/>
-          </a:p>
-        </p:txBody>
-      </p:sp>
-      <p:sp>
-        <p:nvSpPr>
-          <p:cNvPr id="18" name="TextBox 17">
-            <a:extLst>
-              <a:ext uri="{FF2B5EF4-FFF2-40B4-BE49-F238E27FC236}">
-                <a16:creationId xmlns:a16="http://schemas.microsoft.com/office/drawing/2014/main" id="{2A98A3D0-C5D2-4E1C-8119-4445D8A75D7B}"/>
-              </a:ext>
-            </a:extLst>
-          </p:cNvPr>
-          <p:cNvSpPr txBox="1"/>
-          <p:nvPr/>
-        </p:nvSpPr>
-        <p:spPr>
-          <a:xfrm>
-            <a:off x="564499" y="1500210"/>
-            <a:ext cx="914400" cy="400110"/>
-          </a:xfrm>
-          <a:prstGeom prst="rect">
-            <a:avLst/>
-          </a:prstGeom>
-          <a:noFill/>
-        </p:spPr>
-        <p:txBody>
-          <a:bodyPr wrap="square" rtlCol="0">
-            <a:spAutoFit/>
-          </a:bodyPr>
-          <a:lstStyle/>
-          <a:p>
-            <a:r>
-              <a:rPr lang="en-US" sz="2000" b="1" dirty="0"/>
-              <a:t>Core</a:t>
-            </a:r>
-          </a:p>
-        </p:txBody>
-      </p:sp>
-      <p:sp>
-        <p:nvSpPr>
-          <p:cNvPr id="19" name="TextBox 18">
-            <a:extLst>
-              <a:ext uri="{FF2B5EF4-FFF2-40B4-BE49-F238E27FC236}">
-                <a16:creationId xmlns:a16="http://schemas.microsoft.com/office/drawing/2014/main" id="{619D2F96-0087-4603-B698-C457D56CA5C1}"/>
-              </a:ext>
-            </a:extLst>
-          </p:cNvPr>
-          <p:cNvSpPr txBox="1"/>
-          <p:nvPr/>
-        </p:nvSpPr>
-        <p:spPr>
-          <a:xfrm>
-            <a:off x="270334" y="2851135"/>
-            <a:ext cx="1748715" cy="707886"/>
-          </a:xfrm>
-          <a:prstGeom prst="rect">
-            <a:avLst/>
-          </a:prstGeom>
-          <a:noFill/>
-        </p:spPr>
-        <p:txBody>
-          <a:bodyPr wrap="square" rtlCol="0">
-            <a:spAutoFit/>
-          </a:bodyPr>
-          <a:lstStyle/>
-          <a:p>
-            <a:r>
-              <a:rPr lang="en-US" sz="2000" b="1" dirty="0"/>
-              <a:t>Further</a:t>
-            </a:r>
-            <a:br>
-              <a:rPr lang="en-US" sz="2000" b="1" dirty="0"/>
-            </a:br>
-            <a:r>
-              <a:rPr lang="en-US" sz="2000" b="1" dirty="0"/>
-              <a:t>programming</a:t>
-            </a:r>
-          </a:p>
-        </p:txBody>
-      </p:sp>
-      <p:sp>
-        <p:nvSpPr>
-          <p:cNvPr id="20" name="TextBox 19">
-            <a:extLst>
-              <a:ext uri="{FF2B5EF4-FFF2-40B4-BE49-F238E27FC236}">
-                <a16:creationId xmlns:a16="http://schemas.microsoft.com/office/drawing/2014/main" id="{1E6E1F65-3E10-458F-A6C6-BE330DD0F425}"/>
-              </a:ext>
-            </a:extLst>
-          </p:cNvPr>
-          <p:cNvSpPr txBox="1"/>
-          <p:nvPr/>
-        </p:nvSpPr>
-        <p:spPr>
-          <a:xfrm>
-            <a:off x="239486" y="4480214"/>
-            <a:ext cx="1277513" cy="400110"/>
-          </a:xfrm>
-          <a:prstGeom prst="rect">
-            <a:avLst/>
-          </a:prstGeom>
-          <a:noFill/>
-        </p:spPr>
-        <p:txBody>
-          <a:bodyPr wrap="square" rtlCol="0">
-            <a:spAutoFit/>
-          </a:bodyPr>
-          <a:lstStyle/>
-          <a:p>
-            <a:r>
-              <a:rPr lang="en-US" sz="2000" b="1" dirty="0"/>
-              <a:t>Advanced</a:t>
-            </a:r>
-          </a:p>
-        </p:txBody>
-      </p:sp>
-      <p:sp>
-        <p:nvSpPr>
-          <p:cNvPr id="21" name="TextBox 20">
-            <a:extLst>
-              <a:ext uri="{FF2B5EF4-FFF2-40B4-BE49-F238E27FC236}">
-                <a16:creationId xmlns:a16="http://schemas.microsoft.com/office/drawing/2014/main" id="{01A915EE-008E-4177-B85B-6EE35FA829BD}"/>
-              </a:ext>
-            </a:extLst>
-          </p:cNvPr>
-          <p:cNvSpPr txBox="1"/>
-          <p:nvPr/>
-        </p:nvSpPr>
-        <p:spPr>
-          <a:xfrm>
-            <a:off x="310243" y="5731483"/>
-            <a:ext cx="1109713" cy="400110"/>
-          </a:xfrm>
-          <a:prstGeom prst="rect">
-            <a:avLst/>
-          </a:prstGeom>
-          <a:noFill/>
-        </p:spPr>
-        <p:txBody>
-          <a:bodyPr wrap="square" rtlCol="0">
-            <a:spAutoFit/>
-          </a:bodyPr>
-          <a:lstStyle/>
-          <a:p>
-            <a:r>
-              <a:rPr lang="en-US" sz="2000" b="1" dirty="0"/>
-              <a:t>Systems</a:t>
-            </a:r>
-          </a:p>
-        </p:txBody>
-      </p:sp>
-      <p:cxnSp>
-        <p:nvCxnSpPr>
-          <p:cNvPr id="25" name="Straight Connector 24">
-            <a:extLst>
-              <a:ext uri="{FF2B5EF4-FFF2-40B4-BE49-F238E27FC236}">
-                <a16:creationId xmlns:a16="http://schemas.microsoft.com/office/drawing/2014/main" id="{C1531FD8-5FC3-4C99-AFDC-937A0B60EC9D}"/>
-              </a:ext>
-            </a:extLst>
-          </p:cNvPr>
-          <p:cNvCxnSpPr/>
-          <p:nvPr/>
-        </p:nvCxnSpPr>
-        <p:spPr>
-          <a:xfrm>
-            <a:off x="126133" y="2392641"/>
-            <a:ext cx="11362660" cy="0"/>
-          </a:xfrm>
-          <a:prstGeom prst="line">
-            <a:avLst/>
-          </a:prstGeom>
-        </p:spPr>
-        <p:style>
-          <a:lnRef idx="1">
-            <a:schemeClr val="accent1"/>
-          </a:lnRef>
-          <a:fillRef idx="0">
-            <a:schemeClr val="accent1"/>
-          </a:fillRef>
-          <a:effectRef idx="0">
-            <a:schemeClr val="accent1"/>
-          </a:effectRef>
-          <a:fontRef idx="minor">
-            <a:schemeClr val="tx1"/>
-          </a:fontRef>
-        </p:style>
-      </p:cxnSp>
-      <p:cxnSp>
-        <p:nvCxnSpPr>
-          <p:cNvPr id="26" name="Straight Connector 25">
-            <a:extLst>
-              <a:ext uri="{FF2B5EF4-FFF2-40B4-BE49-F238E27FC236}">
-                <a16:creationId xmlns:a16="http://schemas.microsoft.com/office/drawing/2014/main" id="{388C3B23-0810-4F01-A666-B8D0492C550F}"/>
-              </a:ext>
-            </a:extLst>
-          </p:cNvPr>
-          <p:cNvCxnSpPr/>
-          <p:nvPr/>
-        </p:nvCxnSpPr>
-        <p:spPr>
-          <a:xfrm>
-            <a:off x="-16400" y="3932559"/>
-            <a:ext cx="11362660" cy="0"/>
-          </a:xfrm>
-          <a:prstGeom prst="line">
-            <a:avLst/>
-          </a:prstGeom>
-        </p:spPr>
-        <p:style>
-          <a:lnRef idx="1">
-            <a:schemeClr val="accent1"/>
-          </a:lnRef>
-          <a:fillRef idx="0">
-            <a:schemeClr val="accent1"/>
-          </a:fillRef>
-          <a:effectRef idx="0">
-            <a:schemeClr val="accent1"/>
-          </a:effectRef>
-          <a:fontRef idx="minor">
-            <a:schemeClr val="tx1"/>
-          </a:fontRef>
-        </p:style>
-      </p:cxnSp>
-      <p:cxnSp>
-        <p:nvCxnSpPr>
-          <p:cNvPr id="27" name="Straight Connector 26">
-            <a:extLst>
-              <a:ext uri="{FF2B5EF4-FFF2-40B4-BE49-F238E27FC236}">
-                <a16:creationId xmlns:a16="http://schemas.microsoft.com/office/drawing/2014/main" id="{B46572FF-18D5-4BE9-A718-A293CB0A61F1}"/>
-              </a:ext>
-            </a:extLst>
-          </p:cNvPr>
-          <p:cNvCxnSpPr/>
-          <p:nvPr/>
-        </p:nvCxnSpPr>
-        <p:spPr>
-          <a:xfrm>
-            <a:off x="3071" y="5183972"/>
-            <a:ext cx="11362660" cy="0"/>
-          </a:xfrm>
-          <a:prstGeom prst="line">
-            <a:avLst/>
-          </a:prstGeom>
-        </p:spPr>
-        <p:style>
-          <a:lnRef idx="1">
-            <a:schemeClr val="accent1"/>
-          </a:lnRef>
-          <a:fillRef idx="0">
-            <a:schemeClr val="accent1"/>
-          </a:fillRef>
-          <a:effectRef idx="0">
-            <a:schemeClr val="accent1"/>
-          </a:effectRef>
-          <a:fontRef idx="minor">
-            <a:schemeClr val="tx1"/>
-          </a:fontRef>
-        </p:style>
-      </p:cxnSp>
-      <p:sp>
-        <p:nvSpPr>
-          <p:cNvPr id="29" name="TextBox 28">
-            <a:extLst>
-              <a:ext uri="{FF2B5EF4-FFF2-40B4-BE49-F238E27FC236}">
-                <a16:creationId xmlns:a16="http://schemas.microsoft.com/office/drawing/2014/main" id="{6E7170E7-743C-4CD1-BA01-5228E88D7529}"/>
-              </a:ext>
-            </a:extLst>
-          </p:cNvPr>
-          <p:cNvSpPr txBox="1"/>
-          <p:nvPr/>
-        </p:nvSpPr>
-        <p:spPr>
-          <a:xfrm>
-            <a:off x="2045185" y="2835746"/>
-            <a:ext cx="1623695" cy="369332"/>
-          </a:xfrm>
-          <a:prstGeom prst="rect">
-            <a:avLst/>
-          </a:prstGeom>
-          <a:noFill/>
-        </p:spPr>
-        <p:txBody>
-          <a:bodyPr wrap="square" rtlCol="0">
-            <a:spAutoFit/>
-          </a:bodyPr>
-          <a:lstStyle/>
-          <a:p>
-            <a:r>
-              <a:rPr lang="en-US" dirty="0" err="1"/>
-              <a:t>condidion</a:t>
-            </a:r>
-            <a:r>
-              <a:rPr lang="en-US" dirty="0"/>
-              <a:t> code</a:t>
-            </a:r>
+              <a:rPr lang="en-GB" dirty="0"/>
+              <a:t>I just want to get the code for the exercise working</a:t>
+            </a:r>
+          </a:p>
+          <a:p>
+            <a:r>
+              <a:rPr lang="en-GB" dirty="0"/>
+              <a:t>The aim of the exercise is to provide an artefact to the lecturer</a:t>
+            </a:r>
+          </a:p>
+          <a:p>
+            <a:pPr lvl="1"/>
+            <a:r>
+              <a:rPr lang="en-GB" dirty="0"/>
+              <a:t>Who apparently really needs this software that I’m providing!</a:t>
+            </a:r>
+          </a:p>
+          <a:p>
+            <a:pPr lvl="1"/>
+            <a:r>
+              <a:rPr lang="en-GB" dirty="0"/>
+              <a:t>But it doesn’t matter whether I understand the code</a:t>
+            </a:r>
+          </a:p>
+          <a:p>
+            <a:r>
+              <a:rPr lang="en-GB" dirty="0"/>
+              <a:t>Program by snippets</a:t>
+            </a:r>
+          </a:p>
+          <a:p>
+            <a:pPr lvl="1"/>
+            <a:r>
+              <a:rPr lang="en-GB" dirty="0"/>
+              <a:t>Find a little part of the problem, do a Google search, copy and paste some code</a:t>
+            </a:r>
+          </a:p>
+          <a:p>
+            <a:r>
+              <a:rPr lang="en-GB" dirty="0"/>
+              <a:t>Correctness doesn’t matter; all that matters is passing the acceptance test</a:t>
+            </a:r>
+          </a:p>
+        </p:txBody>
+      </p:sp>
+      <p:sp>
+        <p:nvSpPr>
+          <p:cNvPr id="4" name="Slide Number Placeholder 3">
+            <a:extLst>
+              <a:ext uri="{FF2B5EF4-FFF2-40B4-BE49-F238E27FC236}">
+                <a16:creationId xmlns:a16="http://schemas.microsoft.com/office/drawing/2014/main" id="{92BE5B64-3711-4863-BF80-E41C97905DEE}"/>
+              </a:ext>
+            </a:extLst>
+          </p:cNvPr>
+          <p:cNvSpPr>
+            <a:spLocks noGrp="1"/>
+          </p:cNvSpPr>
+          <p:nvPr>
+            <p:ph type="sldNum" sz="quarter" idx="12"/>
+          </p:nvPr>
+        </p:nvSpPr>
+        <p:spPr/>
+        <p:txBody>
+          <a:bodyPr/>
+          <a:lstStyle/>
+          <a:p>
+            <a:fld id="{72A0DAED-63F2-4DE8-BA3E-AD42A00CD13D}" type="slidenum">
+              <a:rPr lang="en-US" smtClean="0"/>
+              <a:t>5</a:t>
+            </a:fld>
+            <a:endParaRPr lang="en-US"/>
           </a:p>
         </p:txBody>
       </p:sp>
     </p:spTree>
     <p:extLst>
       <p:ext uri="{BB962C8B-B14F-4D97-AF65-F5344CB8AC3E}">
-        <p14:creationId xmlns:p14="http://schemas.microsoft.com/office/powerpoint/2010/main" val="3509729431"/>
+        <p14:creationId xmlns:p14="http://schemas.microsoft.com/office/powerpoint/2010/main" val="3494744013"/>
+      </p:ext>
+    </p:extLst>
+  </p:cSld>
+  <p:clrMapOvr>
+    <a:masterClrMapping/>
+  </p:clrMapOvr>
+</p:sld>
+</file>
+
+<file path=ppt/slides/slide6.xml><?xml version="1.0" encoding="utf-8"?>
+<p:sld xmlns:a="http://schemas.openxmlformats.org/drawingml/2006/main" xmlns:r="http://schemas.openxmlformats.org/officeDocument/2006/relationships" xmlns:p="http://schemas.openxmlformats.org/presentationml/2006/main">
+  <p:cSld>
+    <p:spTree>
+      <p:nvGrpSpPr>
+        <p:cNvPr id="1" name=""/>
+        <p:cNvGrpSpPr/>
+        <p:nvPr/>
+      </p:nvGrpSpPr>
+      <p:grpSpPr>
+        <a:xfrm>
+          <a:off x="0" y="0"/>
+          <a:ext cx="0" cy="0"/>
+          <a:chOff x="0" y="0"/>
+          <a:chExt cx="0" cy="0"/>
+        </a:xfrm>
+      </p:grpSpPr>
+      <p:sp>
+        <p:nvSpPr>
+          <p:cNvPr id="2" name="Title 1">
+            <a:extLst>
+              <a:ext uri="{FF2B5EF4-FFF2-40B4-BE49-F238E27FC236}">
+                <a16:creationId xmlns:a16="http://schemas.microsoft.com/office/drawing/2014/main" id="{5A053C6F-E13E-4EB3-9871-3162D9061CC4}"/>
+              </a:ext>
+            </a:extLst>
+          </p:cNvPr>
+          <p:cNvSpPr>
+            <a:spLocks noGrp="1"/>
+          </p:cNvSpPr>
+          <p:nvPr>
+            <p:ph type="title"/>
+          </p:nvPr>
+        </p:nvSpPr>
+        <p:spPr/>
+        <p:txBody>
+          <a:bodyPr/>
+          <a:lstStyle/>
+          <a:p>
+            <a:r>
+              <a:rPr lang="en-GB" dirty="0"/>
+              <a:t>Are we teaching good attitudes?</a:t>
+            </a:r>
+            <a:endParaRPr lang="en-US" dirty="0"/>
+          </a:p>
+        </p:txBody>
+      </p:sp>
+      <p:sp>
+        <p:nvSpPr>
+          <p:cNvPr id="3" name="Content Placeholder 2">
+            <a:extLst>
+              <a:ext uri="{FF2B5EF4-FFF2-40B4-BE49-F238E27FC236}">
+                <a16:creationId xmlns:a16="http://schemas.microsoft.com/office/drawing/2014/main" id="{5077DDBF-3A4B-4A4A-909C-A15AC2F7971D}"/>
+              </a:ext>
+            </a:extLst>
+          </p:cNvPr>
+          <p:cNvSpPr>
+            <a:spLocks noGrp="1"/>
+          </p:cNvSpPr>
+          <p:nvPr>
+            <p:ph idx="1"/>
+          </p:nvPr>
+        </p:nvSpPr>
+        <p:spPr/>
+        <p:txBody>
+          <a:bodyPr/>
+          <a:lstStyle/>
+          <a:p>
+            <a:r>
+              <a:rPr lang="en-GB" dirty="0"/>
+              <a:t>Sometimes</a:t>
+            </a:r>
+          </a:p>
+          <a:p>
+            <a:pPr lvl="1"/>
+            <a:r>
+              <a:rPr lang="en-GB" dirty="0" err="1"/>
+              <a:t>Thinkathon</a:t>
+            </a:r>
+            <a:r>
+              <a:rPr lang="en-GB" dirty="0"/>
+              <a:t> is far better than hackathon</a:t>
+            </a:r>
+          </a:p>
+          <a:p>
+            <a:r>
+              <a:rPr lang="en-GB" dirty="0"/>
+              <a:t>But sometimes we seem to encourage the “google for snippets” approach</a:t>
+            </a:r>
+          </a:p>
+          <a:p>
+            <a:pPr lvl="1"/>
+            <a:r>
+              <a:rPr lang="en-GB" dirty="0"/>
+              <a:t>Emphasis on “getting it to work”</a:t>
+            </a:r>
+          </a:p>
+          <a:p>
+            <a:pPr lvl="1"/>
+            <a:r>
+              <a:rPr lang="en-GB" dirty="0"/>
+              <a:t>Stressing that plagiarism is unacceptable may send the wrong message</a:t>
+            </a:r>
+          </a:p>
+          <a:p>
+            <a:pPr lvl="2"/>
+            <a:r>
+              <a:rPr lang="en-GB" dirty="0"/>
+              <a:t>Maybe it’s better for students to help each other than to go off Googling for snippets</a:t>
+            </a:r>
+          </a:p>
+          <a:p>
+            <a:pPr lvl="1"/>
+            <a:r>
+              <a:rPr lang="en-GB" dirty="0"/>
+              <a:t>Using languages with very complex semantics (looking at you, Python!) invites frustration; it’s infeasible for students to understand fully what their code says</a:t>
+            </a:r>
+          </a:p>
+        </p:txBody>
+      </p:sp>
+      <p:sp>
+        <p:nvSpPr>
+          <p:cNvPr id="4" name="Slide Number Placeholder 3">
+            <a:extLst>
+              <a:ext uri="{FF2B5EF4-FFF2-40B4-BE49-F238E27FC236}">
+                <a16:creationId xmlns:a16="http://schemas.microsoft.com/office/drawing/2014/main" id="{3D2B33C1-98AF-4820-B206-887F8566D602}"/>
+              </a:ext>
+            </a:extLst>
+          </p:cNvPr>
+          <p:cNvSpPr>
+            <a:spLocks noGrp="1"/>
+          </p:cNvSpPr>
+          <p:nvPr>
+            <p:ph type="sldNum" sz="quarter" idx="12"/>
+          </p:nvPr>
+        </p:nvSpPr>
+        <p:spPr/>
+        <p:txBody>
+          <a:bodyPr/>
+          <a:lstStyle/>
+          <a:p>
+            <a:fld id="{72A0DAED-63F2-4DE8-BA3E-AD42A00CD13D}" type="slidenum">
+              <a:rPr lang="en-US" smtClean="0"/>
+              <a:t>6</a:t>
+            </a:fld>
+            <a:endParaRPr lang="en-US"/>
+          </a:p>
+        </p:txBody>
+      </p:sp>
+    </p:spTree>
+    <p:extLst>
+      <p:ext uri="{BB962C8B-B14F-4D97-AF65-F5344CB8AC3E}">
+        <p14:creationId xmlns:p14="http://schemas.microsoft.com/office/powerpoint/2010/main" val="2015911407"/>
+      </p:ext>
+    </p:extLst>
+  </p:cSld>
+  <p:clrMapOvr>
+    <a:masterClrMapping/>
+  </p:clrMapOvr>
+</p:sld>
+</file>
+
+<file path=ppt/slides/slide7.xml><?xml version="1.0" encoding="utf-8"?>
+<p:sld xmlns:a="http://schemas.openxmlformats.org/drawingml/2006/main" xmlns:r="http://schemas.openxmlformats.org/officeDocument/2006/relationships" xmlns:p="http://schemas.openxmlformats.org/presentationml/2006/main">
+  <p:cSld>
+    <p:spTree>
+      <p:nvGrpSpPr>
+        <p:cNvPr id="1" name=""/>
+        <p:cNvGrpSpPr/>
+        <p:nvPr/>
+      </p:nvGrpSpPr>
+      <p:grpSpPr>
+        <a:xfrm>
+          <a:off x="0" y="0"/>
+          <a:ext cx="0" cy="0"/>
+          <a:chOff x="0" y="0"/>
+          <a:chExt cx="0" cy="0"/>
+        </a:xfrm>
+      </p:grpSpPr>
+      <p:sp>
+        <p:nvSpPr>
+          <p:cNvPr id="2" name="Title 1">
+            <a:extLst>
+              <a:ext uri="{FF2B5EF4-FFF2-40B4-BE49-F238E27FC236}">
+                <a16:creationId xmlns:a16="http://schemas.microsoft.com/office/drawing/2014/main" id="{3099E1A9-DDBB-4D4C-A2B9-C59D87EA2620}"/>
+              </a:ext>
+            </a:extLst>
+          </p:cNvPr>
+          <p:cNvSpPr>
+            <a:spLocks noGrp="1"/>
+          </p:cNvSpPr>
+          <p:nvPr>
+            <p:ph type="title"/>
+          </p:nvPr>
+        </p:nvSpPr>
+        <p:spPr/>
+        <p:txBody>
+          <a:bodyPr/>
+          <a:lstStyle/>
+          <a:p>
+            <a:r>
+              <a:rPr lang="en-US" dirty="0"/>
+              <a:t>Understanding how a computer works</a:t>
+            </a:r>
+          </a:p>
+        </p:txBody>
+      </p:sp>
+      <p:sp>
+        <p:nvSpPr>
+          <p:cNvPr id="3" name="Content Placeholder 2">
+            <a:extLst>
+              <a:ext uri="{FF2B5EF4-FFF2-40B4-BE49-F238E27FC236}">
+                <a16:creationId xmlns:a16="http://schemas.microsoft.com/office/drawing/2014/main" id="{B18DAAC6-3641-49BC-AACC-EDAC408C04EC}"/>
+              </a:ext>
+            </a:extLst>
+          </p:cNvPr>
+          <p:cNvSpPr>
+            <a:spLocks noGrp="1"/>
+          </p:cNvSpPr>
+          <p:nvPr>
+            <p:ph idx="1"/>
+          </p:nvPr>
+        </p:nvSpPr>
+        <p:spPr/>
+        <p:txBody>
+          <a:bodyPr/>
+          <a:lstStyle/>
+          <a:p>
+            <a:r>
+              <a:rPr lang="en-US" dirty="0"/>
+              <a:t>This is worthwhile for everyone</a:t>
+            </a:r>
+          </a:p>
+          <a:p>
+            <a:r>
+              <a:rPr lang="en-US" dirty="0"/>
+              <a:t>Especially worthwhile for computer scientists</a:t>
+            </a:r>
+          </a:p>
+          <a:p>
+            <a:r>
+              <a:rPr lang="en-US" dirty="0"/>
+              <a:t>But doesn’t it take too much time?</a:t>
+            </a:r>
+          </a:p>
+          <a:p>
+            <a:pPr lvl="1"/>
+            <a:r>
+              <a:rPr lang="en-US" dirty="0"/>
+              <a:t>Yes… if you use high-overhead / low-power techniques (i.e. standard curriculum)</a:t>
+            </a:r>
+          </a:p>
+          <a:p>
+            <a:pPr lvl="1"/>
+            <a:r>
+              <a:rPr lang="en-US" dirty="0"/>
+              <a:t>No… if you use low-overhead / high-power techniques</a:t>
+            </a:r>
+          </a:p>
+          <a:p>
+            <a:r>
+              <a:rPr lang="en-US" dirty="0"/>
+              <a:t>Here’s an approach that works:</a:t>
+            </a:r>
+          </a:p>
+          <a:p>
+            <a:pPr lvl="1"/>
+            <a:r>
+              <a:rPr lang="en-US" dirty="0"/>
+              <a:t>Clear computational model (synchronous)</a:t>
+            </a:r>
+          </a:p>
+          <a:p>
+            <a:pPr lvl="1"/>
+            <a:r>
+              <a:rPr lang="en-US" dirty="0"/>
+              <a:t>Expressive hardware description language (Hydra)</a:t>
+            </a:r>
+          </a:p>
+          <a:p>
+            <a:pPr lvl="1"/>
+            <a:r>
+              <a:rPr lang="en-US" dirty="0"/>
+              <a:t>Suitable architecture (Sigma16)</a:t>
+            </a:r>
+          </a:p>
+        </p:txBody>
+      </p:sp>
+      <p:sp>
+        <p:nvSpPr>
+          <p:cNvPr id="4" name="Slide Number Placeholder 3">
+            <a:extLst>
+              <a:ext uri="{FF2B5EF4-FFF2-40B4-BE49-F238E27FC236}">
+                <a16:creationId xmlns:a16="http://schemas.microsoft.com/office/drawing/2014/main" id="{E8A91567-88B6-4291-A3BB-1F03A7D833F6}"/>
+              </a:ext>
+            </a:extLst>
+          </p:cNvPr>
+          <p:cNvSpPr>
+            <a:spLocks noGrp="1"/>
+          </p:cNvSpPr>
+          <p:nvPr>
+            <p:ph type="sldNum" sz="quarter" idx="12"/>
+          </p:nvPr>
+        </p:nvSpPr>
+        <p:spPr/>
+        <p:txBody>
+          <a:bodyPr/>
+          <a:lstStyle/>
+          <a:p>
+            <a:fld id="{72A0DAED-63F2-4DE8-BA3E-AD42A00CD13D}" type="slidenum">
+              <a:rPr lang="en-US" smtClean="0"/>
+              <a:t>7</a:t>
+            </a:fld>
+            <a:endParaRPr lang="en-US"/>
+          </a:p>
+        </p:txBody>
+      </p:sp>
+    </p:spTree>
+    <p:extLst>
+      <p:ext uri="{BB962C8B-B14F-4D97-AF65-F5344CB8AC3E}">
+        <p14:creationId xmlns:p14="http://schemas.microsoft.com/office/powerpoint/2010/main" val="3275373272"/>
+      </p:ext>
+    </p:extLst>
+  </p:cSld>
+  <p:clrMapOvr>
+    <a:masterClrMapping/>
+  </p:clrMapOvr>
+</p:sld>
+</file>
+
+<file path=ppt/slides/slide8.xml><?xml version="1.0" encoding="utf-8"?>
+<p:sld xmlns:a="http://schemas.openxmlformats.org/drawingml/2006/main" xmlns:r="http://schemas.openxmlformats.org/officeDocument/2006/relationships" xmlns:p="http://schemas.openxmlformats.org/presentationml/2006/main">
+  <p:cSld>
+    <p:spTree>
+      <p:nvGrpSpPr>
+        <p:cNvPr id="1" name=""/>
+        <p:cNvGrpSpPr/>
+        <p:nvPr/>
+      </p:nvGrpSpPr>
+      <p:grpSpPr>
+        <a:xfrm>
+          <a:off x="0" y="0"/>
+          <a:ext cx="0" cy="0"/>
+          <a:chOff x="0" y="0"/>
+          <a:chExt cx="0" cy="0"/>
+        </a:xfrm>
+      </p:grpSpPr>
+      <p:sp>
+        <p:nvSpPr>
+          <p:cNvPr id="2" name="Title 1">
+            <a:extLst>
+              <a:ext uri="{FF2B5EF4-FFF2-40B4-BE49-F238E27FC236}">
+                <a16:creationId xmlns:a16="http://schemas.microsoft.com/office/drawing/2014/main" id="{0AE4A317-B0A6-4851-A33F-5230528A3377}"/>
+              </a:ext>
+            </a:extLst>
+          </p:cNvPr>
+          <p:cNvSpPr>
+            <a:spLocks noGrp="1"/>
+          </p:cNvSpPr>
+          <p:nvPr>
+            <p:ph type="title"/>
+          </p:nvPr>
+        </p:nvSpPr>
+        <p:spPr/>
+        <p:txBody>
+          <a:bodyPr/>
+          <a:lstStyle/>
+          <a:p>
+            <a:r>
+              <a:rPr lang="en-US" dirty="0"/>
+              <a:t>What makes it take so long to teach systems?</a:t>
+            </a:r>
+          </a:p>
+        </p:txBody>
+      </p:sp>
+      <p:sp>
+        <p:nvSpPr>
+          <p:cNvPr id="3" name="Content Placeholder 2">
+            <a:extLst>
+              <a:ext uri="{FF2B5EF4-FFF2-40B4-BE49-F238E27FC236}">
+                <a16:creationId xmlns:a16="http://schemas.microsoft.com/office/drawing/2014/main" id="{EAFDEB86-8631-4B57-8499-903D30DC24A5}"/>
+              </a:ext>
+            </a:extLst>
+          </p:cNvPr>
+          <p:cNvSpPr>
+            <a:spLocks noGrp="1"/>
+          </p:cNvSpPr>
+          <p:nvPr>
+            <p:ph idx="1"/>
+          </p:nvPr>
+        </p:nvSpPr>
+        <p:spPr/>
+        <p:txBody>
+          <a:bodyPr/>
+          <a:lstStyle/>
+          <a:p>
+            <a:r>
+              <a:rPr lang="en-US" dirty="0"/>
+              <a:t>Lowest level: spend time on large numbers of obsolete primitive devices that violate synchronous model</a:t>
+            </a:r>
+          </a:p>
+          <a:p>
+            <a:r>
+              <a:rPr lang="en-US" dirty="0"/>
+              <a:t>Circuit design: spend time on irrelevant optimization techniques on randomly chosen examples that don’t lead anywhere</a:t>
+            </a:r>
+          </a:p>
+          <a:p>
+            <a:r>
+              <a:rPr lang="en-US" dirty="0"/>
+              <a:t>Processor architecture: spend time on irrelevant complexity of commercial machines while failing to master essential concepts</a:t>
+            </a:r>
+          </a:p>
+          <a:p>
+            <a:r>
+              <a:rPr lang="en-US" dirty="0"/>
+              <a:t>Programming language: spend time on confusing complex semantics of scripting languages</a:t>
+            </a:r>
+          </a:p>
+        </p:txBody>
+      </p:sp>
+      <p:sp>
+        <p:nvSpPr>
+          <p:cNvPr id="4" name="Slide Number Placeholder 3">
+            <a:extLst>
+              <a:ext uri="{FF2B5EF4-FFF2-40B4-BE49-F238E27FC236}">
+                <a16:creationId xmlns:a16="http://schemas.microsoft.com/office/drawing/2014/main" id="{E8B0D0DE-44D7-483A-960A-50FEB737C58B}"/>
+              </a:ext>
+            </a:extLst>
+          </p:cNvPr>
+          <p:cNvSpPr>
+            <a:spLocks noGrp="1"/>
+          </p:cNvSpPr>
+          <p:nvPr>
+            <p:ph type="sldNum" sz="quarter" idx="12"/>
+          </p:nvPr>
+        </p:nvSpPr>
+        <p:spPr/>
+        <p:txBody>
+          <a:bodyPr/>
+          <a:lstStyle/>
+          <a:p>
+            <a:fld id="{72A0DAED-63F2-4DE8-BA3E-AD42A00CD13D}" type="slidenum">
+              <a:rPr lang="en-US" smtClean="0"/>
+              <a:t>8</a:t>
+            </a:fld>
+            <a:endParaRPr lang="en-US"/>
+          </a:p>
+        </p:txBody>
+      </p:sp>
+    </p:spTree>
+    <p:extLst>
+      <p:ext uri="{BB962C8B-B14F-4D97-AF65-F5344CB8AC3E}">
+        <p14:creationId xmlns:p14="http://schemas.microsoft.com/office/powerpoint/2010/main" val="231521532"/>
+      </p:ext>
+    </p:extLst>
+  </p:cSld>
+  <p:clrMapOvr>
+    <a:masterClrMapping/>
+  </p:clrMapOvr>
+</p:sld>
+</file>
+
+<file path=ppt/slides/slide9.xml><?xml version="1.0" encoding="utf-8"?>
+<p:sld xmlns:a="http://schemas.openxmlformats.org/drawingml/2006/main" xmlns:r="http://schemas.openxmlformats.org/officeDocument/2006/relationships" xmlns:p="http://schemas.openxmlformats.org/presentationml/2006/main">
+  <p:cSld>
+    <p:spTree>
+      <p:nvGrpSpPr>
+        <p:cNvPr id="1" name=""/>
+        <p:cNvGrpSpPr/>
+        <p:nvPr/>
+      </p:nvGrpSpPr>
+      <p:grpSpPr>
+        <a:xfrm>
+          <a:off x="0" y="0"/>
+          <a:ext cx="0" cy="0"/>
+          <a:chOff x="0" y="0"/>
+          <a:chExt cx="0" cy="0"/>
+        </a:xfrm>
+      </p:grpSpPr>
+      <p:sp>
+        <p:nvSpPr>
+          <p:cNvPr id="2" name="Title 1">
+            <a:extLst>
+              <a:ext uri="{FF2B5EF4-FFF2-40B4-BE49-F238E27FC236}">
+                <a16:creationId xmlns:a16="http://schemas.microsoft.com/office/drawing/2014/main" id="{1335F5D0-132B-4439-88D0-2A7ADD39233A}"/>
+              </a:ext>
+            </a:extLst>
+          </p:cNvPr>
+          <p:cNvSpPr>
+            <a:spLocks noGrp="1"/>
+          </p:cNvSpPr>
+          <p:nvPr>
+            <p:ph type="title"/>
+          </p:nvPr>
+        </p:nvSpPr>
+        <p:spPr/>
+        <p:txBody>
+          <a:bodyPr/>
+          <a:lstStyle/>
+          <a:p>
+            <a:r>
+              <a:rPr lang="en-US" dirty="0"/>
+              <a:t>An example of what often goes wrong</a:t>
+            </a:r>
+          </a:p>
+        </p:txBody>
+      </p:sp>
+      <p:sp>
+        <p:nvSpPr>
+          <p:cNvPr id="3" name="Content Placeholder 2">
+            <a:extLst>
+              <a:ext uri="{FF2B5EF4-FFF2-40B4-BE49-F238E27FC236}">
+                <a16:creationId xmlns:a16="http://schemas.microsoft.com/office/drawing/2014/main" id="{FEFFD14C-4C87-484C-B80A-4117622839C1}"/>
+              </a:ext>
+            </a:extLst>
+          </p:cNvPr>
+          <p:cNvSpPr>
+            <a:spLocks noGrp="1"/>
+          </p:cNvSpPr>
+          <p:nvPr>
+            <p:ph idx="1"/>
+          </p:nvPr>
+        </p:nvSpPr>
+        <p:spPr>
+          <a:xfrm>
+            <a:off x="838200" y="1825625"/>
+            <a:ext cx="10515600" cy="4895850"/>
+          </a:xfrm>
+        </p:spPr>
+        <p:txBody>
+          <a:bodyPr/>
+          <a:lstStyle/>
+          <a:p>
+            <a:r>
+              <a:rPr lang="en-US" dirty="0"/>
+              <a:t>Topic: digital circuits</a:t>
+            </a:r>
+          </a:p>
+          <a:p>
+            <a:r>
+              <a:rPr lang="en-US" dirty="0"/>
+              <a:t>Start with looking at the basic building blocks</a:t>
+            </a:r>
+          </a:p>
+          <a:p>
+            <a:r>
+              <a:rPr lang="en-US" dirty="0"/>
+              <a:t>What are those?</a:t>
+            </a:r>
+          </a:p>
+          <a:p>
+            <a:pPr lvl="1"/>
+            <a:r>
+              <a:rPr lang="en-US" dirty="0"/>
+              <a:t>In modern CMOS design they are pass transistors but this gets a little too complicated for beginners, so…</a:t>
+            </a:r>
+          </a:p>
+          <a:p>
+            <a:r>
+              <a:rPr lang="en-US" dirty="0"/>
+              <a:t>SSI and MSI chips!</a:t>
+            </a:r>
+          </a:p>
+          <a:p>
+            <a:pPr lvl="1"/>
+            <a:r>
+              <a:rPr lang="en-US" dirty="0"/>
+              <a:t>Well documented! Supported by </a:t>
+            </a:r>
+            <a:r>
+              <a:rPr lang="en-GB" dirty="0"/>
+              <a:t>“standard” logic design tools and textbooks</a:t>
+            </a:r>
+          </a:p>
+          <a:p>
+            <a:pPr lvl="1"/>
+            <a:r>
+              <a:rPr lang="en-GB" dirty="0"/>
+              <a:t>But…</a:t>
+            </a:r>
+          </a:p>
+          <a:p>
+            <a:pPr lvl="1"/>
+            <a:r>
+              <a:rPr lang="en-GB" dirty="0"/>
+              <a:t>There are hundreds of them, it takes ages to master them, and they have been obsolete for 40 years</a:t>
+            </a:r>
+          </a:p>
+          <a:p>
+            <a:pPr lvl="1"/>
+            <a:r>
+              <a:rPr lang="en-GB" dirty="0"/>
+              <a:t>They actively discourage good synchronous design</a:t>
+            </a:r>
+            <a:endParaRPr lang="en-US" dirty="0"/>
+          </a:p>
+        </p:txBody>
+      </p:sp>
+      <p:sp>
+        <p:nvSpPr>
+          <p:cNvPr id="4" name="Slide Number Placeholder 3">
+            <a:extLst>
+              <a:ext uri="{FF2B5EF4-FFF2-40B4-BE49-F238E27FC236}">
+                <a16:creationId xmlns:a16="http://schemas.microsoft.com/office/drawing/2014/main" id="{D2A65A96-4434-41AE-84E0-B12FAC085AC1}"/>
+              </a:ext>
+            </a:extLst>
+          </p:cNvPr>
+          <p:cNvSpPr>
+            <a:spLocks noGrp="1"/>
+          </p:cNvSpPr>
+          <p:nvPr>
+            <p:ph type="sldNum" sz="quarter" idx="12"/>
+          </p:nvPr>
+        </p:nvSpPr>
+        <p:spPr/>
+        <p:txBody>
+          <a:bodyPr/>
+          <a:lstStyle/>
+          <a:p>
+            <a:fld id="{72A0DAED-63F2-4DE8-BA3E-AD42A00CD13D}" type="slidenum">
+              <a:rPr lang="en-US" smtClean="0"/>
+              <a:t>9</a:t>
+            </a:fld>
+            <a:endParaRPr lang="en-US"/>
+          </a:p>
+        </p:txBody>
+      </p:sp>
+    </p:spTree>
+    <p:extLst>
+      <p:ext uri="{BB962C8B-B14F-4D97-AF65-F5344CB8AC3E}">
+        <p14:creationId xmlns:p14="http://schemas.microsoft.com/office/powerpoint/2010/main" val="2382348304"/>
       </p:ext>
     </p:extLst>
   </p:cSld>
@@ -5255,4 +11683,299 @@
     </a:ext>
   </a:extLst>
 </a:theme>
+</file>
+
+<file path=ppt/theme/theme2.xml><?xml version="1.0" encoding="utf-8"?>
+<a:theme xmlns:a="http://schemas.openxmlformats.org/drawingml/2006/main" name="Office Theme">
+  <a:themeElements>
+    <a:clrScheme name="Office">
+      <a:dk1>
+        <a:sysClr val="windowText" lastClr="000000"/>
+      </a:dk1>
+      <a:lt1>
+        <a:sysClr val="window" lastClr="FFFFFF"/>
+      </a:lt1>
+      <a:dk2>
+        <a:srgbClr val="44546A"/>
+      </a:dk2>
+      <a:lt2>
+        <a:srgbClr val="E7E6E6"/>
+      </a:lt2>
+      <a:accent1>
+        <a:srgbClr val="4472C4"/>
+      </a:accent1>
+      <a:accent2>
+        <a:srgbClr val="ED7D31"/>
+      </a:accent2>
+      <a:accent3>
+        <a:srgbClr val="A5A5A5"/>
+      </a:accent3>
+      <a:accent4>
+        <a:srgbClr val="FFC000"/>
+      </a:accent4>
+      <a:accent5>
+        <a:srgbClr val="5B9BD5"/>
+      </a:accent5>
+      <a:accent6>
+        <a:srgbClr val="70AD47"/>
+      </a:accent6>
+      <a:hlink>
+        <a:srgbClr val="0563C1"/>
+      </a:hlink>
+      <a:folHlink>
+        <a:srgbClr val="954F72"/>
+      </a:folHlink>
+    </a:clrScheme>
+    <a:fontScheme name="Office">
+      <a:majorFont>
+        <a:latin typeface="Calibri Light" panose="020F0302020204030204"/>
+        <a:ea typeface=""/>
+        <a:cs typeface=""/>
+        <a:font script="Jpan" typeface="游ゴシック Light"/>
+        <a:font script="Hang" typeface="맑은 고딕"/>
+        <a:font script="Hans" typeface="等线 Light"/>
+        <a:font script="Hant" typeface="新細明體"/>
+        <a:font script="Arab" typeface="Times New Roman"/>
+        <a:font script="Hebr" typeface="Times New Roman"/>
+        <a:font script="Thai" typeface="Angsana New"/>
+        <a:font script="Ethi" typeface="Nyala"/>
+        <a:font script="Beng" typeface="Vrinda"/>
+        <a:font script="Gujr" typeface="Shruti"/>
+        <a:font script="Khmr" typeface="MoolBoran"/>
+        <a:font script="Knda" typeface="Tunga"/>
+        <a:font script="Guru" typeface="Raavi"/>
+        <a:font script="Cans" typeface="Euphemia"/>
+        <a:font script="Cher" typeface="Plantagenet Cherokee"/>
+        <a:font script="Yiii" typeface="Microsoft Yi Baiti"/>
+        <a:font script="Tibt" typeface="Microsoft Himalaya"/>
+        <a:font script="Thaa" typeface="MV Boli"/>
+        <a:font script="Deva" typeface="Mangal"/>
+        <a:font script="Telu" typeface="Gautami"/>
+        <a:font script="Taml" typeface="Latha"/>
+        <a:font script="Syrc" typeface="Estrangelo Edessa"/>
+        <a:font script="Orya" typeface="Kalinga"/>
+        <a:font script="Mlym" typeface="Kartika"/>
+        <a:font script="Laoo" typeface="DokChampa"/>
+        <a:font script="Sinh" typeface="Iskoola Pota"/>
+        <a:font script="Mong" typeface="Mongolian Baiti"/>
+        <a:font script="Viet" typeface="Times New Roman"/>
+        <a:font script="Uigh" typeface="Microsoft Uighur"/>
+        <a:font script="Geor" typeface="Sylfaen"/>
+        <a:font script="Armn" typeface="Arial"/>
+        <a:font script="Bugi" typeface="Leelawadee UI"/>
+        <a:font script="Bopo" typeface="Microsoft JhengHei"/>
+        <a:font script="Java" typeface="Javanese Text"/>
+        <a:font script="Lisu" typeface="Segoe UI"/>
+        <a:font script="Mymr" typeface="Myanmar Text"/>
+        <a:font script="Nkoo" typeface="Ebrima"/>
+        <a:font script="Olck" typeface="Nirmala UI"/>
+        <a:font script="Osma" typeface="Ebrima"/>
+        <a:font script="Phag" typeface="Phagspa"/>
+        <a:font script="Syrn" typeface="Estrangelo Edessa"/>
+        <a:font script="Syrj" typeface="Estrangelo Edessa"/>
+        <a:font script="Syre" typeface="Estrangelo Edessa"/>
+        <a:font script="Sora" typeface="Nirmala UI"/>
+        <a:font script="Tale" typeface="Microsoft Tai Le"/>
+        <a:font script="Talu" typeface="Microsoft New Tai Lue"/>
+        <a:font script="Tfng" typeface="Ebrima"/>
+      </a:majorFont>
+      <a:minorFont>
+        <a:latin typeface="Calibri" panose="020F0502020204030204"/>
+        <a:ea typeface=""/>
+        <a:cs typeface=""/>
+        <a:font script="Jpan" typeface="游ゴシック"/>
+        <a:font script="Hang" typeface="맑은 고딕"/>
+        <a:font script="Hans" typeface="等线"/>
+        <a:font script="Hant" typeface="新細明體"/>
+        <a:font script="Arab" typeface="Arial"/>
+        <a:font script="Hebr" typeface="Arial"/>
+        <a:font script="Thai" typeface="Cordia New"/>
+        <a:font script="Ethi" typeface="Nyala"/>
+        <a:font script="Beng" typeface="Vrinda"/>
+        <a:font script="Gujr" typeface="Shruti"/>
+        <a:font script="Khmr" typeface="DaunPenh"/>
+        <a:font script="Knda" typeface="Tunga"/>
+        <a:font script="Guru" typeface="Raavi"/>
+        <a:font script="Cans" typeface="Euphemia"/>
+        <a:font script="Cher" typeface="Plantagenet Cherokee"/>
+        <a:font script="Yiii" typeface="Microsoft Yi Baiti"/>
+        <a:font script="Tibt" typeface="Microsoft Himalaya"/>
+        <a:font script="Thaa" typeface="MV Boli"/>
+        <a:font script="Deva" typeface="Mangal"/>
+        <a:font script="Telu" typeface="Gautami"/>
+        <a:font script="Taml" typeface="Latha"/>
+        <a:font script="Syrc" typeface="Estrangelo Edessa"/>
+        <a:font script="Orya" typeface="Kalinga"/>
+        <a:font script="Mlym" typeface="Kartika"/>
+        <a:font script="Laoo" typeface="DokChampa"/>
+        <a:font script="Sinh" typeface="Iskoola Pota"/>
+        <a:font script="Mong" typeface="Mongolian Baiti"/>
+        <a:font script="Viet" typeface="Arial"/>
+        <a:font script="Uigh" typeface="Microsoft Uighur"/>
+        <a:font script="Geor" typeface="Sylfaen"/>
+        <a:font script="Armn" typeface="Arial"/>
+        <a:font script="Bugi" typeface="Leelawadee UI"/>
+        <a:font script="Bopo" typeface="Microsoft JhengHei"/>
+        <a:font script="Java" typeface="Javanese Text"/>
+        <a:font script="Lisu" typeface="Segoe UI"/>
+        <a:font script="Mymr" typeface="Myanmar Text"/>
+        <a:font script="Nkoo" typeface="Ebrima"/>
+        <a:font script="Olck" typeface="Nirmala UI"/>
+        <a:font script="Osma" typeface="Ebrima"/>
+        <a:font script="Phag" typeface="Phagspa"/>
+        <a:font script="Syrn" typeface="Estrangelo Edessa"/>
+        <a:font script="Syrj" typeface="Estrangelo Edessa"/>
+        <a:font script="Syre" typeface="Estrangelo Edessa"/>
+        <a:font script="Sora" typeface="Nirmala UI"/>
+        <a:font script="Tale" typeface="Microsoft Tai Le"/>
+        <a:font script="Talu" typeface="Microsoft New Tai Lue"/>
+        <a:font script="Tfng" typeface="Ebrima"/>
+      </a:minorFont>
+    </a:fontScheme>
+    <a:fmtScheme name="Office">
+      <a:fillStyleLst>
+        <a:solidFill>
+          <a:schemeClr val="phClr"/>
+        </a:solidFill>
+        <a:gradFill rotWithShape="1">
+          <a:gsLst>
+            <a:gs pos="0">
+              <a:schemeClr val="phClr">
+                <a:lumMod val="110000"/>
+                <a:satMod val="105000"/>
+                <a:tint val="67000"/>
+              </a:schemeClr>
+            </a:gs>
+            <a:gs pos="50000">
+              <a:schemeClr val="phClr">
+                <a:lumMod val="105000"/>
+                <a:satMod val="103000"/>
+                <a:tint val="73000"/>
+              </a:schemeClr>
+            </a:gs>
+            <a:gs pos="100000">
+              <a:schemeClr val="phClr">
+                <a:lumMod val="105000"/>
+                <a:satMod val="109000"/>
+                <a:tint val="81000"/>
+              </a:schemeClr>
+            </a:gs>
+          </a:gsLst>
+          <a:lin ang="5400000" scaled="0"/>
+        </a:gradFill>
+        <a:gradFill rotWithShape="1">
+          <a:gsLst>
+            <a:gs pos="0">
+              <a:schemeClr val="phClr">
+                <a:satMod val="103000"/>
+                <a:lumMod val="102000"/>
+                <a:tint val="94000"/>
+              </a:schemeClr>
+            </a:gs>
+            <a:gs pos="50000">
+              <a:schemeClr val="phClr">
+                <a:satMod val="110000"/>
+                <a:lumMod val="100000"/>
+                <a:shade val="100000"/>
+              </a:schemeClr>
+            </a:gs>
+            <a:gs pos="100000">
+              <a:schemeClr val="phClr">
+                <a:lumMod val="99000"/>
+                <a:satMod val="120000"/>
+                <a:shade val="78000"/>
+              </a:schemeClr>
+            </a:gs>
+          </a:gsLst>
+          <a:lin ang="5400000" scaled="0"/>
+        </a:gradFill>
+      </a:fillStyleLst>
+      <a:lnStyleLst>
+        <a:ln w="6350" cap="flat" cmpd="sng" algn="ctr">
+          <a:solidFill>
+            <a:schemeClr val="phClr"/>
+          </a:solidFill>
+          <a:prstDash val="solid"/>
+          <a:miter lim="800000"/>
+        </a:ln>
+        <a:ln w="12700" cap="flat" cmpd="sng" algn="ctr">
+          <a:solidFill>
+            <a:schemeClr val="phClr"/>
+          </a:solidFill>
+          <a:prstDash val="solid"/>
+          <a:miter lim="800000"/>
+        </a:ln>
+        <a:ln w="19050" cap="flat" cmpd="sng" algn="ctr">
+          <a:solidFill>
+            <a:schemeClr val="phClr"/>
+          </a:solidFill>
+          <a:prstDash val="solid"/>
+          <a:miter lim="800000"/>
+        </a:ln>
+      </a:lnStyleLst>
+      <a:effectStyleLst>
+        <a:effectStyle>
+          <a:effectLst/>
+        </a:effectStyle>
+        <a:effectStyle>
+          <a:effectLst/>
+        </a:effectStyle>
+        <a:effectStyle>
+          <a:effectLst>
+            <a:outerShdw blurRad="57150" dist="19050" dir="5400000" algn="ctr" rotWithShape="0">
+              <a:srgbClr val="000000">
+                <a:alpha val="63000"/>
+              </a:srgbClr>
+            </a:outerShdw>
+          </a:effectLst>
+        </a:effectStyle>
+      </a:effectStyleLst>
+      <a:bgFillStyleLst>
+        <a:solidFill>
+          <a:schemeClr val="phClr"/>
+        </a:solidFill>
+        <a:solidFill>
+          <a:schemeClr val="phClr">
+            <a:tint val="95000"/>
+            <a:satMod val="170000"/>
+          </a:schemeClr>
+        </a:solidFill>
+        <a:gradFill rotWithShape="1">
+          <a:gsLst>
+            <a:gs pos="0">
+              <a:schemeClr val="phClr">
+                <a:tint val="93000"/>
+                <a:satMod val="150000"/>
+                <a:shade val="98000"/>
+                <a:lumMod val="102000"/>
+              </a:schemeClr>
+            </a:gs>
+            <a:gs pos="50000">
+              <a:schemeClr val="phClr">
+                <a:tint val="98000"/>
+                <a:satMod val="130000"/>
+                <a:shade val="90000"/>
+                <a:lumMod val="103000"/>
+              </a:schemeClr>
+            </a:gs>
+            <a:gs pos="100000">
+              <a:schemeClr val="phClr">
+                <a:shade val="63000"/>
+                <a:satMod val="120000"/>
+              </a:schemeClr>
+            </a:gs>
+          </a:gsLst>
+          <a:lin ang="5400000" scaled="0"/>
+        </a:gradFill>
+      </a:bgFillStyleLst>
+    </a:fmtScheme>
+  </a:themeElements>
+  <a:objectDefaults/>
+  <a:extraClrSchemeLst/>
+  <a:extLst>
+    <a:ext uri="{05A4C25C-085E-4340-85A3-A5531E510DB2}">
+      <thm15:themeFamily xmlns:thm15="http://schemas.microsoft.com/office/thememl/2012/main" name="Office Theme" id="{62F939B6-93AF-4DB8-9C6B-D6C7DFDC589F}" vid="{4A3C46E8-61CC-4603-A589-7422A47A8E4A}"/>
+    </a:ext>
+  </a:extLst>
+</a:theme>
 </file>